--- a/所有组员每周任务/Date0104-2019/PRD2018-G10-需求变更评审ppt.pptx
+++ b/所有组员每周任务/Date0104-2019/PRD2018-G10-需求变更评审ppt.pptx
@@ -7,26 +7,28 @@
   <p:sldIdLst>
     <p:sldId id="280" r:id="rId2"/>
     <p:sldId id="281" r:id="rId3"/>
-    <p:sldId id="282" r:id="rId4"/>
-    <p:sldId id="301" r:id="rId5"/>
-    <p:sldId id="356" r:id="rId6"/>
-    <p:sldId id="357" r:id="rId7"/>
-    <p:sldId id="358" r:id="rId8"/>
-    <p:sldId id="286" r:id="rId9"/>
-    <p:sldId id="287" r:id="rId10"/>
-    <p:sldId id="305" r:id="rId11"/>
-    <p:sldId id="290" r:id="rId12"/>
-    <p:sldId id="308" r:id="rId13"/>
-    <p:sldId id="359" r:id="rId14"/>
-    <p:sldId id="360" r:id="rId15"/>
-    <p:sldId id="361" r:id="rId16"/>
-    <p:sldId id="362" r:id="rId17"/>
-    <p:sldId id="294" r:id="rId18"/>
-    <p:sldId id="309" r:id="rId19"/>
-    <p:sldId id="363" r:id="rId20"/>
-    <p:sldId id="364" r:id="rId21"/>
-    <p:sldId id="365" r:id="rId22"/>
-    <p:sldId id="298" r:id="rId23"/>
+    <p:sldId id="366" r:id="rId4"/>
+    <p:sldId id="367" r:id="rId5"/>
+    <p:sldId id="282" r:id="rId6"/>
+    <p:sldId id="301" r:id="rId7"/>
+    <p:sldId id="356" r:id="rId8"/>
+    <p:sldId id="357" r:id="rId9"/>
+    <p:sldId id="358" r:id="rId10"/>
+    <p:sldId id="286" r:id="rId11"/>
+    <p:sldId id="287" r:id="rId12"/>
+    <p:sldId id="305" r:id="rId13"/>
+    <p:sldId id="290" r:id="rId14"/>
+    <p:sldId id="308" r:id="rId15"/>
+    <p:sldId id="359" r:id="rId16"/>
+    <p:sldId id="360" r:id="rId17"/>
+    <p:sldId id="361" r:id="rId18"/>
+    <p:sldId id="362" r:id="rId19"/>
+    <p:sldId id="294" r:id="rId20"/>
+    <p:sldId id="309" r:id="rId21"/>
+    <p:sldId id="363" r:id="rId22"/>
+    <p:sldId id="364" r:id="rId23"/>
+    <p:sldId id="365" r:id="rId24"/>
+    <p:sldId id="298" r:id="rId25"/>
   </p:sldIdLst>
   <p:sldSz cx="12192000" cy="6858000"/>
   <p:notesSz cx="6858000" cy="9144000"/>
@@ -3189,6 +3191,3003 @@
       </p:grpSpPr>
       <p:sp>
         <p:nvSpPr>
+          <p:cNvPr id="2" name="矩形 1"/>
+          <p:cNvSpPr/>
+          <p:nvPr/>
+        </p:nvSpPr>
+        <p:spPr>
+          <a:xfrm>
+            <a:off x="5029200" y="1543050"/>
+            <a:ext cx="6648450" cy="3810000"/>
+          </a:xfrm>
+          <a:prstGeom prst="rect">
+            <a:avLst/>
+          </a:prstGeom>
+          <a:solidFill>
+            <a:schemeClr val="bg1">
+              <a:alpha val="20000"/>
+            </a:schemeClr>
+          </a:solidFill>
+          <a:ln>
+            <a:noFill/>
+          </a:ln>
+        </p:spPr>
+        <p:style>
+          <a:lnRef idx="2">
+            <a:schemeClr val="accent1">
+              <a:shade val="50000"/>
+            </a:schemeClr>
+          </a:lnRef>
+          <a:fillRef idx="1">
+            <a:schemeClr val="accent1"/>
+          </a:fillRef>
+          <a:effectRef idx="0">
+            <a:schemeClr val="accent1"/>
+          </a:effectRef>
+          <a:fontRef idx="minor">
+            <a:schemeClr val="lt1"/>
+          </a:fontRef>
+        </p:style>
+        <p:txBody>
+          <a:bodyPr rtlCol="0" anchor="ctr"/>
+          <a:lstStyle/>
+          <a:p>
+            <a:pPr algn="ctr"/>
+            <a:endParaRPr lang="zh-CN" altLang="en-US"/>
+          </a:p>
+        </p:txBody>
+      </p:sp>
+      <p:sp>
+        <p:nvSpPr>
+          <p:cNvPr id="3" name="文本框 2"/>
+          <p:cNvSpPr txBox="1"/>
+          <p:nvPr/>
+        </p:nvSpPr>
+        <p:spPr>
+          <a:xfrm>
+            <a:off x="2722356" y="-609401"/>
+            <a:ext cx="4610100" cy="7786747"/>
+          </a:xfrm>
+          <a:prstGeom prst="rect">
+            <a:avLst/>
+          </a:prstGeom>
+          <a:noFill/>
+        </p:spPr>
+        <p:txBody>
+          <a:bodyPr wrap="square" rtlCol="0">
+            <a:spAutoFit/>
+          </a:bodyPr>
+          <a:lstStyle/>
+          <a:p>
+            <a:r>
+              <a:rPr lang="en-US" altLang="zh-CN" sz="50000" dirty="0">
+                <a:solidFill>
+                  <a:schemeClr val="bg1"/>
+                </a:solidFill>
+              </a:rPr>
+              <a:t>2</a:t>
+            </a:r>
+            <a:endParaRPr lang="zh-CN" altLang="en-US" sz="50000" dirty="0">
+              <a:solidFill>
+                <a:schemeClr val="bg1"/>
+              </a:solidFill>
+            </a:endParaRPr>
+          </a:p>
+        </p:txBody>
+      </p:sp>
+      <p:sp>
+        <p:nvSpPr>
+          <p:cNvPr id="4" name="矩形 3"/>
+          <p:cNvSpPr/>
+          <p:nvPr/>
+        </p:nvSpPr>
+        <p:spPr>
+          <a:xfrm>
+            <a:off x="6197850" y="2921169"/>
+            <a:ext cx="5570752" cy="1015661"/>
+          </a:xfrm>
+          <a:prstGeom prst="rect">
+            <a:avLst/>
+          </a:prstGeom>
+        </p:spPr>
+        <p:txBody>
+          <a:bodyPr wrap="none" lIns="91438" tIns="45719" rIns="91438" bIns="45719">
+            <a:spAutoFit/>
+          </a:bodyPr>
+          <a:lstStyle/>
+          <a:p>
+            <a:r>
+              <a:rPr lang="zh-CN" altLang="en-US" sz="6000" b="1" dirty="0">
+                <a:solidFill>
+                  <a:schemeClr val="bg1"/>
+                </a:solidFill>
+                <a:latin typeface="微软雅黑" panose="020B0503020204020204" pitchFamily="34" charset="-122"/>
+                <a:ea typeface="微软雅黑" panose="020B0503020204020204" pitchFamily="34" charset="-122"/>
+              </a:rPr>
+              <a:t>需求变更申请书</a:t>
+            </a:r>
+          </a:p>
+        </p:txBody>
+      </p:sp>
+    </p:spTree>
+    <p:extLst>
+      <p:ext uri="{BB962C8B-B14F-4D97-AF65-F5344CB8AC3E}">
+        <p14:creationId xmlns:p14="http://schemas.microsoft.com/office/powerpoint/2010/main" val="3906356019"/>
+      </p:ext>
+    </p:extLst>
+  </p:cSld>
+  <p:clrMapOvr>
+    <a:masterClrMapping/>
+  </p:clrMapOvr>
+</p:sld>
+</file>
+
+<file path=ppt/slides/slide11.xml><?xml version="1.0" encoding="utf-8"?>
+<p:sld xmlns:a="http://schemas.openxmlformats.org/drawingml/2006/main" xmlns:r="http://schemas.openxmlformats.org/officeDocument/2006/relationships" xmlns:p="http://schemas.openxmlformats.org/presentationml/2006/main">
+  <p:cSld>
+    <p:spTree>
+      <p:nvGrpSpPr>
+        <p:cNvPr id="1" name=""/>
+        <p:cNvGrpSpPr/>
+        <p:nvPr/>
+      </p:nvGrpSpPr>
+      <p:grpSpPr>
+        <a:xfrm>
+          <a:off x="0" y="0"/>
+          <a:ext cx="0" cy="0"/>
+          <a:chOff x="0" y="0"/>
+          <a:chExt cx="0" cy="0"/>
+        </a:xfrm>
+      </p:grpSpPr>
+      <p:sp>
+        <p:nvSpPr>
+          <p:cNvPr id="2" name="文本占位符 1"/>
+          <p:cNvSpPr>
+            <a:spLocks noGrp="1"/>
+          </p:cNvSpPr>
+          <p:nvPr>
+            <p:ph type="body" sz="quarter" idx="10"/>
+          </p:nvPr>
+        </p:nvSpPr>
+        <p:spPr>
+          <a:xfrm>
+            <a:off x="4420983" y="302450"/>
+            <a:ext cx="4365911" cy="362404"/>
+          </a:xfrm>
+        </p:spPr>
+        <p:txBody>
+          <a:bodyPr/>
+          <a:lstStyle/>
+          <a:p>
+            <a:r>
+              <a:rPr kumimoji="1" lang="zh-CN" altLang="en-US" sz="4000" dirty="0">
+                <a:latin typeface="Century Gothic"/>
+              </a:rPr>
+              <a:t>需求变更申请书</a:t>
+            </a:r>
+          </a:p>
+        </p:txBody>
+      </p:sp>
+      <p:graphicFrame>
+        <p:nvGraphicFramePr>
+          <p:cNvPr id="4" name="表格 3">
+            <a:extLst>
+              <a:ext uri="{FF2B5EF4-FFF2-40B4-BE49-F238E27FC236}">
+                <a16:creationId xmlns:a16="http://schemas.microsoft.com/office/drawing/2014/main" id="{415929D9-77B6-4DEF-A217-1E1E3EE887F9}"/>
+              </a:ext>
+            </a:extLst>
+          </p:cNvPr>
+          <p:cNvGraphicFramePr>
+            <a:graphicFrameLocks noGrp="1"/>
+          </p:cNvGraphicFramePr>
+          <p:nvPr>
+            <p:extLst>
+              <p:ext uri="{D42A27DB-BD31-4B8C-83A1-F6EECF244321}">
+                <p14:modId xmlns:p14="http://schemas.microsoft.com/office/powerpoint/2010/main" val="1712738999"/>
+              </p:ext>
+            </p:extLst>
+          </p:nvPr>
+        </p:nvGraphicFramePr>
+        <p:xfrm>
+          <a:off x="1524000" y="1143001"/>
+          <a:ext cx="8915396" cy="5785980"/>
+        </p:xfrm>
+        <a:graphic>
+          <a:graphicData uri="http://schemas.openxmlformats.org/drawingml/2006/table">
+            <a:tbl>
+              <a:tblPr>
+                <a:tableStyleId>{5C22544A-7EE6-4342-B048-85BDC9FD1C3A}</a:tableStyleId>
+              </a:tblPr>
+              <a:tblGrid>
+                <a:gridCol w="1844970">
+                  <a:extLst>
+                    <a:ext uri="{9D8B030D-6E8A-4147-A177-3AD203B41FA5}">
+                      <a16:colId xmlns:a16="http://schemas.microsoft.com/office/drawing/2014/main" val="2668535416"/>
+                    </a:ext>
+                  </a:extLst>
+                </a:gridCol>
+                <a:gridCol w="1027596">
+                  <a:extLst>
+                    <a:ext uri="{9D8B030D-6E8A-4147-A177-3AD203B41FA5}">
+                      <a16:colId xmlns:a16="http://schemas.microsoft.com/office/drawing/2014/main" val="1461703913"/>
+                    </a:ext>
+                  </a:extLst>
+                </a:gridCol>
+                <a:gridCol w="193245">
+                  <a:extLst>
+                    <a:ext uri="{9D8B030D-6E8A-4147-A177-3AD203B41FA5}">
+                      <a16:colId xmlns:a16="http://schemas.microsoft.com/office/drawing/2014/main" val="3161970371"/>
+                    </a:ext>
+                  </a:extLst>
+                </a:gridCol>
+                <a:gridCol w="193245">
+                  <a:extLst>
+                    <a:ext uri="{9D8B030D-6E8A-4147-A177-3AD203B41FA5}">
+                      <a16:colId xmlns:a16="http://schemas.microsoft.com/office/drawing/2014/main" val="1832607062"/>
+                    </a:ext>
+                  </a:extLst>
+                </a:gridCol>
+                <a:gridCol w="193245">
+                  <a:extLst>
+                    <a:ext uri="{9D8B030D-6E8A-4147-A177-3AD203B41FA5}">
+                      <a16:colId xmlns:a16="http://schemas.microsoft.com/office/drawing/2014/main" val="56511867"/>
+                    </a:ext>
+                  </a:extLst>
+                </a:gridCol>
+                <a:gridCol w="1018099">
+                  <a:extLst>
+                    <a:ext uri="{9D8B030D-6E8A-4147-A177-3AD203B41FA5}">
+                      <a16:colId xmlns:a16="http://schemas.microsoft.com/office/drawing/2014/main" val="108229916"/>
+                    </a:ext>
+                  </a:extLst>
+                </a:gridCol>
+                <a:gridCol w="241300">
+                  <a:extLst>
+                    <a:ext uri="{9D8B030D-6E8A-4147-A177-3AD203B41FA5}">
+                      <a16:colId xmlns:a16="http://schemas.microsoft.com/office/drawing/2014/main" val="3741690701"/>
+                    </a:ext>
+                  </a:extLst>
+                </a:gridCol>
+                <a:gridCol w="978592">
+                  <a:extLst>
+                    <a:ext uri="{9D8B030D-6E8A-4147-A177-3AD203B41FA5}">
+                      <a16:colId xmlns:a16="http://schemas.microsoft.com/office/drawing/2014/main" val="2296783192"/>
+                    </a:ext>
+                  </a:extLst>
+                </a:gridCol>
+                <a:gridCol w="193245">
+                  <a:extLst>
+                    <a:ext uri="{9D8B030D-6E8A-4147-A177-3AD203B41FA5}">
+                      <a16:colId xmlns:a16="http://schemas.microsoft.com/office/drawing/2014/main" val="740469938"/>
+                    </a:ext>
+                  </a:extLst>
+                </a:gridCol>
+                <a:gridCol w="193245">
+                  <a:extLst>
+                    <a:ext uri="{9D8B030D-6E8A-4147-A177-3AD203B41FA5}">
+                      <a16:colId xmlns:a16="http://schemas.microsoft.com/office/drawing/2014/main" val="635127127"/>
+                    </a:ext>
+                  </a:extLst>
+                </a:gridCol>
+                <a:gridCol w="386490">
+                  <a:extLst>
+                    <a:ext uri="{9D8B030D-6E8A-4147-A177-3AD203B41FA5}">
+                      <a16:colId xmlns:a16="http://schemas.microsoft.com/office/drawing/2014/main" val="2134645408"/>
+                    </a:ext>
+                  </a:extLst>
+                </a:gridCol>
+                <a:gridCol w="193245">
+                  <a:extLst>
+                    <a:ext uri="{9D8B030D-6E8A-4147-A177-3AD203B41FA5}">
+                      <a16:colId xmlns:a16="http://schemas.microsoft.com/office/drawing/2014/main" val="1010947721"/>
+                    </a:ext>
+                  </a:extLst>
+                </a:gridCol>
+                <a:gridCol w="193245">
+                  <a:extLst>
+                    <a:ext uri="{9D8B030D-6E8A-4147-A177-3AD203B41FA5}">
+                      <a16:colId xmlns:a16="http://schemas.microsoft.com/office/drawing/2014/main" val="2270113330"/>
+                    </a:ext>
+                  </a:extLst>
+                </a:gridCol>
+                <a:gridCol w="386490">
+                  <a:extLst>
+                    <a:ext uri="{9D8B030D-6E8A-4147-A177-3AD203B41FA5}">
+                      <a16:colId xmlns:a16="http://schemas.microsoft.com/office/drawing/2014/main" val="2096919963"/>
+                    </a:ext>
+                  </a:extLst>
+                </a:gridCol>
+                <a:gridCol w="790148">
+                  <a:extLst>
+                    <a:ext uri="{9D8B030D-6E8A-4147-A177-3AD203B41FA5}">
+                      <a16:colId xmlns:a16="http://schemas.microsoft.com/office/drawing/2014/main" val="977819983"/>
+                    </a:ext>
+                  </a:extLst>
+                </a:gridCol>
+                <a:gridCol w="888996">
+                  <a:extLst>
+                    <a:ext uri="{9D8B030D-6E8A-4147-A177-3AD203B41FA5}">
+                      <a16:colId xmlns:a16="http://schemas.microsoft.com/office/drawing/2014/main" val="1174100347"/>
+                    </a:ext>
+                  </a:extLst>
+                </a:gridCol>
+              </a:tblGrid>
+              <a:tr h="231541">
+                <a:tc>
+                  <a:txBody>
+                    <a:bodyPr/>
+                    <a:lstStyle/>
+                    <a:p>
+                      <a:pPr algn="ctr">
+                        <a:spcAft>
+                          <a:spcPts val="0"/>
+                        </a:spcAft>
+                      </a:pPr>
+                      <a:r>
+                        <a:rPr lang="zh-CN" sz="1600" kern="100">
+                          <a:effectLst/>
+                        </a:rPr>
+                        <a:t>问题提出人</a:t>
+                      </a:r>
+                      <a:endParaRPr lang="zh-CN" sz="1600" kern="100">
+                        <a:effectLst/>
+                        <a:latin typeface="Times New Roman" panose="02020603050405020304" pitchFamily="18" charset="0"/>
+                        <a:ea typeface="宋体" panose="02010600030101010101" pitchFamily="2" charset="-122"/>
+                      </a:endParaRPr>
+                    </a:p>
+                  </a:txBody>
+                  <a:tcPr marL="44159" marR="44159" marT="0" marB="0"/>
+                </a:tc>
+                <a:tc gridSpan="8">
+                  <a:txBody>
+                    <a:bodyPr/>
+                    <a:lstStyle/>
+                    <a:p>
+                      <a:pPr algn="l">
+                        <a:spcAft>
+                          <a:spcPts val="0"/>
+                        </a:spcAft>
+                      </a:pPr>
+                      <a:r>
+                        <a:rPr lang="zh-CN" sz="1600" kern="100">
+                          <a:effectLst/>
+                        </a:rPr>
+                        <a:t>杨枨老师</a:t>
+                      </a:r>
+                      <a:endParaRPr lang="zh-CN" sz="1600" kern="100">
+                        <a:effectLst/>
+                        <a:latin typeface="Times New Roman" panose="02020603050405020304" pitchFamily="18" charset="0"/>
+                        <a:ea typeface="宋体" panose="02010600030101010101" pitchFamily="2" charset="-122"/>
+                      </a:endParaRPr>
+                    </a:p>
+                  </a:txBody>
+                  <a:tcPr marL="44159" marR="44159" marT="0" marB="0"/>
+                </a:tc>
+                <a:tc hMerge="1">
+                  <a:txBody>
+                    <a:bodyPr/>
+                    <a:lstStyle/>
+                    <a:p>
+                      <a:endParaRPr lang="zh-CN" altLang="en-US"/>
+                    </a:p>
+                  </a:txBody>
+                  <a:tcPr/>
+                </a:tc>
+                <a:tc hMerge="1">
+                  <a:txBody>
+                    <a:bodyPr/>
+                    <a:lstStyle/>
+                    <a:p>
+                      <a:endParaRPr lang="zh-CN" altLang="en-US"/>
+                    </a:p>
+                  </a:txBody>
+                  <a:tcPr/>
+                </a:tc>
+                <a:tc hMerge="1">
+                  <a:txBody>
+                    <a:bodyPr/>
+                    <a:lstStyle/>
+                    <a:p>
+                      <a:endParaRPr lang="zh-CN" altLang="en-US"/>
+                    </a:p>
+                  </a:txBody>
+                  <a:tcPr/>
+                </a:tc>
+                <a:tc hMerge="1">
+                  <a:txBody>
+                    <a:bodyPr/>
+                    <a:lstStyle/>
+                    <a:p>
+                      <a:endParaRPr lang="zh-CN" altLang="en-US"/>
+                    </a:p>
+                  </a:txBody>
+                  <a:tcPr/>
+                </a:tc>
+                <a:tc hMerge="1">
+                  <a:txBody>
+                    <a:bodyPr/>
+                    <a:lstStyle/>
+                    <a:p>
+                      <a:endParaRPr lang="zh-CN" altLang="en-US"/>
+                    </a:p>
+                  </a:txBody>
+                  <a:tcPr/>
+                </a:tc>
+                <a:tc hMerge="1">
+                  <a:txBody>
+                    <a:bodyPr/>
+                    <a:lstStyle/>
+                    <a:p>
+                      <a:endParaRPr lang="zh-CN" altLang="en-US"/>
+                    </a:p>
+                  </a:txBody>
+                  <a:tcPr/>
+                </a:tc>
+                <a:tc hMerge="1">
+                  <a:txBody>
+                    <a:bodyPr/>
+                    <a:lstStyle/>
+                    <a:p>
+                      <a:endParaRPr lang="zh-CN" altLang="en-US"/>
+                    </a:p>
+                  </a:txBody>
+                  <a:tcPr/>
+                </a:tc>
+                <a:tc gridSpan="4">
+                  <a:txBody>
+                    <a:bodyPr/>
+                    <a:lstStyle/>
+                    <a:p>
+                      <a:pPr algn="ctr">
+                        <a:spcAft>
+                          <a:spcPts val="0"/>
+                        </a:spcAft>
+                      </a:pPr>
+                      <a:r>
+                        <a:rPr lang="zh-CN" sz="1600" kern="100">
+                          <a:effectLst/>
+                        </a:rPr>
+                        <a:t>提出时间</a:t>
+                      </a:r>
+                      <a:endParaRPr lang="zh-CN" sz="1600" kern="100">
+                        <a:effectLst/>
+                        <a:latin typeface="Times New Roman" panose="02020603050405020304" pitchFamily="18" charset="0"/>
+                        <a:ea typeface="宋体" panose="02010600030101010101" pitchFamily="2" charset="-122"/>
+                      </a:endParaRPr>
+                    </a:p>
+                  </a:txBody>
+                  <a:tcPr marL="44159" marR="44159" marT="0" marB="0"/>
+                </a:tc>
+                <a:tc hMerge="1">
+                  <a:txBody>
+                    <a:bodyPr/>
+                    <a:lstStyle/>
+                    <a:p>
+                      <a:endParaRPr lang="zh-CN" altLang="en-US"/>
+                    </a:p>
+                  </a:txBody>
+                  <a:tcPr/>
+                </a:tc>
+                <a:tc hMerge="1">
+                  <a:txBody>
+                    <a:bodyPr/>
+                    <a:lstStyle/>
+                    <a:p>
+                      <a:endParaRPr lang="zh-CN" altLang="en-US"/>
+                    </a:p>
+                  </a:txBody>
+                  <a:tcPr/>
+                </a:tc>
+                <a:tc hMerge="1">
+                  <a:txBody>
+                    <a:bodyPr/>
+                    <a:lstStyle/>
+                    <a:p>
+                      <a:endParaRPr lang="zh-CN" altLang="en-US"/>
+                    </a:p>
+                  </a:txBody>
+                  <a:tcPr/>
+                </a:tc>
+                <a:tc gridSpan="3">
+                  <a:txBody>
+                    <a:bodyPr/>
+                    <a:lstStyle/>
+                    <a:p>
+                      <a:pPr algn="l">
+                        <a:spcAft>
+                          <a:spcPts val="0"/>
+                        </a:spcAft>
+                      </a:pPr>
+                      <a:r>
+                        <a:rPr lang="en-US" sz="1600" kern="100">
+                          <a:effectLst/>
+                        </a:rPr>
+                        <a:t>2019</a:t>
+                      </a:r>
+                      <a:r>
+                        <a:rPr lang="zh-CN" sz="1600" kern="100">
+                          <a:effectLst/>
+                        </a:rPr>
+                        <a:t>年</a:t>
+                      </a:r>
+                      <a:r>
+                        <a:rPr lang="en-US" sz="1600" kern="100">
+                          <a:effectLst/>
+                        </a:rPr>
+                        <a:t>1</a:t>
+                      </a:r>
+                      <a:r>
+                        <a:rPr lang="zh-CN" sz="1600" kern="100">
+                          <a:effectLst/>
+                        </a:rPr>
+                        <a:t>月</a:t>
+                      </a:r>
+                      <a:r>
+                        <a:rPr lang="en-US" sz="1600" kern="100">
+                          <a:effectLst/>
+                        </a:rPr>
+                        <a:t>6</a:t>
+                      </a:r>
+                      <a:r>
+                        <a:rPr lang="zh-CN" sz="1600" kern="100">
+                          <a:effectLst/>
+                        </a:rPr>
+                        <a:t>日</a:t>
+                      </a:r>
+                      <a:endParaRPr lang="zh-CN" sz="1600" kern="100">
+                        <a:effectLst/>
+                        <a:latin typeface="Times New Roman" panose="02020603050405020304" pitchFamily="18" charset="0"/>
+                        <a:ea typeface="宋体" panose="02010600030101010101" pitchFamily="2" charset="-122"/>
+                      </a:endParaRPr>
+                    </a:p>
+                  </a:txBody>
+                  <a:tcPr marL="44159" marR="44159" marT="0" marB="0"/>
+                </a:tc>
+                <a:tc hMerge="1">
+                  <a:txBody>
+                    <a:bodyPr/>
+                    <a:lstStyle/>
+                    <a:p>
+                      <a:endParaRPr lang="zh-CN" altLang="en-US"/>
+                    </a:p>
+                  </a:txBody>
+                  <a:tcPr/>
+                </a:tc>
+                <a:tc hMerge="1">
+                  <a:txBody>
+                    <a:bodyPr/>
+                    <a:lstStyle/>
+                    <a:p>
+                      <a:pPr algn="l">
+                        <a:spcAft>
+                          <a:spcPts val="0"/>
+                        </a:spcAft>
+                      </a:pPr>
+                      <a:endParaRPr lang="zh-CN" sz="1600" kern="100">
+                        <a:effectLst/>
+                        <a:latin typeface="Times New Roman" panose="02020603050405020304" pitchFamily="18" charset="0"/>
+                        <a:ea typeface="宋体" panose="02010600030101010101" pitchFamily="2" charset="-122"/>
+                      </a:endParaRPr>
+                    </a:p>
+                  </a:txBody>
+                  <a:tcPr marL="44159" marR="44159" marT="0" marB="0"/>
+                </a:tc>
+                <a:extLst>
+                  <a:ext uri="{0D108BD9-81ED-4DB2-BD59-A6C34878D82A}">
+                    <a16:rowId xmlns:a16="http://schemas.microsoft.com/office/drawing/2014/main" val="358263025"/>
+                  </a:ext>
+                </a:extLst>
+              </a:tr>
+              <a:tr h="463083">
+                <a:tc rowSpan="2">
+                  <a:txBody>
+                    <a:bodyPr/>
+                    <a:lstStyle/>
+                    <a:p>
+                      <a:pPr>
+                        <a:spcAft>
+                          <a:spcPts val="0"/>
+                        </a:spcAft>
+                      </a:pPr>
+                      <a:r>
+                        <a:rPr lang="zh-CN" sz="1600" kern="100">
+                          <a:effectLst/>
+                        </a:rPr>
+                        <a:t>用户方负责人意见</a:t>
+                      </a:r>
+                      <a:endParaRPr lang="zh-CN" sz="1600" kern="100">
+                        <a:effectLst/>
+                        <a:latin typeface="Courier New" panose="02070309020205020404" pitchFamily="49" charset="0"/>
+                        <a:ea typeface="宋体" panose="02010600030101010101" pitchFamily="2" charset="-122"/>
+                        <a:cs typeface="Times New Roman" panose="02020603050405020304" pitchFamily="18" charset="0"/>
+                      </a:endParaRPr>
+                    </a:p>
+                  </a:txBody>
+                  <a:tcPr marL="44159" marR="44159" marT="0" marB="0"/>
+                </a:tc>
+                <a:tc rowSpan="2" gridSpan="8">
+                  <a:txBody>
+                    <a:bodyPr/>
+                    <a:lstStyle/>
+                    <a:p>
+                      <a:pPr>
+                        <a:spcAft>
+                          <a:spcPts val="0"/>
+                        </a:spcAft>
+                      </a:pPr>
+                      <a:r>
+                        <a:rPr lang="zh-CN" sz="1600" kern="100">
+                          <a:effectLst/>
+                        </a:rPr>
+                        <a:t>建议更变</a:t>
+                      </a:r>
+                      <a:endParaRPr lang="zh-CN" sz="1600" kern="100">
+                        <a:effectLst/>
+                        <a:latin typeface="Courier New" panose="02070309020205020404" pitchFamily="49" charset="0"/>
+                        <a:ea typeface="宋体" panose="02010600030101010101" pitchFamily="2" charset="-122"/>
+                        <a:cs typeface="Times New Roman" panose="02020603050405020304" pitchFamily="18" charset="0"/>
+                      </a:endParaRPr>
+                    </a:p>
+                  </a:txBody>
+                  <a:tcPr marL="44159" marR="44159" marT="0" marB="0"/>
+                </a:tc>
+                <a:tc rowSpan="2" hMerge="1">
+                  <a:txBody>
+                    <a:bodyPr/>
+                    <a:lstStyle/>
+                    <a:p>
+                      <a:endParaRPr lang="zh-CN" altLang="en-US"/>
+                    </a:p>
+                  </a:txBody>
+                  <a:tcPr/>
+                </a:tc>
+                <a:tc rowSpan="2" hMerge="1">
+                  <a:txBody>
+                    <a:bodyPr/>
+                    <a:lstStyle/>
+                    <a:p>
+                      <a:endParaRPr lang="zh-CN" altLang="en-US"/>
+                    </a:p>
+                  </a:txBody>
+                  <a:tcPr/>
+                </a:tc>
+                <a:tc rowSpan="2" hMerge="1">
+                  <a:txBody>
+                    <a:bodyPr/>
+                    <a:lstStyle/>
+                    <a:p>
+                      <a:endParaRPr lang="zh-CN" altLang="en-US"/>
+                    </a:p>
+                  </a:txBody>
+                  <a:tcPr/>
+                </a:tc>
+                <a:tc rowSpan="2" hMerge="1">
+                  <a:txBody>
+                    <a:bodyPr/>
+                    <a:lstStyle/>
+                    <a:p>
+                      <a:endParaRPr lang="zh-CN" altLang="en-US"/>
+                    </a:p>
+                  </a:txBody>
+                  <a:tcPr/>
+                </a:tc>
+                <a:tc rowSpan="2" hMerge="1">
+                  <a:txBody>
+                    <a:bodyPr/>
+                    <a:lstStyle/>
+                    <a:p>
+                      <a:endParaRPr lang="zh-CN" altLang="en-US"/>
+                    </a:p>
+                  </a:txBody>
+                  <a:tcPr/>
+                </a:tc>
+                <a:tc rowSpan="2" hMerge="1">
+                  <a:txBody>
+                    <a:bodyPr/>
+                    <a:lstStyle/>
+                    <a:p>
+                      <a:endParaRPr lang="zh-CN" altLang="en-US"/>
+                    </a:p>
+                  </a:txBody>
+                  <a:tcPr/>
+                </a:tc>
+                <a:tc rowSpan="2" hMerge="1">
+                  <a:txBody>
+                    <a:bodyPr/>
+                    <a:lstStyle/>
+                    <a:p>
+                      <a:endParaRPr lang="zh-CN" altLang="en-US"/>
+                    </a:p>
+                  </a:txBody>
+                  <a:tcPr/>
+                </a:tc>
+                <a:tc gridSpan="4">
+                  <a:txBody>
+                    <a:bodyPr/>
+                    <a:lstStyle/>
+                    <a:p>
+                      <a:pPr>
+                        <a:spcAft>
+                          <a:spcPts val="0"/>
+                        </a:spcAft>
+                      </a:pPr>
+                      <a:r>
+                        <a:rPr lang="en-US" sz="1600" kern="100">
+                          <a:effectLst/>
+                        </a:rPr>
+                        <a:t>CCB</a:t>
+                      </a:r>
+                      <a:r>
+                        <a:rPr lang="zh-CN" sz="1600" kern="100">
+                          <a:effectLst/>
+                        </a:rPr>
+                        <a:t>主席签名：</a:t>
+                      </a:r>
+                      <a:endParaRPr lang="zh-CN" sz="1600" kern="100">
+                        <a:effectLst/>
+                        <a:latin typeface="Courier New" panose="02070309020205020404" pitchFamily="49" charset="0"/>
+                        <a:ea typeface="宋体" panose="02010600030101010101" pitchFamily="2" charset="-122"/>
+                        <a:cs typeface="Times New Roman" panose="02020603050405020304" pitchFamily="18" charset="0"/>
+                      </a:endParaRPr>
+                    </a:p>
+                  </a:txBody>
+                  <a:tcPr marL="44159" marR="44159" marT="0" marB="0"/>
+                </a:tc>
+                <a:tc hMerge="1">
+                  <a:txBody>
+                    <a:bodyPr/>
+                    <a:lstStyle/>
+                    <a:p>
+                      <a:endParaRPr lang="zh-CN" altLang="en-US"/>
+                    </a:p>
+                  </a:txBody>
+                  <a:tcPr/>
+                </a:tc>
+                <a:tc hMerge="1">
+                  <a:txBody>
+                    <a:bodyPr/>
+                    <a:lstStyle/>
+                    <a:p>
+                      <a:endParaRPr lang="zh-CN" altLang="en-US"/>
+                    </a:p>
+                  </a:txBody>
+                  <a:tcPr/>
+                </a:tc>
+                <a:tc hMerge="1">
+                  <a:txBody>
+                    <a:bodyPr/>
+                    <a:lstStyle/>
+                    <a:p>
+                      <a:endParaRPr lang="zh-CN" altLang="en-US"/>
+                    </a:p>
+                  </a:txBody>
+                  <a:tcPr/>
+                </a:tc>
+                <a:tc gridSpan="3">
+                  <a:txBody>
+                    <a:bodyPr/>
+                    <a:lstStyle/>
+                    <a:p>
+                      <a:pPr>
+                        <a:spcAft>
+                          <a:spcPts val="0"/>
+                        </a:spcAft>
+                      </a:pPr>
+                      <a:r>
+                        <a:rPr lang="zh-CN" sz="1600" kern="100">
+                          <a:effectLst/>
+                        </a:rPr>
+                        <a:t>刘祺</a:t>
+                      </a:r>
+                      <a:endParaRPr lang="zh-CN" sz="1600" kern="100">
+                        <a:effectLst/>
+                        <a:latin typeface="Courier New" panose="02070309020205020404" pitchFamily="49" charset="0"/>
+                        <a:ea typeface="宋体" panose="02010600030101010101" pitchFamily="2" charset="-122"/>
+                        <a:cs typeface="Times New Roman" panose="02020603050405020304" pitchFamily="18" charset="0"/>
+                      </a:endParaRPr>
+                    </a:p>
+                  </a:txBody>
+                  <a:tcPr marL="44159" marR="44159" marT="0" marB="0"/>
+                </a:tc>
+                <a:tc hMerge="1">
+                  <a:txBody>
+                    <a:bodyPr/>
+                    <a:lstStyle/>
+                    <a:p>
+                      <a:endParaRPr lang="zh-CN" altLang="en-US"/>
+                    </a:p>
+                  </a:txBody>
+                  <a:tcPr/>
+                </a:tc>
+                <a:tc hMerge="1">
+                  <a:txBody>
+                    <a:bodyPr/>
+                    <a:lstStyle/>
+                    <a:p>
+                      <a:pPr>
+                        <a:spcAft>
+                          <a:spcPts val="0"/>
+                        </a:spcAft>
+                      </a:pPr>
+                      <a:endParaRPr lang="zh-CN" sz="1600" kern="100">
+                        <a:effectLst/>
+                        <a:latin typeface="Courier New" panose="02070309020205020404" pitchFamily="49" charset="0"/>
+                        <a:ea typeface="宋体" panose="02010600030101010101" pitchFamily="2" charset="-122"/>
+                        <a:cs typeface="Times New Roman" panose="02020603050405020304" pitchFamily="18" charset="0"/>
+                      </a:endParaRPr>
+                    </a:p>
+                  </a:txBody>
+                  <a:tcPr marL="44159" marR="44159" marT="0" marB="0"/>
+                </a:tc>
+                <a:extLst>
+                  <a:ext uri="{0D108BD9-81ED-4DB2-BD59-A6C34878D82A}">
+                    <a16:rowId xmlns:a16="http://schemas.microsoft.com/office/drawing/2014/main" val="1363893048"/>
+                  </a:ext>
+                </a:extLst>
+              </a:tr>
+              <a:tr h="231541">
+                <a:tc vMerge="1">
+                  <a:txBody>
+                    <a:bodyPr/>
+                    <a:lstStyle/>
+                    <a:p>
+                      <a:endParaRPr lang="zh-CN" altLang="en-US"/>
+                    </a:p>
+                  </a:txBody>
+                  <a:tcPr/>
+                </a:tc>
+                <a:tc gridSpan="8" vMerge="1">
+                  <a:txBody>
+                    <a:bodyPr/>
+                    <a:lstStyle/>
+                    <a:p>
+                      <a:endParaRPr lang="zh-CN" altLang="en-US"/>
+                    </a:p>
+                  </a:txBody>
+                  <a:tcPr/>
+                </a:tc>
+                <a:tc hMerge="1" vMerge="1">
+                  <a:txBody>
+                    <a:bodyPr/>
+                    <a:lstStyle/>
+                    <a:p>
+                      <a:endParaRPr lang="zh-CN" altLang="en-US"/>
+                    </a:p>
+                  </a:txBody>
+                  <a:tcPr/>
+                </a:tc>
+                <a:tc hMerge="1" vMerge="1">
+                  <a:txBody>
+                    <a:bodyPr/>
+                    <a:lstStyle/>
+                    <a:p>
+                      <a:endParaRPr lang="zh-CN" altLang="en-US"/>
+                    </a:p>
+                  </a:txBody>
+                  <a:tcPr/>
+                </a:tc>
+                <a:tc hMerge="1" vMerge="1">
+                  <a:txBody>
+                    <a:bodyPr/>
+                    <a:lstStyle/>
+                    <a:p>
+                      <a:endParaRPr lang="zh-CN" altLang="en-US"/>
+                    </a:p>
+                  </a:txBody>
+                  <a:tcPr/>
+                </a:tc>
+                <a:tc hMerge="1" vMerge="1">
+                  <a:txBody>
+                    <a:bodyPr/>
+                    <a:lstStyle/>
+                    <a:p>
+                      <a:endParaRPr lang="zh-CN" altLang="en-US"/>
+                    </a:p>
+                  </a:txBody>
+                  <a:tcPr/>
+                </a:tc>
+                <a:tc hMerge="1" vMerge="1">
+                  <a:txBody>
+                    <a:bodyPr/>
+                    <a:lstStyle/>
+                    <a:p>
+                      <a:endParaRPr lang="zh-CN" altLang="en-US"/>
+                    </a:p>
+                  </a:txBody>
+                  <a:tcPr/>
+                </a:tc>
+                <a:tc hMerge="1" vMerge="1">
+                  <a:txBody>
+                    <a:bodyPr/>
+                    <a:lstStyle/>
+                    <a:p>
+                      <a:endParaRPr lang="zh-CN" altLang="en-US"/>
+                    </a:p>
+                  </a:txBody>
+                  <a:tcPr/>
+                </a:tc>
+                <a:tc hMerge="1" vMerge="1">
+                  <a:txBody>
+                    <a:bodyPr/>
+                    <a:lstStyle/>
+                    <a:p>
+                      <a:endParaRPr lang="zh-CN" altLang="en-US"/>
+                    </a:p>
+                  </a:txBody>
+                  <a:tcPr/>
+                </a:tc>
+                <a:tc gridSpan="4">
+                  <a:txBody>
+                    <a:bodyPr/>
+                    <a:lstStyle/>
+                    <a:p>
+                      <a:pPr>
+                        <a:spcAft>
+                          <a:spcPts val="0"/>
+                        </a:spcAft>
+                      </a:pPr>
+                      <a:r>
+                        <a:rPr lang="zh-CN" sz="1600" kern="100">
+                          <a:effectLst/>
+                        </a:rPr>
+                        <a:t>审批时间</a:t>
+                      </a:r>
+                      <a:endParaRPr lang="zh-CN" sz="1600" kern="100">
+                        <a:effectLst/>
+                        <a:latin typeface="Courier New" panose="02070309020205020404" pitchFamily="49" charset="0"/>
+                        <a:ea typeface="宋体" panose="02010600030101010101" pitchFamily="2" charset="-122"/>
+                        <a:cs typeface="Times New Roman" panose="02020603050405020304" pitchFamily="18" charset="0"/>
+                      </a:endParaRPr>
+                    </a:p>
+                  </a:txBody>
+                  <a:tcPr marL="44159" marR="44159" marT="0" marB="0"/>
+                </a:tc>
+                <a:tc hMerge="1">
+                  <a:txBody>
+                    <a:bodyPr/>
+                    <a:lstStyle/>
+                    <a:p>
+                      <a:endParaRPr lang="zh-CN" altLang="en-US"/>
+                    </a:p>
+                  </a:txBody>
+                  <a:tcPr/>
+                </a:tc>
+                <a:tc hMerge="1">
+                  <a:txBody>
+                    <a:bodyPr/>
+                    <a:lstStyle/>
+                    <a:p>
+                      <a:endParaRPr lang="zh-CN" altLang="en-US"/>
+                    </a:p>
+                  </a:txBody>
+                  <a:tcPr/>
+                </a:tc>
+                <a:tc hMerge="1">
+                  <a:txBody>
+                    <a:bodyPr/>
+                    <a:lstStyle/>
+                    <a:p>
+                      <a:endParaRPr lang="zh-CN" altLang="en-US"/>
+                    </a:p>
+                  </a:txBody>
+                  <a:tcPr/>
+                </a:tc>
+                <a:tc gridSpan="3">
+                  <a:txBody>
+                    <a:bodyPr/>
+                    <a:lstStyle/>
+                    <a:p>
+                      <a:pPr>
+                        <a:spcAft>
+                          <a:spcPts val="0"/>
+                        </a:spcAft>
+                      </a:pPr>
+                      <a:r>
+                        <a:rPr lang="en-US" sz="1600" kern="100">
+                          <a:effectLst/>
+                        </a:rPr>
+                        <a:t> 2019</a:t>
+                      </a:r>
+                      <a:r>
+                        <a:rPr lang="zh-CN" sz="1600" kern="100">
+                          <a:effectLst/>
+                        </a:rPr>
+                        <a:t>年</a:t>
+                      </a:r>
+                      <a:r>
+                        <a:rPr lang="en-US" sz="1600" kern="100">
+                          <a:effectLst/>
+                        </a:rPr>
+                        <a:t>1</a:t>
+                      </a:r>
+                      <a:r>
+                        <a:rPr lang="zh-CN" sz="1600" kern="100">
+                          <a:effectLst/>
+                        </a:rPr>
+                        <a:t>月</a:t>
+                      </a:r>
+                      <a:r>
+                        <a:rPr lang="en-US" sz="1600" kern="100">
+                          <a:effectLst/>
+                        </a:rPr>
+                        <a:t>8</a:t>
+                      </a:r>
+                      <a:r>
+                        <a:rPr lang="zh-CN" sz="1600" kern="100">
+                          <a:effectLst/>
+                        </a:rPr>
+                        <a:t>日</a:t>
+                      </a:r>
+                      <a:endParaRPr lang="zh-CN" sz="1600" kern="100">
+                        <a:effectLst/>
+                        <a:latin typeface="Courier New" panose="02070309020205020404" pitchFamily="49" charset="0"/>
+                        <a:ea typeface="宋体" panose="02010600030101010101" pitchFamily="2" charset="-122"/>
+                        <a:cs typeface="Times New Roman" panose="02020603050405020304" pitchFamily="18" charset="0"/>
+                      </a:endParaRPr>
+                    </a:p>
+                  </a:txBody>
+                  <a:tcPr marL="44159" marR="44159" marT="0" marB="0"/>
+                </a:tc>
+                <a:tc hMerge="1">
+                  <a:txBody>
+                    <a:bodyPr/>
+                    <a:lstStyle/>
+                    <a:p>
+                      <a:endParaRPr lang="zh-CN" altLang="en-US"/>
+                    </a:p>
+                  </a:txBody>
+                  <a:tcPr/>
+                </a:tc>
+                <a:tc hMerge="1">
+                  <a:txBody>
+                    <a:bodyPr/>
+                    <a:lstStyle/>
+                    <a:p>
+                      <a:pPr>
+                        <a:spcAft>
+                          <a:spcPts val="0"/>
+                        </a:spcAft>
+                      </a:pPr>
+                      <a:endParaRPr lang="zh-CN" sz="1600" kern="100">
+                        <a:effectLst/>
+                        <a:latin typeface="Courier New" panose="02070309020205020404" pitchFamily="49" charset="0"/>
+                        <a:ea typeface="宋体" panose="02010600030101010101" pitchFamily="2" charset="-122"/>
+                        <a:cs typeface="Times New Roman" panose="02020603050405020304" pitchFamily="18" charset="0"/>
+                      </a:endParaRPr>
+                    </a:p>
+                  </a:txBody>
+                  <a:tcPr marL="44159" marR="44159" marT="0" marB="0"/>
+                </a:tc>
+                <a:extLst>
+                  <a:ext uri="{0D108BD9-81ED-4DB2-BD59-A6C34878D82A}">
+                    <a16:rowId xmlns:a16="http://schemas.microsoft.com/office/drawing/2014/main" val="1908889812"/>
+                  </a:ext>
+                </a:extLst>
+              </a:tr>
+              <a:tr h="926166">
+                <a:tc>
+                  <a:txBody>
+                    <a:bodyPr/>
+                    <a:lstStyle/>
+                    <a:p>
+                      <a:pPr algn="ctr">
+                        <a:spcAft>
+                          <a:spcPts val="0"/>
+                        </a:spcAft>
+                      </a:pPr>
+                      <a:r>
+                        <a:rPr lang="zh-CN" sz="1600" kern="100">
+                          <a:effectLst/>
+                        </a:rPr>
+                        <a:t>序号</a:t>
+                      </a:r>
+                      <a:endParaRPr lang="zh-CN" sz="1600" kern="100">
+                        <a:effectLst/>
+                        <a:latin typeface="Times New Roman" panose="02020603050405020304" pitchFamily="18" charset="0"/>
+                        <a:ea typeface="宋体" panose="02010600030101010101" pitchFamily="2" charset="-122"/>
+                      </a:endParaRPr>
+                    </a:p>
+                  </a:txBody>
+                  <a:tcPr marL="44159" marR="44159" marT="0" marB="0"/>
+                </a:tc>
+                <a:tc gridSpan="2">
+                  <a:txBody>
+                    <a:bodyPr/>
+                    <a:lstStyle/>
+                    <a:p>
+                      <a:pPr algn="just">
+                        <a:spcAft>
+                          <a:spcPts val="0"/>
+                        </a:spcAft>
+                      </a:pPr>
+                      <a:r>
+                        <a:rPr lang="en-US" sz="1600" kern="100">
+                          <a:effectLst/>
+                        </a:rPr>
+                        <a:t>rc-1</a:t>
+                      </a:r>
+                      <a:endParaRPr lang="zh-CN" sz="1600" kern="100">
+                        <a:effectLst/>
+                        <a:latin typeface="Times New Roman" panose="02020603050405020304" pitchFamily="18" charset="0"/>
+                        <a:ea typeface="宋体" panose="02010600030101010101" pitchFamily="2" charset="-122"/>
+                      </a:endParaRPr>
+                    </a:p>
+                  </a:txBody>
+                  <a:tcPr marL="44159" marR="44159" marT="0" marB="0"/>
+                </a:tc>
+                <a:tc hMerge="1">
+                  <a:txBody>
+                    <a:bodyPr/>
+                    <a:lstStyle/>
+                    <a:p>
+                      <a:endParaRPr lang="zh-CN" altLang="en-US"/>
+                    </a:p>
+                  </a:txBody>
+                  <a:tcPr/>
+                </a:tc>
+                <a:tc gridSpan="2">
+                  <a:txBody>
+                    <a:bodyPr/>
+                    <a:lstStyle/>
+                    <a:p>
+                      <a:pPr algn="ctr">
+                        <a:spcAft>
+                          <a:spcPts val="0"/>
+                        </a:spcAft>
+                      </a:pPr>
+                      <a:r>
+                        <a:rPr lang="zh-CN" sz="1600" kern="100">
+                          <a:effectLst/>
+                        </a:rPr>
+                        <a:t>模块名称</a:t>
+                      </a:r>
+                      <a:endParaRPr lang="zh-CN" sz="1600" kern="100">
+                        <a:effectLst/>
+                        <a:latin typeface="Times New Roman" panose="02020603050405020304" pitchFamily="18" charset="0"/>
+                        <a:ea typeface="宋体" panose="02010600030101010101" pitchFamily="2" charset="-122"/>
+                      </a:endParaRPr>
+                    </a:p>
+                  </a:txBody>
+                  <a:tcPr marL="44159" marR="44159" marT="0" marB="0"/>
+                </a:tc>
+                <a:tc hMerge="1">
+                  <a:txBody>
+                    <a:bodyPr/>
+                    <a:lstStyle/>
+                    <a:p>
+                      <a:endParaRPr lang="zh-CN" altLang="en-US"/>
+                    </a:p>
+                  </a:txBody>
+                  <a:tcPr/>
+                </a:tc>
+                <a:tc gridSpan="5">
+                  <a:txBody>
+                    <a:bodyPr/>
+                    <a:lstStyle/>
+                    <a:p>
+                      <a:pPr algn="ctr">
+                        <a:spcAft>
+                          <a:spcPts val="0"/>
+                        </a:spcAft>
+                      </a:pPr>
+                      <a:r>
+                        <a:rPr lang="zh-CN" sz="1600" kern="100">
+                          <a:effectLst/>
+                        </a:rPr>
+                        <a:t>管理员轮播图管理</a:t>
+                      </a:r>
+                      <a:endParaRPr lang="zh-CN" sz="1600" kern="100">
+                        <a:effectLst/>
+                        <a:latin typeface="Times New Roman" panose="02020603050405020304" pitchFamily="18" charset="0"/>
+                        <a:ea typeface="宋体" panose="02010600030101010101" pitchFamily="2" charset="-122"/>
+                      </a:endParaRPr>
+                    </a:p>
+                  </a:txBody>
+                  <a:tcPr marL="44159" marR="44159" marT="0" marB="0"/>
+                </a:tc>
+                <a:tc hMerge="1">
+                  <a:txBody>
+                    <a:bodyPr/>
+                    <a:lstStyle/>
+                    <a:p>
+                      <a:endParaRPr lang="zh-CN" altLang="en-US"/>
+                    </a:p>
+                  </a:txBody>
+                  <a:tcPr/>
+                </a:tc>
+                <a:tc hMerge="1">
+                  <a:txBody>
+                    <a:bodyPr/>
+                    <a:lstStyle/>
+                    <a:p>
+                      <a:endParaRPr lang="zh-CN" altLang="en-US"/>
+                    </a:p>
+                  </a:txBody>
+                  <a:tcPr/>
+                </a:tc>
+                <a:tc hMerge="1">
+                  <a:txBody>
+                    <a:bodyPr/>
+                    <a:lstStyle/>
+                    <a:p>
+                      <a:endParaRPr lang="zh-CN" altLang="en-US"/>
+                    </a:p>
+                  </a:txBody>
+                  <a:tcPr/>
+                </a:tc>
+                <a:tc hMerge="1">
+                  <a:txBody>
+                    <a:bodyPr/>
+                    <a:lstStyle/>
+                    <a:p>
+                      <a:endParaRPr lang="zh-CN" altLang="en-US"/>
+                    </a:p>
+                  </a:txBody>
+                  <a:tcPr/>
+                </a:tc>
+                <a:tc gridSpan="2">
+                  <a:txBody>
+                    <a:bodyPr/>
+                    <a:lstStyle/>
+                    <a:p>
+                      <a:pPr algn="ctr">
+                        <a:spcAft>
+                          <a:spcPts val="0"/>
+                        </a:spcAft>
+                      </a:pPr>
+                      <a:r>
+                        <a:rPr lang="zh-CN" sz="1600" kern="100">
+                          <a:effectLst/>
+                        </a:rPr>
+                        <a:t>所属子系统</a:t>
+                      </a:r>
+                      <a:endParaRPr lang="zh-CN" sz="1600" kern="100">
+                        <a:effectLst/>
+                        <a:latin typeface="Times New Roman" panose="02020603050405020304" pitchFamily="18" charset="0"/>
+                        <a:ea typeface="宋体" panose="02010600030101010101" pitchFamily="2" charset="-122"/>
+                      </a:endParaRPr>
+                    </a:p>
+                  </a:txBody>
+                  <a:tcPr marL="44159" marR="44159" marT="0" marB="0"/>
+                </a:tc>
+                <a:tc hMerge="1">
+                  <a:txBody>
+                    <a:bodyPr/>
+                    <a:lstStyle/>
+                    <a:p>
+                      <a:endParaRPr lang="zh-CN" altLang="en-US"/>
+                    </a:p>
+                  </a:txBody>
+                  <a:tcPr/>
+                </a:tc>
+                <a:tc gridSpan="4">
+                  <a:txBody>
+                    <a:bodyPr/>
+                    <a:lstStyle/>
+                    <a:p>
+                      <a:pPr algn="ctr">
+                        <a:spcAft>
+                          <a:spcPts val="0"/>
+                        </a:spcAft>
+                      </a:pPr>
+                      <a:r>
+                        <a:rPr lang="zh-CN" sz="1600" kern="100">
+                          <a:effectLst/>
+                        </a:rPr>
+                        <a:t>后台中心</a:t>
+                      </a:r>
+                      <a:endParaRPr lang="zh-CN" sz="1600" kern="100">
+                        <a:effectLst/>
+                        <a:latin typeface="Times New Roman" panose="02020603050405020304" pitchFamily="18" charset="0"/>
+                        <a:ea typeface="宋体" panose="02010600030101010101" pitchFamily="2" charset="-122"/>
+                      </a:endParaRPr>
+                    </a:p>
+                  </a:txBody>
+                  <a:tcPr marL="44159" marR="44159" marT="0" marB="0"/>
+                </a:tc>
+                <a:tc hMerge="1">
+                  <a:txBody>
+                    <a:bodyPr/>
+                    <a:lstStyle/>
+                    <a:p>
+                      <a:endParaRPr lang="zh-CN" altLang="en-US"/>
+                    </a:p>
+                  </a:txBody>
+                  <a:tcPr/>
+                </a:tc>
+                <a:tc hMerge="1">
+                  <a:txBody>
+                    <a:bodyPr/>
+                    <a:lstStyle/>
+                    <a:p>
+                      <a:endParaRPr lang="zh-CN" altLang="en-US"/>
+                    </a:p>
+                  </a:txBody>
+                  <a:tcPr/>
+                </a:tc>
+                <a:tc hMerge="1">
+                  <a:txBody>
+                    <a:bodyPr/>
+                    <a:lstStyle/>
+                    <a:p>
+                      <a:pPr algn="ctr">
+                        <a:spcAft>
+                          <a:spcPts val="0"/>
+                        </a:spcAft>
+                      </a:pPr>
+                      <a:endParaRPr lang="zh-CN" sz="1600" kern="100">
+                        <a:effectLst/>
+                        <a:latin typeface="Times New Roman" panose="02020603050405020304" pitchFamily="18" charset="0"/>
+                        <a:ea typeface="宋体" panose="02010600030101010101" pitchFamily="2" charset="-122"/>
+                      </a:endParaRPr>
+                    </a:p>
+                  </a:txBody>
+                  <a:tcPr marL="44159" marR="44159" marT="0" marB="0"/>
+                </a:tc>
+                <a:extLst>
+                  <a:ext uri="{0D108BD9-81ED-4DB2-BD59-A6C34878D82A}">
+                    <a16:rowId xmlns:a16="http://schemas.microsoft.com/office/drawing/2014/main" val="4080593340"/>
+                  </a:ext>
+                </a:extLst>
+              </a:tr>
+              <a:tr h="850592">
+                <a:tc>
+                  <a:txBody>
+                    <a:bodyPr/>
+                    <a:lstStyle/>
+                    <a:p>
+                      <a:pPr algn="ctr">
+                        <a:spcAft>
+                          <a:spcPts val="0"/>
+                        </a:spcAft>
+                      </a:pPr>
+                      <a:r>
+                        <a:rPr lang="zh-CN" sz="1600" kern="100">
+                          <a:effectLst/>
+                        </a:rPr>
+                        <a:t>需求描述</a:t>
+                      </a:r>
+                      <a:endParaRPr lang="zh-CN" sz="1600" kern="100">
+                        <a:effectLst/>
+                        <a:latin typeface="Times New Roman" panose="02020603050405020304" pitchFamily="18" charset="0"/>
+                        <a:ea typeface="宋体" panose="02010600030101010101" pitchFamily="2" charset="-122"/>
+                      </a:endParaRPr>
+                    </a:p>
+                  </a:txBody>
+                  <a:tcPr marL="44159" marR="44159" marT="0" marB="0"/>
+                </a:tc>
+                <a:tc gridSpan="15">
+                  <a:txBody>
+                    <a:bodyPr/>
+                    <a:lstStyle/>
+                    <a:p>
+                      <a:pPr algn="just">
+                        <a:lnSpc>
+                          <a:spcPts val="2600"/>
+                        </a:lnSpc>
+                        <a:spcAft>
+                          <a:spcPts val="0"/>
+                        </a:spcAft>
+                      </a:pPr>
+                      <a:r>
+                        <a:rPr lang="zh-CN" sz="1600" kern="100">
+                          <a:effectLst/>
+                        </a:rPr>
+                        <a:t>管理员要求后台添加管理编辑网站首页动图的功能</a:t>
+                      </a:r>
+                      <a:endParaRPr lang="zh-CN" sz="1600" kern="100">
+                        <a:effectLst/>
+                        <a:latin typeface="Times New Roman" panose="02020603050405020304" pitchFamily="18" charset="0"/>
+                        <a:ea typeface="宋体" panose="02010600030101010101" pitchFamily="2" charset="-122"/>
+                      </a:endParaRPr>
+                    </a:p>
+                  </a:txBody>
+                  <a:tcPr marL="44159" marR="44159" marT="0" marB="0"/>
+                </a:tc>
+                <a:tc hMerge="1">
+                  <a:txBody>
+                    <a:bodyPr/>
+                    <a:lstStyle/>
+                    <a:p>
+                      <a:endParaRPr lang="zh-CN" altLang="en-US"/>
+                    </a:p>
+                  </a:txBody>
+                  <a:tcPr/>
+                </a:tc>
+                <a:tc hMerge="1">
+                  <a:txBody>
+                    <a:bodyPr/>
+                    <a:lstStyle/>
+                    <a:p>
+                      <a:endParaRPr lang="zh-CN" altLang="en-US"/>
+                    </a:p>
+                  </a:txBody>
+                  <a:tcPr/>
+                </a:tc>
+                <a:tc hMerge="1">
+                  <a:txBody>
+                    <a:bodyPr/>
+                    <a:lstStyle/>
+                    <a:p>
+                      <a:endParaRPr lang="zh-CN" altLang="en-US"/>
+                    </a:p>
+                  </a:txBody>
+                  <a:tcPr/>
+                </a:tc>
+                <a:tc hMerge="1">
+                  <a:txBody>
+                    <a:bodyPr/>
+                    <a:lstStyle/>
+                    <a:p>
+                      <a:endParaRPr lang="zh-CN" altLang="en-US"/>
+                    </a:p>
+                  </a:txBody>
+                  <a:tcPr/>
+                </a:tc>
+                <a:tc hMerge="1">
+                  <a:txBody>
+                    <a:bodyPr/>
+                    <a:lstStyle/>
+                    <a:p>
+                      <a:endParaRPr lang="zh-CN" altLang="en-US"/>
+                    </a:p>
+                  </a:txBody>
+                  <a:tcPr/>
+                </a:tc>
+                <a:tc hMerge="1">
+                  <a:txBody>
+                    <a:bodyPr/>
+                    <a:lstStyle/>
+                    <a:p>
+                      <a:endParaRPr lang="zh-CN" altLang="en-US"/>
+                    </a:p>
+                  </a:txBody>
+                  <a:tcPr/>
+                </a:tc>
+                <a:tc hMerge="1">
+                  <a:txBody>
+                    <a:bodyPr/>
+                    <a:lstStyle/>
+                    <a:p>
+                      <a:endParaRPr lang="zh-CN" altLang="en-US"/>
+                    </a:p>
+                  </a:txBody>
+                  <a:tcPr/>
+                </a:tc>
+                <a:tc hMerge="1">
+                  <a:txBody>
+                    <a:bodyPr/>
+                    <a:lstStyle/>
+                    <a:p>
+                      <a:endParaRPr lang="zh-CN" altLang="en-US"/>
+                    </a:p>
+                  </a:txBody>
+                  <a:tcPr/>
+                </a:tc>
+                <a:tc hMerge="1">
+                  <a:txBody>
+                    <a:bodyPr/>
+                    <a:lstStyle/>
+                    <a:p>
+                      <a:endParaRPr lang="zh-CN" altLang="en-US"/>
+                    </a:p>
+                  </a:txBody>
+                  <a:tcPr/>
+                </a:tc>
+                <a:tc hMerge="1">
+                  <a:txBody>
+                    <a:bodyPr/>
+                    <a:lstStyle/>
+                    <a:p>
+                      <a:endParaRPr lang="zh-CN" altLang="en-US"/>
+                    </a:p>
+                  </a:txBody>
+                  <a:tcPr/>
+                </a:tc>
+                <a:tc hMerge="1">
+                  <a:txBody>
+                    <a:bodyPr/>
+                    <a:lstStyle/>
+                    <a:p>
+                      <a:endParaRPr lang="zh-CN" altLang="en-US"/>
+                    </a:p>
+                  </a:txBody>
+                  <a:tcPr/>
+                </a:tc>
+                <a:tc hMerge="1">
+                  <a:txBody>
+                    <a:bodyPr/>
+                    <a:lstStyle/>
+                    <a:p>
+                      <a:endParaRPr lang="zh-CN" altLang="en-US"/>
+                    </a:p>
+                  </a:txBody>
+                  <a:tcPr/>
+                </a:tc>
+                <a:tc hMerge="1">
+                  <a:txBody>
+                    <a:bodyPr/>
+                    <a:lstStyle/>
+                    <a:p>
+                      <a:endParaRPr lang="zh-CN" altLang="en-US"/>
+                    </a:p>
+                  </a:txBody>
+                  <a:tcPr/>
+                </a:tc>
+                <a:tc hMerge="1">
+                  <a:txBody>
+                    <a:bodyPr/>
+                    <a:lstStyle/>
+                    <a:p>
+                      <a:pPr algn="just">
+                        <a:lnSpc>
+                          <a:spcPts val="2600"/>
+                        </a:lnSpc>
+                        <a:spcAft>
+                          <a:spcPts val="0"/>
+                        </a:spcAft>
+                      </a:pPr>
+                      <a:endParaRPr lang="zh-CN" sz="1600" kern="100">
+                        <a:effectLst/>
+                        <a:latin typeface="Times New Roman" panose="02020603050405020304" pitchFamily="18" charset="0"/>
+                        <a:ea typeface="宋体" panose="02010600030101010101" pitchFamily="2" charset="-122"/>
+                      </a:endParaRPr>
+                    </a:p>
+                  </a:txBody>
+                  <a:tcPr marL="44159" marR="44159" marT="0" marB="0"/>
+                </a:tc>
+                <a:extLst>
+                  <a:ext uri="{0D108BD9-81ED-4DB2-BD59-A6C34878D82A}">
+                    <a16:rowId xmlns:a16="http://schemas.microsoft.com/office/drawing/2014/main" val="1551410853"/>
+                  </a:ext>
+                </a:extLst>
+              </a:tr>
+              <a:tr h="463083">
+                <a:tc>
+                  <a:txBody>
+                    <a:bodyPr/>
+                    <a:lstStyle/>
+                    <a:p>
+                      <a:pPr algn="ctr">
+                        <a:spcAft>
+                          <a:spcPts val="0"/>
+                        </a:spcAft>
+                      </a:pPr>
+                      <a:r>
+                        <a:rPr lang="zh-CN" sz="1600" kern="100">
+                          <a:effectLst/>
+                        </a:rPr>
+                        <a:t>变更原因</a:t>
+                      </a:r>
+                      <a:endParaRPr lang="zh-CN" sz="1600" kern="100">
+                        <a:effectLst/>
+                        <a:latin typeface="Times New Roman" panose="02020603050405020304" pitchFamily="18" charset="0"/>
+                        <a:ea typeface="宋体" panose="02010600030101010101" pitchFamily="2" charset="-122"/>
+                      </a:endParaRPr>
+                    </a:p>
+                  </a:txBody>
+                  <a:tcPr marL="44159" marR="44159" marT="0" marB="0"/>
+                </a:tc>
+                <a:tc gridSpan="10">
+                  <a:txBody>
+                    <a:bodyPr/>
+                    <a:lstStyle/>
+                    <a:p>
+                      <a:pPr algn="ctr">
+                        <a:spcAft>
+                          <a:spcPts val="0"/>
+                        </a:spcAft>
+                      </a:pPr>
+                      <a:r>
+                        <a:rPr lang="zh-CN" sz="1600" kern="100">
+                          <a:effectLst/>
+                        </a:rPr>
+                        <a:t>客户从管理员处获取了小组没有提前确认过的需求，因此需要作出变更</a:t>
+                      </a:r>
+                      <a:endParaRPr lang="zh-CN" sz="1600" kern="100">
+                        <a:effectLst/>
+                        <a:latin typeface="Times New Roman" panose="02020603050405020304" pitchFamily="18" charset="0"/>
+                        <a:ea typeface="宋体" panose="02010600030101010101" pitchFamily="2" charset="-122"/>
+                      </a:endParaRPr>
+                    </a:p>
+                  </a:txBody>
+                  <a:tcPr marL="44159" marR="44159" marT="0" marB="0"/>
+                </a:tc>
+                <a:tc hMerge="1">
+                  <a:txBody>
+                    <a:bodyPr/>
+                    <a:lstStyle/>
+                    <a:p>
+                      <a:endParaRPr lang="zh-CN" altLang="en-US"/>
+                    </a:p>
+                  </a:txBody>
+                  <a:tcPr/>
+                </a:tc>
+                <a:tc hMerge="1">
+                  <a:txBody>
+                    <a:bodyPr/>
+                    <a:lstStyle/>
+                    <a:p>
+                      <a:endParaRPr lang="zh-CN" altLang="en-US"/>
+                    </a:p>
+                  </a:txBody>
+                  <a:tcPr/>
+                </a:tc>
+                <a:tc hMerge="1">
+                  <a:txBody>
+                    <a:bodyPr/>
+                    <a:lstStyle/>
+                    <a:p>
+                      <a:endParaRPr lang="zh-CN" altLang="en-US"/>
+                    </a:p>
+                  </a:txBody>
+                  <a:tcPr/>
+                </a:tc>
+                <a:tc hMerge="1">
+                  <a:txBody>
+                    <a:bodyPr/>
+                    <a:lstStyle/>
+                    <a:p>
+                      <a:endParaRPr lang="zh-CN" altLang="en-US"/>
+                    </a:p>
+                  </a:txBody>
+                  <a:tcPr/>
+                </a:tc>
+                <a:tc hMerge="1">
+                  <a:txBody>
+                    <a:bodyPr/>
+                    <a:lstStyle/>
+                    <a:p>
+                      <a:endParaRPr lang="zh-CN" altLang="en-US"/>
+                    </a:p>
+                  </a:txBody>
+                  <a:tcPr/>
+                </a:tc>
+                <a:tc hMerge="1">
+                  <a:txBody>
+                    <a:bodyPr/>
+                    <a:lstStyle/>
+                    <a:p>
+                      <a:endParaRPr lang="zh-CN" altLang="en-US"/>
+                    </a:p>
+                  </a:txBody>
+                  <a:tcPr/>
+                </a:tc>
+                <a:tc hMerge="1">
+                  <a:txBody>
+                    <a:bodyPr/>
+                    <a:lstStyle/>
+                    <a:p>
+                      <a:endParaRPr lang="zh-CN" altLang="en-US"/>
+                    </a:p>
+                  </a:txBody>
+                  <a:tcPr/>
+                </a:tc>
+                <a:tc hMerge="1">
+                  <a:txBody>
+                    <a:bodyPr/>
+                    <a:lstStyle/>
+                    <a:p>
+                      <a:endParaRPr lang="zh-CN" altLang="en-US"/>
+                    </a:p>
+                  </a:txBody>
+                  <a:tcPr/>
+                </a:tc>
+                <a:tc hMerge="1">
+                  <a:txBody>
+                    <a:bodyPr/>
+                    <a:lstStyle/>
+                    <a:p>
+                      <a:endParaRPr lang="zh-CN" altLang="en-US"/>
+                    </a:p>
+                  </a:txBody>
+                  <a:tcPr/>
+                </a:tc>
+                <a:tc gridSpan="3">
+                  <a:txBody>
+                    <a:bodyPr/>
+                    <a:lstStyle/>
+                    <a:p>
+                      <a:pPr algn="just">
+                        <a:spcAft>
+                          <a:spcPts val="0"/>
+                        </a:spcAft>
+                      </a:pPr>
+                      <a:r>
+                        <a:rPr lang="zh-CN" sz="1600" kern="100">
+                          <a:effectLst/>
+                        </a:rPr>
+                        <a:t>需求紧急程度</a:t>
+                      </a:r>
+                      <a:endParaRPr lang="zh-CN" sz="1600" kern="100">
+                        <a:effectLst/>
+                        <a:latin typeface="Times New Roman" panose="02020603050405020304" pitchFamily="18" charset="0"/>
+                        <a:ea typeface="宋体" panose="02010600030101010101" pitchFamily="2" charset="-122"/>
+                      </a:endParaRPr>
+                    </a:p>
+                  </a:txBody>
+                  <a:tcPr marL="44159" marR="44159" marT="0" marB="0"/>
+                </a:tc>
+                <a:tc hMerge="1">
+                  <a:txBody>
+                    <a:bodyPr/>
+                    <a:lstStyle/>
+                    <a:p>
+                      <a:endParaRPr lang="zh-CN" altLang="en-US"/>
+                    </a:p>
+                  </a:txBody>
+                  <a:tcPr/>
+                </a:tc>
+                <a:tc hMerge="1">
+                  <a:txBody>
+                    <a:bodyPr/>
+                    <a:lstStyle/>
+                    <a:p>
+                      <a:endParaRPr lang="zh-CN" altLang="en-US"/>
+                    </a:p>
+                  </a:txBody>
+                  <a:tcPr/>
+                </a:tc>
+                <a:tc gridSpan="2">
+                  <a:txBody>
+                    <a:bodyPr/>
+                    <a:lstStyle/>
+                    <a:p>
+                      <a:pPr algn="just">
+                        <a:spcAft>
+                          <a:spcPts val="0"/>
+                        </a:spcAft>
+                      </a:pPr>
+                      <a:r>
+                        <a:rPr lang="zh-CN" sz="1600" kern="100">
+                          <a:effectLst/>
+                        </a:rPr>
+                        <a:t>紧急</a:t>
+                      </a:r>
+                      <a:endParaRPr lang="zh-CN" sz="1600" kern="100">
+                        <a:effectLst/>
+                        <a:latin typeface="Times New Roman" panose="02020603050405020304" pitchFamily="18" charset="0"/>
+                        <a:ea typeface="宋体" panose="02010600030101010101" pitchFamily="2" charset="-122"/>
+                      </a:endParaRPr>
+                    </a:p>
+                  </a:txBody>
+                  <a:tcPr marL="44159" marR="44159" marT="0" marB="0"/>
+                </a:tc>
+                <a:tc hMerge="1">
+                  <a:txBody>
+                    <a:bodyPr/>
+                    <a:lstStyle/>
+                    <a:p>
+                      <a:pPr algn="just">
+                        <a:spcAft>
+                          <a:spcPts val="0"/>
+                        </a:spcAft>
+                      </a:pPr>
+                      <a:endParaRPr lang="zh-CN" sz="1600" kern="100">
+                        <a:effectLst/>
+                        <a:latin typeface="Times New Roman" panose="02020603050405020304" pitchFamily="18" charset="0"/>
+                        <a:ea typeface="宋体" panose="02010600030101010101" pitchFamily="2" charset="-122"/>
+                      </a:endParaRPr>
+                    </a:p>
+                  </a:txBody>
+                  <a:tcPr marL="44159" marR="44159" marT="0" marB="0"/>
+                </a:tc>
+                <a:extLst>
+                  <a:ext uri="{0D108BD9-81ED-4DB2-BD59-A6C34878D82A}">
+                    <a16:rowId xmlns:a16="http://schemas.microsoft.com/office/drawing/2014/main" val="2075973806"/>
+                  </a:ext>
+                </a:extLst>
+              </a:tr>
+              <a:tr h="662464">
+                <a:tc>
+                  <a:txBody>
+                    <a:bodyPr/>
+                    <a:lstStyle/>
+                    <a:p>
+                      <a:pPr algn="ctr">
+                        <a:spcAft>
+                          <a:spcPts val="0"/>
+                        </a:spcAft>
+                      </a:pPr>
+                      <a:r>
+                        <a:rPr lang="zh-CN" sz="1600" kern="100">
+                          <a:effectLst/>
+                        </a:rPr>
+                        <a:t>经双方确认后的需求</a:t>
+                      </a:r>
+                      <a:endParaRPr lang="zh-CN" sz="1600" kern="100">
+                        <a:effectLst/>
+                        <a:latin typeface="Times New Roman" panose="02020603050405020304" pitchFamily="18" charset="0"/>
+                        <a:ea typeface="宋体" panose="02010600030101010101" pitchFamily="2" charset="-122"/>
+                      </a:endParaRPr>
+                    </a:p>
+                  </a:txBody>
+                  <a:tcPr marL="44159" marR="44159" marT="0" marB="0"/>
+                </a:tc>
+                <a:tc gridSpan="15">
+                  <a:txBody>
+                    <a:bodyPr/>
+                    <a:lstStyle/>
+                    <a:p>
+                      <a:pPr algn="just">
+                        <a:lnSpc>
+                          <a:spcPts val="2600"/>
+                        </a:lnSpc>
+                        <a:spcAft>
+                          <a:spcPts val="0"/>
+                        </a:spcAft>
+                      </a:pPr>
+                      <a:r>
+                        <a:rPr lang="en-US" sz="1600" kern="100" dirty="0">
+                          <a:effectLst/>
+                        </a:rPr>
+                        <a:t> </a:t>
+                      </a:r>
+                      <a:endParaRPr lang="zh-CN" sz="1600" kern="100" dirty="0">
+                        <a:effectLst/>
+                        <a:latin typeface="Times New Roman" panose="02020603050405020304" pitchFamily="18" charset="0"/>
+                        <a:ea typeface="宋体" panose="02010600030101010101" pitchFamily="2" charset="-122"/>
+                      </a:endParaRPr>
+                    </a:p>
+                  </a:txBody>
+                  <a:tcPr marL="44159" marR="44159" marT="0" marB="0"/>
+                </a:tc>
+                <a:tc hMerge="1">
+                  <a:txBody>
+                    <a:bodyPr/>
+                    <a:lstStyle/>
+                    <a:p>
+                      <a:endParaRPr lang="zh-CN" altLang="en-US"/>
+                    </a:p>
+                  </a:txBody>
+                  <a:tcPr/>
+                </a:tc>
+                <a:tc hMerge="1">
+                  <a:txBody>
+                    <a:bodyPr/>
+                    <a:lstStyle/>
+                    <a:p>
+                      <a:endParaRPr lang="zh-CN" altLang="en-US"/>
+                    </a:p>
+                  </a:txBody>
+                  <a:tcPr/>
+                </a:tc>
+                <a:tc hMerge="1">
+                  <a:txBody>
+                    <a:bodyPr/>
+                    <a:lstStyle/>
+                    <a:p>
+                      <a:endParaRPr lang="zh-CN" altLang="en-US"/>
+                    </a:p>
+                  </a:txBody>
+                  <a:tcPr/>
+                </a:tc>
+                <a:tc hMerge="1">
+                  <a:txBody>
+                    <a:bodyPr/>
+                    <a:lstStyle/>
+                    <a:p>
+                      <a:endParaRPr lang="zh-CN" altLang="en-US"/>
+                    </a:p>
+                  </a:txBody>
+                  <a:tcPr/>
+                </a:tc>
+                <a:tc hMerge="1">
+                  <a:txBody>
+                    <a:bodyPr/>
+                    <a:lstStyle/>
+                    <a:p>
+                      <a:endParaRPr lang="zh-CN" altLang="en-US"/>
+                    </a:p>
+                  </a:txBody>
+                  <a:tcPr/>
+                </a:tc>
+                <a:tc hMerge="1">
+                  <a:txBody>
+                    <a:bodyPr/>
+                    <a:lstStyle/>
+                    <a:p>
+                      <a:endParaRPr lang="zh-CN" altLang="en-US"/>
+                    </a:p>
+                  </a:txBody>
+                  <a:tcPr/>
+                </a:tc>
+                <a:tc hMerge="1">
+                  <a:txBody>
+                    <a:bodyPr/>
+                    <a:lstStyle/>
+                    <a:p>
+                      <a:endParaRPr lang="zh-CN" altLang="en-US"/>
+                    </a:p>
+                  </a:txBody>
+                  <a:tcPr/>
+                </a:tc>
+                <a:tc hMerge="1">
+                  <a:txBody>
+                    <a:bodyPr/>
+                    <a:lstStyle/>
+                    <a:p>
+                      <a:endParaRPr lang="zh-CN" altLang="en-US"/>
+                    </a:p>
+                  </a:txBody>
+                  <a:tcPr/>
+                </a:tc>
+                <a:tc hMerge="1">
+                  <a:txBody>
+                    <a:bodyPr/>
+                    <a:lstStyle/>
+                    <a:p>
+                      <a:endParaRPr lang="zh-CN" altLang="en-US"/>
+                    </a:p>
+                  </a:txBody>
+                  <a:tcPr/>
+                </a:tc>
+                <a:tc hMerge="1">
+                  <a:txBody>
+                    <a:bodyPr/>
+                    <a:lstStyle/>
+                    <a:p>
+                      <a:endParaRPr lang="zh-CN" altLang="en-US"/>
+                    </a:p>
+                  </a:txBody>
+                  <a:tcPr/>
+                </a:tc>
+                <a:tc hMerge="1">
+                  <a:txBody>
+                    <a:bodyPr/>
+                    <a:lstStyle/>
+                    <a:p>
+                      <a:endParaRPr lang="zh-CN" altLang="en-US"/>
+                    </a:p>
+                  </a:txBody>
+                  <a:tcPr/>
+                </a:tc>
+                <a:tc hMerge="1">
+                  <a:txBody>
+                    <a:bodyPr/>
+                    <a:lstStyle/>
+                    <a:p>
+                      <a:endParaRPr lang="zh-CN" altLang="en-US"/>
+                    </a:p>
+                  </a:txBody>
+                  <a:tcPr/>
+                </a:tc>
+                <a:tc hMerge="1">
+                  <a:txBody>
+                    <a:bodyPr/>
+                    <a:lstStyle/>
+                    <a:p>
+                      <a:endParaRPr lang="zh-CN" altLang="en-US"/>
+                    </a:p>
+                  </a:txBody>
+                  <a:tcPr/>
+                </a:tc>
+                <a:tc hMerge="1">
+                  <a:txBody>
+                    <a:bodyPr/>
+                    <a:lstStyle/>
+                    <a:p>
+                      <a:pPr algn="just">
+                        <a:lnSpc>
+                          <a:spcPts val="2600"/>
+                        </a:lnSpc>
+                        <a:spcAft>
+                          <a:spcPts val="0"/>
+                        </a:spcAft>
+                      </a:pPr>
+                      <a:endParaRPr lang="zh-CN" sz="1600" kern="100" dirty="0">
+                        <a:effectLst/>
+                        <a:latin typeface="Times New Roman" panose="02020603050405020304" pitchFamily="18" charset="0"/>
+                        <a:ea typeface="宋体" panose="02010600030101010101" pitchFamily="2" charset="-122"/>
+                      </a:endParaRPr>
+                    </a:p>
+                  </a:txBody>
+                  <a:tcPr marL="44159" marR="44159" marT="0" marB="0"/>
+                </a:tc>
+                <a:extLst>
+                  <a:ext uri="{0D108BD9-81ED-4DB2-BD59-A6C34878D82A}">
+                    <a16:rowId xmlns:a16="http://schemas.microsoft.com/office/drawing/2014/main" val="251970074"/>
+                  </a:ext>
+                </a:extLst>
+              </a:tr>
+              <a:tr h="231541">
+                <a:tc>
+                  <a:txBody>
+                    <a:bodyPr/>
+                    <a:lstStyle/>
+                    <a:p>
+                      <a:pPr algn="ctr">
+                        <a:spcAft>
+                          <a:spcPts val="0"/>
+                        </a:spcAft>
+                      </a:pPr>
+                      <a:r>
+                        <a:rPr lang="zh-CN" sz="1600" kern="100">
+                          <a:effectLst/>
+                        </a:rPr>
+                        <a:t>影响分析</a:t>
+                      </a:r>
+                      <a:endParaRPr lang="zh-CN" sz="1600" kern="100">
+                        <a:effectLst/>
+                        <a:latin typeface="Times New Roman" panose="02020603050405020304" pitchFamily="18" charset="0"/>
+                        <a:ea typeface="宋体" panose="02010600030101010101" pitchFamily="2" charset="-122"/>
+                      </a:endParaRPr>
+                    </a:p>
+                  </a:txBody>
+                  <a:tcPr marL="44159" marR="44159" marT="0" marB="0"/>
+                </a:tc>
+                <a:tc gridSpan="15">
+                  <a:txBody>
+                    <a:bodyPr/>
+                    <a:lstStyle/>
+                    <a:p>
+                      <a:pPr algn="just">
+                        <a:spcAft>
+                          <a:spcPts val="0"/>
+                        </a:spcAft>
+                      </a:pPr>
+                      <a:r>
+                        <a:rPr lang="zh-CN" sz="1600" kern="100">
+                          <a:effectLst/>
+                        </a:rPr>
+                        <a:t>见《</a:t>
+                      </a:r>
+                      <a:r>
+                        <a:rPr lang="en-US" sz="1600" kern="100">
+                          <a:effectLst/>
+                        </a:rPr>
+                        <a:t>PRD2018-G10-</a:t>
+                      </a:r>
+                      <a:r>
+                        <a:rPr lang="zh-CN" sz="1600" kern="100">
+                          <a:effectLst/>
+                        </a:rPr>
+                        <a:t>需求变更影响分析》</a:t>
+                      </a:r>
+                      <a:endParaRPr lang="zh-CN" sz="1600" kern="100">
+                        <a:effectLst/>
+                        <a:latin typeface="Times New Roman" panose="02020603050405020304" pitchFamily="18" charset="0"/>
+                        <a:ea typeface="宋体" panose="02010600030101010101" pitchFamily="2" charset="-122"/>
+                      </a:endParaRPr>
+                    </a:p>
+                  </a:txBody>
+                  <a:tcPr marL="44159" marR="44159" marT="0" marB="0"/>
+                </a:tc>
+                <a:tc hMerge="1">
+                  <a:txBody>
+                    <a:bodyPr/>
+                    <a:lstStyle/>
+                    <a:p>
+                      <a:endParaRPr lang="zh-CN" altLang="en-US"/>
+                    </a:p>
+                  </a:txBody>
+                  <a:tcPr/>
+                </a:tc>
+                <a:tc hMerge="1">
+                  <a:txBody>
+                    <a:bodyPr/>
+                    <a:lstStyle/>
+                    <a:p>
+                      <a:endParaRPr lang="zh-CN" altLang="en-US"/>
+                    </a:p>
+                  </a:txBody>
+                  <a:tcPr/>
+                </a:tc>
+                <a:tc hMerge="1">
+                  <a:txBody>
+                    <a:bodyPr/>
+                    <a:lstStyle/>
+                    <a:p>
+                      <a:endParaRPr lang="zh-CN" altLang="en-US"/>
+                    </a:p>
+                  </a:txBody>
+                  <a:tcPr/>
+                </a:tc>
+                <a:tc hMerge="1">
+                  <a:txBody>
+                    <a:bodyPr/>
+                    <a:lstStyle/>
+                    <a:p>
+                      <a:endParaRPr lang="zh-CN" altLang="en-US"/>
+                    </a:p>
+                  </a:txBody>
+                  <a:tcPr/>
+                </a:tc>
+                <a:tc hMerge="1">
+                  <a:txBody>
+                    <a:bodyPr/>
+                    <a:lstStyle/>
+                    <a:p>
+                      <a:endParaRPr lang="zh-CN" altLang="en-US"/>
+                    </a:p>
+                  </a:txBody>
+                  <a:tcPr/>
+                </a:tc>
+                <a:tc hMerge="1">
+                  <a:txBody>
+                    <a:bodyPr/>
+                    <a:lstStyle/>
+                    <a:p>
+                      <a:endParaRPr lang="zh-CN" altLang="en-US"/>
+                    </a:p>
+                  </a:txBody>
+                  <a:tcPr/>
+                </a:tc>
+                <a:tc hMerge="1">
+                  <a:txBody>
+                    <a:bodyPr/>
+                    <a:lstStyle/>
+                    <a:p>
+                      <a:endParaRPr lang="zh-CN" altLang="en-US"/>
+                    </a:p>
+                  </a:txBody>
+                  <a:tcPr/>
+                </a:tc>
+                <a:tc hMerge="1">
+                  <a:txBody>
+                    <a:bodyPr/>
+                    <a:lstStyle/>
+                    <a:p>
+                      <a:endParaRPr lang="zh-CN" altLang="en-US"/>
+                    </a:p>
+                  </a:txBody>
+                  <a:tcPr/>
+                </a:tc>
+                <a:tc hMerge="1">
+                  <a:txBody>
+                    <a:bodyPr/>
+                    <a:lstStyle/>
+                    <a:p>
+                      <a:endParaRPr lang="zh-CN" altLang="en-US"/>
+                    </a:p>
+                  </a:txBody>
+                  <a:tcPr/>
+                </a:tc>
+                <a:tc hMerge="1">
+                  <a:txBody>
+                    <a:bodyPr/>
+                    <a:lstStyle/>
+                    <a:p>
+                      <a:endParaRPr lang="zh-CN" altLang="en-US"/>
+                    </a:p>
+                  </a:txBody>
+                  <a:tcPr/>
+                </a:tc>
+                <a:tc hMerge="1">
+                  <a:txBody>
+                    <a:bodyPr/>
+                    <a:lstStyle/>
+                    <a:p>
+                      <a:endParaRPr lang="zh-CN" altLang="en-US"/>
+                    </a:p>
+                  </a:txBody>
+                  <a:tcPr/>
+                </a:tc>
+                <a:tc hMerge="1">
+                  <a:txBody>
+                    <a:bodyPr/>
+                    <a:lstStyle/>
+                    <a:p>
+                      <a:endParaRPr lang="zh-CN" altLang="en-US"/>
+                    </a:p>
+                  </a:txBody>
+                  <a:tcPr/>
+                </a:tc>
+                <a:tc hMerge="1">
+                  <a:txBody>
+                    <a:bodyPr/>
+                    <a:lstStyle/>
+                    <a:p>
+                      <a:endParaRPr lang="zh-CN" altLang="en-US"/>
+                    </a:p>
+                  </a:txBody>
+                  <a:tcPr/>
+                </a:tc>
+                <a:tc hMerge="1">
+                  <a:txBody>
+                    <a:bodyPr/>
+                    <a:lstStyle/>
+                    <a:p>
+                      <a:pPr algn="just">
+                        <a:spcAft>
+                          <a:spcPts val="0"/>
+                        </a:spcAft>
+                      </a:pPr>
+                      <a:endParaRPr lang="zh-CN" sz="1600" kern="100">
+                        <a:effectLst/>
+                        <a:latin typeface="Times New Roman" panose="02020603050405020304" pitchFamily="18" charset="0"/>
+                        <a:ea typeface="宋体" panose="02010600030101010101" pitchFamily="2" charset="-122"/>
+                      </a:endParaRPr>
+                    </a:p>
+                  </a:txBody>
+                  <a:tcPr marL="44159" marR="44159" marT="0" marB="0"/>
+                </a:tc>
+                <a:extLst>
+                  <a:ext uri="{0D108BD9-81ED-4DB2-BD59-A6C34878D82A}">
+                    <a16:rowId xmlns:a16="http://schemas.microsoft.com/office/drawing/2014/main" val="3591502483"/>
+                  </a:ext>
+                </a:extLst>
+              </a:tr>
+              <a:tr h="463083">
+                <a:tc>
+                  <a:txBody>
+                    <a:bodyPr/>
+                    <a:lstStyle/>
+                    <a:p>
+                      <a:pPr algn="ctr">
+                        <a:spcAft>
+                          <a:spcPts val="0"/>
+                        </a:spcAft>
+                      </a:pPr>
+                      <a:r>
+                        <a:rPr lang="zh-CN" sz="1600" kern="100">
+                          <a:effectLst/>
+                        </a:rPr>
+                        <a:t>答复意见及建议解决方案</a:t>
+                      </a:r>
+                      <a:endParaRPr lang="zh-CN" sz="1600" kern="100">
+                        <a:effectLst/>
+                        <a:latin typeface="Times New Roman" panose="02020603050405020304" pitchFamily="18" charset="0"/>
+                        <a:ea typeface="宋体" panose="02010600030101010101" pitchFamily="2" charset="-122"/>
+                      </a:endParaRPr>
+                    </a:p>
+                  </a:txBody>
+                  <a:tcPr marL="44159" marR="44159" marT="0" marB="0"/>
+                </a:tc>
+                <a:tc gridSpan="15">
+                  <a:txBody>
+                    <a:bodyPr/>
+                    <a:lstStyle/>
+                    <a:p>
+                      <a:pPr algn="just">
+                        <a:spcAft>
+                          <a:spcPts val="0"/>
+                        </a:spcAft>
+                      </a:pPr>
+                      <a:r>
+                        <a:rPr lang="en-US" sz="1600" kern="100">
+                          <a:effectLst/>
+                        </a:rPr>
+                        <a:t> </a:t>
+                      </a:r>
+                      <a:endParaRPr lang="zh-CN" sz="1600" kern="100">
+                        <a:effectLst/>
+                        <a:latin typeface="Times New Roman" panose="02020603050405020304" pitchFamily="18" charset="0"/>
+                        <a:ea typeface="宋体" panose="02010600030101010101" pitchFamily="2" charset="-122"/>
+                      </a:endParaRPr>
+                    </a:p>
+                  </a:txBody>
+                  <a:tcPr marL="44159" marR="44159" marT="0" marB="0"/>
+                </a:tc>
+                <a:tc hMerge="1">
+                  <a:txBody>
+                    <a:bodyPr/>
+                    <a:lstStyle/>
+                    <a:p>
+                      <a:endParaRPr lang="zh-CN" altLang="en-US"/>
+                    </a:p>
+                  </a:txBody>
+                  <a:tcPr/>
+                </a:tc>
+                <a:tc hMerge="1">
+                  <a:txBody>
+                    <a:bodyPr/>
+                    <a:lstStyle/>
+                    <a:p>
+                      <a:endParaRPr lang="zh-CN" altLang="en-US"/>
+                    </a:p>
+                  </a:txBody>
+                  <a:tcPr/>
+                </a:tc>
+                <a:tc hMerge="1">
+                  <a:txBody>
+                    <a:bodyPr/>
+                    <a:lstStyle/>
+                    <a:p>
+                      <a:endParaRPr lang="zh-CN" altLang="en-US"/>
+                    </a:p>
+                  </a:txBody>
+                  <a:tcPr/>
+                </a:tc>
+                <a:tc hMerge="1">
+                  <a:txBody>
+                    <a:bodyPr/>
+                    <a:lstStyle/>
+                    <a:p>
+                      <a:endParaRPr lang="zh-CN" altLang="en-US"/>
+                    </a:p>
+                  </a:txBody>
+                  <a:tcPr/>
+                </a:tc>
+                <a:tc hMerge="1">
+                  <a:txBody>
+                    <a:bodyPr/>
+                    <a:lstStyle/>
+                    <a:p>
+                      <a:endParaRPr lang="zh-CN" altLang="en-US"/>
+                    </a:p>
+                  </a:txBody>
+                  <a:tcPr/>
+                </a:tc>
+                <a:tc hMerge="1">
+                  <a:txBody>
+                    <a:bodyPr/>
+                    <a:lstStyle/>
+                    <a:p>
+                      <a:endParaRPr lang="zh-CN" altLang="en-US"/>
+                    </a:p>
+                  </a:txBody>
+                  <a:tcPr/>
+                </a:tc>
+                <a:tc hMerge="1">
+                  <a:txBody>
+                    <a:bodyPr/>
+                    <a:lstStyle/>
+                    <a:p>
+                      <a:endParaRPr lang="zh-CN" altLang="en-US"/>
+                    </a:p>
+                  </a:txBody>
+                  <a:tcPr/>
+                </a:tc>
+                <a:tc hMerge="1">
+                  <a:txBody>
+                    <a:bodyPr/>
+                    <a:lstStyle/>
+                    <a:p>
+                      <a:endParaRPr lang="zh-CN" altLang="en-US"/>
+                    </a:p>
+                  </a:txBody>
+                  <a:tcPr/>
+                </a:tc>
+                <a:tc hMerge="1">
+                  <a:txBody>
+                    <a:bodyPr/>
+                    <a:lstStyle/>
+                    <a:p>
+                      <a:endParaRPr lang="zh-CN" altLang="en-US"/>
+                    </a:p>
+                  </a:txBody>
+                  <a:tcPr/>
+                </a:tc>
+                <a:tc hMerge="1">
+                  <a:txBody>
+                    <a:bodyPr/>
+                    <a:lstStyle/>
+                    <a:p>
+                      <a:endParaRPr lang="zh-CN" altLang="en-US"/>
+                    </a:p>
+                  </a:txBody>
+                  <a:tcPr/>
+                </a:tc>
+                <a:tc hMerge="1">
+                  <a:txBody>
+                    <a:bodyPr/>
+                    <a:lstStyle/>
+                    <a:p>
+                      <a:endParaRPr lang="zh-CN" altLang="en-US"/>
+                    </a:p>
+                  </a:txBody>
+                  <a:tcPr/>
+                </a:tc>
+                <a:tc hMerge="1">
+                  <a:txBody>
+                    <a:bodyPr/>
+                    <a:lstStyle/>
+                    <a:p>
+                      <a:endParaRPr lang="zh-CN" altLang="en-US"/>
+                    </a:p>
+                  </a:txBody>
+                  <a:tcPr/>
+                </a:tc>
+                <a:tc hMerge="1">
+                  <a:txBody>
+                    <a:bodyPr/>
+                    <a:lstStyle/>
+                    <a:p>
+                      <a:endParaRPr lang="zh-CN" altLang="en-US"/>
+                    </a:p>
+                  </a:txBody>
+                  <a:tcPr/>
+                </a:tc>
+                <a:tc hMerge="1">
+                  <a:txBody>
+                    <a:bodyPr/>
+                    <a:lstStyle/>
+                    <a:p>
+                      <a:pPr algn="just">
+                        <a:spcAft>
+                          <a:spcPts val="0"/>
+                        </a:spcAft>
+                      </a:pPr>
+                      <a:endParaRPr lang="zh-CN" sz="1600" kern="100">
+                        <a:effectLst/>
+                        <a:latin typeface="Times New Roman" panose="02020603050405020304" pitchFamily="18" charset="0"/>
+                        <a:ea typeface="宋体" panose="02010600030101010101" pitchFamily="2" charset="-122"/>
+                      </a:endParaRPr>
+                    </a:p>
+                  </a:txBody>
+                  <a:tcPr marL="44159" marR="44159" marT="0" marB="0"/>
+                </a:tc>
+                <a:extLst>
+                  <a:ext uri="{0D108BD9-81ED-4DB2-BD59-A6C34878D82A}">
+                    <a16:rowId xmlns:a16="http://schemas.microsoft.com/office/drawing/2014/main" val="699521898"/>
+                  </a:ext>
+                </a:extLst>
+              </a:tr>
+              <a:tr h="330902">
+                <a:tc>
+                  <a:txBody>
+                    <a:bodyPr/>
+                    <a:lstStyle/>
+                    <a:p>
+                      <a:pPr algn="ctr">
+                        <a:spcAft>
+                          <a:spcPts val="0"/>
+                        </a:spcAft>
+                      </a:pPr>
+                      <a:r>
+                        <a:rPr lang="zh-CN" sz="1600" kern="100">
+                          <a:effectLst/>
+                        </a:rPr>
+                        <a:t>工作量评估（人天）</a:t>
+                      </a:r>
+                      <a:endParaRPr lang="zh-CN" sz="1600" kern="100">
+                        <a:effectLst/>
+                        <a:latin typeface="Times New Roman" panose="02020603050405020304" pitchFamily="18" charset="0"/>
+                        <a:ea typeface="宋体" panose="02010600030101010101" pitchFamily="2" charset="-122"/>
+                      </a:endParaRPr>
+                    </a:p>
+                  </a:txBody>
+                  <a:tcPr marL="44159" marR="44159" marT="0" marB="0"/>
+                </a:tc>
+                <a:tc>
+                  <a:txBody>
+                    <a:bodyPr/>
+                    <a:lstStyle/>
+                    <a:p>
+                      <a:pPr algn="just">
+                        <a:spcAft>
+                          <a:spcPts val="0"/>
+                        </a:spcAft>
+                      </a:pPr>
+                      <a:r>
+                        <a:rPr lang="en-US" sz="1600" kern="100">
+                          <a:effectLst/>
+                        </a:rPr>
+                        <a:t>3</a:t>
+                      </a:r>
+                      <a:endParaRPr lang="zh-CN" sz="1600" kern="100">
+                        <a:effectLst/>
+                        <a:latin typeface="Times New Roman" panose="02020603050405020304" pitchFamily="18" charset="0"/>
+                        <a:ea typeface="宋体" panose="02010600030101010101" pitchFamily="2" charset="-122"/>
+                      </a:endParaRPr>
+                    </a:p>
+                  </a:txBody>
+                  <a:tcPr marL="44159" marR="44159" marT="0" marB="0"/>
+                </a:tc>
+                <a:tc gridSpan="4">
+                  <a:txBody>
+                    <a:bodyPr/>
+                    <a:lstStyle/>
+                    <a:p>
+                      <a:pPr algn="ctr">
+                        <a:spcAft>
+                          <a:spcPts val="0"/>
+                        </a:spcAft>
+                      </a:pPr>
+                      <a:r>
+                        <a:rPr lang="zh-CN" sz="1600" kern="100">
+                          <a:effectLst/>
+                        </a:rPr>
+                        <a:t>预计解决时间</a:t>
+                      </a:r>
+                      <a:endParaRPr lang="zh-CN" sz="1600" kern="100">
+                        <a:effectLst/>
+                        <a:latin typeface="Times New Roman" panose="02020603050405020304" pitchFamily="18" charset="0"/>
+                        <a:ea typeface="宋体" panose="02010600030101010101" pitchFamily="2" charset="-122"/>
+                      </a:endParaRPr>
+                    </a:p>
+                  </a:txBody>
+                  <a:tcPr marL="44159" marR="44159" marT="0" marB="0"/>
+                </a:tc>
+                <a:tc hMerge="1">
+                  <a:txBody>
+                    <a:bodyPr/>
+                    <a:lstStyle/>
+                    <a:p>
+                      <a:endParaRPr lang="zh-CN" altLang="en-US"/>
+                    </a:p>
+                  </a:txBody>
+                  <a:tcPr/>
+                </a:tc>
+                <a:tc hMerge="1">
+                  <a:txBody>
+                    <a:bodyPr/>
+                    <a:lstStyle/>
+                    <a:p>
+                      <a:endParaRPr lang="zh-CN" altLang="en-US"/>
+                    </a:p>
+                  </a:txBody>
+                  <a:tcPr/>
+                </a:tc>
+                <a:tc hMerge="1">
+                  <a:txBody>
+                    <a:bodyPr/>
+                    <a:lstStyle/>
+                    <a:p>
+                      <a:endParaRPr lang="zh-CN" altLang="en-US"/>
+                    </a:p>
+                  </a:txBody>
+                  <a:tcPr/>
+                </a:tc>
+                <a:tc gridSpan="3">
+                  <a:txBody>
+                    <a:bodyPr/>
+                    <a:lstStyle/>
+                    <a:p>
+                      <a:pPr algn="just">
+                        <a:spcAft>
+                          <a:spcPts val="0"/>
+                        </a:spcAft>
+                      </a:pPr>
+                      <a:r>
+                        <a:rPr lang="en-US" sz="1600" kern="100" dirty="0">
+                          <a:effectLst/>
+                        </a:rPr>
+                        <a:t>1</a:t>
+                      </a:r>
+                      <a:r>
+                        <a:rPr lang="zh-CN" sz="1600" kern="100" dirty="0">
+                          <a:effectLst/>
+                        </a:rPr>
+                        <a:t>月</a:t>
+                      </a:r>
+                      <a:r>
+                        <a:rPr lang="en-US" sz="1600" kern="100" dirty="0">
+                          <a:effectLst/>
+                        </a:rPr>
+                        <a:t>9</a:t>
+                      </a:r>
+                      <a:r>
+                        <a:rPr lang="zh-CN" sz="1600" kern="100" dirty="0">
+                          <a:effectLst/>
+                        </a:rPr>
+                        <a:t>日</a:t>
+                      </a:r>
+                      <a:endParaRPr lang="zh-CN" sz="1600" kern="100" dirty="0">
+                        <a:effectLst/>
+                        <a:latin typeface="Times New Roman" panose="02020603050405020304" pitchFamily="18" charset="0"/>
+                        <a:ea typeface="宋体" panose="02010600030101010101" pitchFamily="2" charset="-122"/>
+                      </a:endParaRPr>
+                    </a:p>
+                  </a:txBody>
+                  <a:tcPr marL="44159" marR="44159" marT="0" marB="0"/>
+                </a:tc>
+                <a:tc hMerge="1">
+                  <a:txBody>
+                    <a:bodyPr/>
+                    <a:lstStyle/>
+                    <a:p>
+                      <a:endParaRPr lang="zh-CN" altLang="en-US"/>
+                    </a:p>
+                  </a:txBody>
+                  <a:tcPr/>
+                </a:tc>
+                <a:tc hMerge="1">
+                  <a:txBody>
+                    <a:bodyPr/>
+                    <a:lstStyle/>
+                    <a:p>
+                      <a:endParaRPr lang="zh-CN" altLang="en-US"/>
+                    </a:p>
+                  </a:txBody>
+                  <a:tcPr/>
+                </a:tc>
+                <a:tc gridSpan="6">
+                  <a:txBody>
+                    <a:bodyPr/>
+                    <a:lstStyle/>
+                    <a:p>
+                      <a:r>
+                        <a:rPr lang="zh-CN" sz="1600" kern="100" dirty="0">
+                          <a:effectLst/>
+                        </a:rPr>
+                        <a:t>实际解决时间</a:t>
+                      </a:r>
+                      <a:endParaRPr lang="zh-CN" altLang="en-US" dirty="0"/>
+                    </a:p>
+                  </a:txBody>
+                  <a:tcPr marL="44159" marR="44159" marT="0" marB="0"/>
+                </a:tc>
+                <a:tc hMerge="1">
+                  <a:txBody>
+                    <a:bodyPr/>
+                    <a:lstStyle/>
+                    <a:p>
+                      <a:endParaRPr lang="zh-CN" altLang="en-US"/>
+                    </a:p>
+                  </a:txBody>
+                  <a:tcPr/>
+                </a:tc>
+                <a:tc hMerge="1">
+                  <a:txBody>
+                    <a:bodyPr/>
+                    <a:lstStyle/>
+                    <a:p>
+                      <a:endParaRPr lang="zh-CN" altLang="en-US"/>
+                    </a:p>
+                  </a:txBody>
+                  <a:tcPr/>
+                </a:tc>
+                <a:tc hMerge="1">
+                  <a:txBody>
+                    <a:bodyPr/>
+                    <a:lstStyle/>
+                    <a:p>
+                      <a:endParaRPr lang="zh-CN" altLang="en-US"/>
+                    </a:p>
+                  </a:txBody>
+                  <a:tcPr/>
+                </a:tc>
+                <a:tc hMerge="1">
+                  <a:txBody>
+                    <a:bodyPr/>
+                    <a:lstStyle/>
+                    <a:p>
+                      <a:endParaRPr lang="zh-CN" altLang="en-US"/>
+                    </a:p>
+                  </a:txBody>
+                  <a:tcPr/>
+                </a:tc>
+                <a:tc hMerge="1">
+                  <a:txBody>
+                    <a:bodyPr/>
+                    <a:lstStyle/>
+                    <a:p>
+                      <a:endParaRPr lang="zh-CN" altLang="en-US"/>
+                    </a:p>
+                  </a:txBody>
+                  <a:tcPr/>
+                </a:tc>
+                <a:tc>
+                  <a:txBody>
+                    <a:bodyPr/>
+                    <a:lstStyle/>
+                    <a:p>
+                      <a:pPr algn="just">
+                        <a:spcAft>
+                          <a:spcPts val="0"/>
+                        </a:spcAft>
+                      </a:pPr>
+                      <a:r>
+                        <a:rPr lang="en-US" sz="1600" kern="100" dirty="0">
+                          <a:effectLst/>
+                        </a:rPr>
+                        <a:t> </a:t>
+                      </a:r>
+                      <a:endParaRPr lang="zh-CN" sz="1600" kern="100" dirty="0">
+                        <a:effectLst/>
+                        <a:latin typeface="Times New Roman" panose="02020603050405020304" pitchFamily="18" charset="0"/>
+                        <a:ea typeface="宋体" panose="02010600030101010101" pitchFamily="2" charset="-122"/>
+                      </a:endParaRPr>
+                    </a:p>
+                  </a:txBody>
+                  <a:tcPr marL="44159" marR="44159" marT="0" marB="0"/>
+                </a:tc>
+                <a:extLst>
+                  <a:ext uri="{0D108BD9-81ED-4DB2-BD59-A6C34878D82A}">
+                    <a16:rowId xmlns:a16="http://schemas.microsoft.com/office/drawing/2014/main" val="4235169336"/>
+                  </a:ext>
+                </a:extLst>
+              </a:tr>
+              <a:tr h="772102">
+                <a:tc>
+                  <a:txBody>
+                    <a:bodyPr/>
+                    <a:lstStyle/>
+                    <a:p>
+                      <a:pPr algn="ctr">
+                        <a:spcAft>
+                          <a:spcPts val="0"/>
+                        </a:spcAft>
+                      </a:pPr>
+                      <a:r>
+                        <a:rPr lang="zh-CN" sz="1600" kern="100">
+                          <a:effectLst/>
+                        </a:rPr>
+                        <a:t>审核人：</a:t>
+                      </a:r>
+                      <a:endParaRPr lang="zh-CN" sz="1600" kern="100">
+                        <a:effectLst/>
+                        <a:latin typeface="Times New Roman" panose="02020603050405020304" pitchFamily="18" charset="0"/>
+                        <a:ea typeface="宋体" panose="02010600030101010101" pitchFamily="2" charset="-122"/>
+                      </a:endParaRPr>
+                    </a:p>
+                  </a:txBody>
+                  <a:tcPr marL="44159" marR="44159" marT="0" marB="0"/>
+                </a:tc>
+                <a:tc gridSpan="3">
+                  <a:txBody>
+                    <a:bodyPr/>
+                    <a:lstStyle/>
+                    <a:p>
+                      <a:pPr algn="ctr">
+                        <a:spcAft>
+                          <a:spcPts val="0"/>
+                        </a:spcAft>
+                      </a:pPr>
+                      <a:r>
+                        <a:rPr lang="en-US" sz="1600" kern="100">
+                          <a:effectLst/>
+                        </a:rPr>
+                        <a:t> </a:t>
+                      </a:r>
+                      <a:endParaRPr lang="zh-CN" sz="1600" kern="100">
+                        <a:effectLst/>
+                        <a:latin typeface="Times New Roman" panose="02020603050405020304" pitchFamily="18" charset="0"/>
+                        <a:ea typeface="宋体" panose="02010600030101010101" pitchFamily="2" charset="-122"/>
+                      </a:endParaRPr>
+                    </a:p>
+                  </a:txBody>
+                  <a:tcPr marL="44159" marR="44159" marT="0" marB="0"/>
+                </a:tc>
+                <a:tc hMerge="1">
+                  <a:txBody>
+                    <a:bodyPr/>
+                    <a:lstStyle/>
+                    <a:p>
+                      <a:endParaRPr lang="zh-CN" altLang="en-US"/>
+                    </a:p>
+                  </a:txBody>
+                  <a:tcPr/>
+                </a:tc>
+                <a:tc hMerge="1">
+                  <a:txBody>
+                    <a:bodyPr/>
+                    <a:lstStyle/>
+                    <a:p>
+                      <a:endParaRPr lang="zh-CN" altLang="en-US"/>
+                    </a:p>
+                  </a:txBody>
+                  <a:tcPr/>
+                </a:tc>
+                <a:tc gridSpan="3">
+                  <a:txBody>
+                    <a:bodyPr/>
+                    <a:lstStyle/>
+                    <a:p>
+                      <a:pPr algn="ctr">
+                        <a:spcAft>
+                          <a:spcPts val="0"/>
+                        </a:spcAft>
+                      </a:pPr>
+                      <a:r>
+                        <a:rPr lang="zh-CN" sz="1600" kern="100">
+                          <a:effectLst/>
+                        </a:rPr>
+                        <a:t>需求确认人：</a:t>
+                      </a:r>
+                      <a:endParaRPr lang="zh-CN" sz="1600" kern="100">
+                        <a:effectLst/>
+                        <a:latin typeface="Times New Roman" panose="02020603050405020304" pitchFamily="18" charset="0"/>
+                        <a:ea typeface="宋体" panose="02010600030101010101" pitchFamily="2" charset="-122"/>
+                      </a:endParaRPr>
+                    </a:p>
+                  </a:txBody>
+                  <a:tcPr marL="44159" marR="44159" marT="0" marB="0"/>
+                </a:tc>
+                <a:tc hMerge="1">
+                  <a:txBody>
+                    <a:bodyPr/>
+                    <a:lstStyle/>
+                    <a:p>
+                      <a:endParaRPr lang="zh-CN" altLang="en-US"/>
+                    </a:p>
+                  </a:txBody>
+                  <a:tcPr/>
+                </a:tc>
+                <a:tc hMerge="1">
+                  <a:txBody>
+                    <a:bodyPr/>
+                    <a:lstStyle/>
+                    <a:p>
+                      <a:endParaRPr lang="zh-CN" altLang="en-US"/>
+                    </a:p>
+                  </a:txBody>
+                  <a:tcPr/>
+                </a:tc>
+                <a:tc>
+                  <a:txBody>
+                    <a:bodyPr/>
+                    <a:lstStyle/>
+                    <a:p>
+                      <a:pPr algn="just">
+                        <a:spcAft>
+                          <a:spcPts val="0"/>
+                        </a:spcAft>
+                      </a:pPr>
+                      <a:r>
+                        <a:rPr lang="en-US" sz="1600" kern="100">
+                          <a:effectLst/>
+                        </a:rPr>
+                        <a:t> </a:t>
+                      </a:r>
+                      <a:endParaRPr lang="zh-CN" sz="1600" kern="100">
+                        <a:effectLst/>
+                        <a:latin typeface="Times New Roman" panose="02020603050405020304" pitchFamily="18" charset="0"/>
+                        <a:ea typeface="宋体" panose="02010600030101010101" pitchFamily="2" charset="-122"/>
+                      </a:endParaRPr>
+                    </a:p>
+                  </a:txBody>
+                  <a:tcPr marL="44159" marR="44159" marT="0" marB="0"/>
+                </a:tc>
+                <a:tc gridSpan="7">
+                  <a:txBody>
+                    <a:bodyPr/>
+                    <a:lstStyle/>
+                    <a:p>
+                      <a:pPr algn="just">
+                        <a:spcAft>
+                          <a:spcPts val="0"/>
+                        </a:spcAft>
+                      </a:pPr>
+                      <a:r>
+                        <a:rPr lang="zh-CN" sz="1600" kern="100" dirty="0">
+                          <a:effectLst/>
+                        </a:rPr>
+                        <a:t>需求确认时间：</a:t>
+                      </a:r>
+                      <a:endParaRPr lang="zh-CN" sz="1600" kern="100" dirty="0">
+                        <a:effectLst/>
+                        <a:latin typeface="Times New Roman" panose="02020603050405020304" pitchFamily="18" charset="0"/>
+                        <a:ea typeface="宋体" panose="02010600030101010101" pitchFamily="2" charset="-122"/>
+                      </a:endParaRPr>
+                    </a:p>
+                  </a:txBody>
+                  <a:tcPr marL="44159" marR="44159" marT="0" marB="0"/>
+                </a:tc>
+                <a:tc hMerge="1">
+                  <a:txBody>
+                    <a:bodyPr/>
+                    <a:lstStyle/>
+                    <a:p>
+                      <a:endParaRPr lang="zh-CN" altLang="en-US"/>
+                    </a:p>
+                  </a:txBody>
+                  <a:tcPr/>
+                </a:tc>
+                <a:tc hMerge="1">
+                  <a:txBody>
+                    <a:bodyPr/>
+                    <a:lstStyle/>
+                    <a:p>
+                      <a:pPr algn="just">
+                        <a:spcAft>
+                          <a:spcPts val="0"/>
+                        </a:spcAft>
+                      </a:pPr>
+                      <a:r>
+                        <a:rPr lang="en-US" sz="1600" kern="100" dirty="0">
+                          <a:effectLst/>
+                        </a:rPr>
+                        <a:t> </a:t>
+                      </a:r>
+                      <a:endParaRPr lang="zh-CN" sz="1600" kern="100" dirty="0">
+                        <a:effectLst/>
+                        <a:latin typeface="Times New Roman" panose="02020603050405020304" pitchFamily="18" charset="0"/>
+                        <a:ea typeface="宋体" panose="02010600030101010101" pitchFamily="2" charset="-122"/>
+                      </a:endParaRPr>
+                    </a:p>
+                  </a:txBody>
+                  <a:tcPr marL="44159" marR="44159" marT="0" marB="0"/>
+                </a:tc>
+                <a:tc hMerge="1">
+                  <a:txBody>
+                    <a:bodyPr/>
+                    <a:lstStyle/>
+                    <a:p>
+                      <a:endParaRPr lang="zh-CN" altLang="en-US"/>
+                    </a:p>
+                  </a:txBody>
+                  <a:tcPr/>
+                </a:tc>
+                <a:tc hMerge="1">
+                  <a:txBody>
+                    <a:bodyPr/>
+                    <a:lstStyle/>
+                    <a:p>
+                      <a:endParaRPr lang="zh-CN" altLang="en-US"/>
+                    </a:p>
+                  </a:txBody>
+                  <a:tcPr/>
+                </a:tc>
+                <a:tc hMerge="1">
+                  <a:txBody>
+                    <a:bodyPr/>
+                    <a:lstStyle/>
+                    <a:p>
+                      <a:endParaRPr lang="zh-CN" altLang="en-US"/>
+                    </a:p>
+                  </a:txBody>
+                  <a:tcPr/>
+                </a:tc>
+                <a:tc hMerge="1">
+                  <a:txBody>
+                    <a:bodyPr/>
+                    <a:lstStyle/>
+                    <a:p>
+                      <a:endParaRPr lang="zh-CN" altLang="en-US"/>
+                    </a:p>
+                  </a:txBody>
+                  <a:tcPr/>
+                </a:tc>
+                <a:tc>
+                  <a:txBody>
+                    <a:bodyPr/>
+                    <a:lstStyle/>
+                    <a:p>
+                      <a:pPr algn="just">
+                        <a:spcAft>
+                          <a:spcPts val="0"/>
+                        </a:spcAft>
+                      </a:pPr>
+                      <a:r>
+                        <a:rPr lang="en-US" sz="1600" kern="100" dirty="0">
+                          <a:effectLst/>
+                        </a:rPr>
+                        <a:t> </a:t>
+                      </a:r>
+                      <a:endParaRPr lang="zh-CN" sz="1600" kern="100" dirty="0">
+                        <a:effectLst/>
+                        <a:latin typeface="Times New Roman" panose="02020603050405020304" pitchFamily="18" charset="0"/>
+                        <a:ea typeface="宋体" panose="02010600030101010101" pitchFamily="2" charset="-122"/>
+                      </a:endParaRPr>
+                    </a:p>
+                  </a:txBody>
+                  <a:tcPr marL="44159" marR="44159" marT="0" marB="0"/>
+                </a:tc>
+                <a:extLst>
+                  <a:ext uri="{0D108BD9-81ED-4DB2-BD59-A6C34878D82A}">
+                    <a16:rowId xmlns:a16="http://schemas.microsoft.com/office/drawing/2014/main" val="396768640"/>
+                  </a:ext>
+                </a:extLst>
+              </a:tr>
+            </a:tbl>
+          </a:graphicData>
+        </a:graphic>
+      </p:graphicFrame>
+    </p:spTree>
+    <p:extLst>
+      <p:ext uri="{BB962C8B-B14F-4D97-AF65-F5344CB8AC3E}">
+        <p14:creationId xmlns:p14="http://schemas.microsoft.com/office/powerpoint/2010/main" val="2962373734"/>
+      </p:ext>
+    </p:extLst>
+  </p:cSld>
+  <p:clrMapOvr>
+    <a:masterClrMapping/>
+  </p:clrMapOvr>
+</p:sld>
+</file>
+
+<file path=ppt/slides/slide12.xml><?xml version="1.0" encoding="utf-8"?>
+<p:sld xmlns:a="http://schemas.openxmlformats.org/drawingml/2006/main" xmlns:r="http://schemas.openxmlformats.org/officeDocument/2006/relationships" xmlns:p="http://schemas.openxmlformats.org/presentationml/2006/main">
+  <p:cSld>
+    <p:spTree>
+      <p:nvGrpSpPr>
+        <p:cNvPr id="1" name=""/>
+        <p:cNvGrpSpPr/>
+        <p:nvPr/>
+      </p:nvGrpSpPr>
+      <p:grpSpPr>
+        <a:xfrm>
+          <a:off x="0" y="0"/>
+          <a:ext cx="0" cy="0"/>
+          <a:chOff x="0" y="0"/>
+          <a:chExt cx="0" cy="0"/>
+        </a:xfrm>
+      </p:grpSpPr>
+      <p:sp>
+        <p:nvSpPr>
           <p:cNvPr id="2" name="文本占位符 1"/>
           <p:cNvSpPr>
             <a:spLocks noGrp="1"/>
@@ -3303,7 +6302,7 @@
 </p:sld>
 </file>
 
-<file path=ppt/slides/slide11.xml><?xml version="1.0" encoding="utf-8"?>
+<file path=ppt/slides/slide13.xml><?xml version="1.0" encoding="utf-8"?>
 <p:sld xmlns:a="http://schemas.openxmlformats.org/drawingml/2006/main" xmlns:r="http://schemas.openxmlformats.org/officeDocument/2006/relationships" xmlns:p="http://schemas.openxmlformats.org/presentationml/2006/main">
   <p:cSld>
     <p:spTree>
@@ -3459,7 +6458,7 @@
 </p:sld>
 </file>
 
-<file path=ppt/slides/slide12.xml><?xml version="1.0" encoding="utf-8"?>
+<file path=ppt/slides/slide14.xml><?xml version="1.0" encoding="utf-8"?>
 <p:sld xmlns:a="http://schemas.openxmlformats.org/drawingml/2006/main" xmlns:r="http://schemas.openxmlformats.org/officeDocument/2006/relationships" xmlns:p="http://schemas.openxmlformats.org/presentationml/2006/main">
   <p:cSld>
     <p:spTree>
@@ -3554,7 +6553,7 @@
 </p:sld>
 </file>
 
-<file path=ppt/slides/slide13.xml><?xml version="1.0" encoding="utf-8"?>
+<file path=ppt/slides/slide15.xml><?xml version="1.0" encoding="utf-8"?>
 <p:sld xmlns:a="http://schemas.openxmlformats.org/drawingml/2006/main" xmlns:r="http://schemas.openxmlformats.org/officeDocument/2006/relationships" xmlns:p="http://schemas.openxmlformats.org/presentationml/2006/main">
   <p:cSld>
     <p:spTree>
@@ -3649,7 +6648,7 @@
 </p:sld>
 </file>
 
-<file path=ppt/slides/slide14.xml><?xml version="1.0" encoding="utf-8"?>
+<file path=ppt/slides/slide16.xml><?xml version="1.0" encoding="utf-8"?>
 <p:sld xmlns:a="http://schemas.openxmlformats.org/drawingml/2006/main" xmlns:r="http://schemas.openxmlformats.org/officeDocument/2006/relationships" xmlns:p="http://schemas.openxmlformats.org/presentationml/2006/main">
   <p:cSld>
     <p:spTree>
@@ -3744,7 +6743,7 @@
 </p:sld>
 </file>
 
-<file path=ppt/slides/slide15.xml><?xml version="1.0" encoding="utf-8"?>
+<file path=ppt/slides/slide17.xml><?xml version="1.0" encoding="utf-8"?>
 <p:sld xmlns:a="http://schemas.openxmlformats.org/drawingml/2006/main" xmlns:r="http://schemas.openxmlformats.org/officeDocument/2006/relationships" xmlns:p="http://schemas.openxmlformats.org/presentationml/2006/main">
   <p:cSld>
     <p:spTree>
@@ -3839,7 +6838,7 @@
 </p:sld>
 </file>
 
-<file path=ppt/slides/slide16.xml><?xml version="1.0" encoding="utf-8"?>
+<file path=ppt/slides/slide18.xml><?xml version="1.0" encoding="utf-8"?>
 <p:sld xmlns:a="http://schemas.openxmlformats.org/drawingml/2006/main" xmlns:r="http://schemas.openxmlformats.org/officeDocument/2006/relationships" xmlns:p="http://schemas.openxmlformats.org/presentationml/2006/main">
   <p:cSld>
     <p:spTree>
@@ -3934,7 +6933,7 @@
 </p:sld>
 </file>
 
-<file path=ppt/slides/slide17.xml><?xml version="1.0" encoding="utf-8"?>
+<file path=ppt/slides/slide19.xml><?xml version="1.0" encoding="utf-8"?>
 <p:sld xmlns:a="http://schemas.openxmlformats.org/drawingml/2006/main" xmlns:r="http://schemas.openxmlformats.org/officeDocument/2006/relationships" xmlns:p="http://schemas.openxmlformats.org/presentationml/2006/main">
   <p:cSld>
     <p:spTree>
@@ -4088,200 +7087,6 @@
 </p:sld>
 </file>
 
-<file path=ppt/slides/slide18.xml><?xml version="1.0" encoding="utf-8"?>
-<p:sld xmlns:a="http://schemas.openxmlformats.org/drawingml/2006/main" xmlns:r="http://schemas.openxmlformats.org/officeDocument/2006/relationships" xmlns:p="http://schemas.openxmlformats.org/presentationml/2006/main">
-  <p:cSld>
-    <p:spTree>
-      <p:nvGrpSpPr>
-        <p:cNvPr id="1" name=""/>
-        <p:cNvGrpSpPr/>
-        <p:nvPr/>
-      </p:nvGrpSpPr>
-      <p:grpSpPr>
-        <a:xfrm>
-          <a:off x="0" y="0"/>
-          <a:ext cx="0" cy="0"/>
-          <a:chOff x="0" y="0"/>
-          <a:chExt cx="0" cy="0"/>
-        </a:xfrm>
-      </p:grpSpPr>
-      <p:sp>
-        <p:nvSpPr>
-          <p:cNvPr id="2" name="文本占位符 1"/>
-          <p:cNvSpPr>
-            <a:spLocks noGrp="1"/>
-          </p:cNvSpPr>
-          <p:nvPr>
-            <p:ph type="body" sz="quarter" idx="10"/>
-          </p:nvPr>
-        </p:nvSpPr>
-        <p:spPr>
-          <a:xfrm>
-            <a:off x="3913044" y="302450"/>
-            <a:ext cx="4365911" cy="362404"/>
-          </a:xfrm>
-        </p:spPr>
-        <p:txBody>
-          <a:bodyPr>
-            <a:noAutofit/>
-          </a:bodyPr>
-          <a:lstStyle/>
-          <a:p>
-            <a:r>
-              <a:rPr kumimoji="1" lang="zh-CN" altLang="en-US" sz="4000" dirty="0">
-                <a:latin typeface="Century Gothic"/>
-              </a:rPr>
-              <a:t>需求分析影响清单</a:t>
-            </a:r>
-          </a:p>
-        </p:txBody>
-      </p:sp>
-      <p:pic>
-        <p:nvPicPr>
-          <p:cNvPr id="6" name="图片 5">
-            <a:extLst>
-              <a:ext uri="{FF2B5EF4-FFF2-40B4-BE49-F238E27FC236}">
-                <a16:creationId xmlns:a16="http://schemas.microsoft.com/office/drawing/2014/main" id="{B79E29A1-5259-4950-83A1-D0939C93458A}"/>
-              </a:ext>
-            </a:extLst>
-          </p:cNvPr>
-          <p:cNvPicPr>
-            <a:picLocks noChangeAspect="1"/>
-          </p:cNvPicPr>
-          <p:nvPr/>
-        </p:nvPicPr>
-        <p:blipFill>
-          <a:blip r:embed="rId2">
-            <a:extLst>
-              <a:ext uri="{28A0092B-C50C-407E-A947-70E740481C1C}">
-                <a14:useLocalDpi xmlns:a14="http://schemas.microsoft.com/office/drawing/2010/main" val="0"/>
-              </a:ext>
-            </a:extLst>
-          </a:blip>
-          <a:stretch>
-            <a:fillRect/>
-          </a:stretch>
-        </p:blipFill>
-        <p:spPr>
-          <a:xfrm>
-            <a:off x="3328601" y="2190577"/>
-            <a:ext cx="5534797" cy="2476846"/>
-          </a:xfrm>
-          <a:prstGeom prst="rect">
-            <a:avLst/>
-          </a:prstGeom>
-        </p:spPr>
-      </p:pic>
-    </p:spTree>
-    <p:extLst>
-      <p:ext uri="{BB962C8B-B14F-4D97-AF65-F5344CB8AC3E}">
-        <p14:creationId xmlns:p14="http://schemas.microsoft.com/office/powerpoint/2010/main" val="3116744433"/>
-      </p:ext>
-    </p:extLst>
-  </p:cSld>
-  <p:clrMapOvr>
-    <a:masterClrMapping/>
-  </p:clrMapOvr>
-</p:sld>
-</file>
-
-<file path=ppt/slides/slide19.xml><?xml version="1.0" encoding="utf-8"?>
-<p:sld xmlns:a="http://schemas.openxmlformats.org/drawingml/2006/main" xmlns:r="http://schemas.openxmlformats.org/officeDocument/2006/relationships" xmlns:p="http://schemas.openxmlformats.org/presentationml/2006/main">
-  <p:cSld>
-    <p:spTree>
-      <p:nvGrpSpPr>
-        <p:cNvPr id="1" name=""/>
-        <p:cNvGrpSpPr/>
-        <p:nvPr/>
-      </p:nvGrpSpPr>
-      <p:grpSpPr>
-        <a:xfrm>
-          <a:off x="0" y="0"/>
-          <a:ext cx="0" cy="0"/>
-          <a:chOff x="0" y="0"/>
-          <a:chExt cx="0" cy="0"/>
-        </a:xfrm>
-      </p:grpSpPr>
-      <p:sp>
-        <p:nvSpPr>
-          <p:cNvPr id="2" name="文本占位符 1"/>
-          <p:cNvSpPr>
-            <a:spLocks noGrp="1"/>
-          </p:cNvSpPr>
-          <p:nvPr>
-            <p:ph type="body" sz="quarter" idx="10"/>
-          </p:nvPr>
-        </p:nvSpPr>
-        <p:spPr>
-          <a:xfrm>
-            <a:off x="3913044" y="302450"/>
-            <a:ext cx="4365911" cy="362404"/>
-          </a:xfrm>
-        </p:spPr>
-        <p:txBody>
-          <a:bodyPr>
-            <a:noAutofit/>
-          </a:bodyPr>
-          <a:lstStyle/>
-          <a:p>
-            <a:r>
-              <a:rPr kumimoji="1" lang="zh-CN" altLang="en-US" sz="4000" dirty="0">
-                <a:latin typeface="Century Gothic"/>
-              </a:rPr>
-              <a:t>需求分析影响清单</a:t>
-            </a:r>
-          </a:p>
-        </p:txBody>
-      </p:sp>
-      <p:pic>
-        <p:nvPicPr>
-          <p:cNvPr id="4" name="图片 3">
-            <a:extLst>
-              <a:ext uri="{FF2B5EF4-FFF2-40B4-BE49-F238E27FC236}">
-                <a16:creationId xmlns:a16="http://schemas.microsoft.com/office/drawing/2014/main" id="{8809B24C-D2EE-4DED-8EC3-5E199335FE5B}"/>
-              </a:ext>
-            </a:extLst>
-          </p:cNvPr>
-          <p:cNvPicPr>
-            <a:picLocks noChangeAspect="1"/>
-          </p:cNvPicPr>
-          <p:nvPr/>
-        </p:nvPicPr>
-        <p:blipFill>
-          <a:blip r:embed="rId2">
-            <a:extLst>
-              <a:ext uri="{28A0092B-C50C-407E-A947-70E740481C1C}">
-                <a14:useLocalDpi xmlns:a14="http://schemas.microsoft.com/office/drawing/2010/main" val="0"/>
-              </a:ext>
-            </a:extLst>
-          </a:blip>
-          <a:stretch>
-            <a:fillRect/>
-          </a:stretch>
-        </p:blipFill>
-        <p:spPr>
-          <a:xfrm>
-            <a:off x="3425607" y="1176602"/>
-            <a:ext cx="4676994" cy="5681398"/>
-          </a:xfrm>
-          <a:prstGeom prst="rect">
-            <a:avLst/>
-          </a:prstGeom>
-        </p:spPr>
-      </p:pic>
-    </p:spTree>
-    <p:extLst>
-      <p:ext uri="{BB962C8B-B14F-4D97-AF65-F5344CB8AC3E}">
-        <p14:creationId xmlns:p14="http://schemas.microsoft.com/office/powerpoint/2010/main" val="162753165"/>
-      </p:ext>
-    </p:extLst>
-  </p:cSld>
-  <p:clrMapOvr>
-    <a:masterClrMapping/>
-  </p:clrMapOvr>
-</p:sld>
-</file>
-
 <file path=ppt/slides/slide2.xml><?xml version="1.0" encoding="utf-8"?>
 <p:sld xmlns:a="http://schemas.openxmlformats.org/drawingml/2006/main" xmlns:r="http://schemas.openxmlformats.org/officeDocument/2006/relationships" xmlns:p="http://schemas.openxmlformats.org/presentationml/2006/main">
   <p:cSld>
@@ -4345,7 +7150,7 @@
         </p:nvSpPr>
         <p:spPr>
           <a:xfrm>
-            <a:off x="3675198" y="2310278"/>
+            <a:off x="1488179" y="2221923"/>
             <a:ext cx="876300" cy="876300"/>
           </a:xfrm>
           <a:prstGeom prst="ellipse">
@@ -4395,7 +7200,366 @@
         </p:nvSpPr>
         <p:spPr>
           <a:xfrm>
-            <a:off x="4773576" y="2520950"/>
+            <a:off x="2586557" y="2432595"/>
+            <a:ext cx="2941672" cy="461665"/>
+          </a:xfrm>
+          <a:prstGeom prst="rect">
+            <a:avLst/>
+          </a:prstGeom>
+          <a:noFill/>
+        </p:spPr>
+        <p:txBody>
+          <a:bodyPr wrap="square" rtlCol="0">
+            <a:spAutoFit/>
+          </a:bodyPr>
+          <a:lstStyle/>
+          <a:p>
+            <a:r>
+              <a:rPr lang="zh-CN" altLang="en-US" sz="2400" b="1" dirty="0">
+                <a:solidFill>
+                  <a:schemeClr val="bg1"/>
+                </a:solidFill>
+                <a:latin typeface="微软雅黑" panose="020B0503020204020204" pitchFamily="34" charset="-122"/>
+                <a:ea typeface="微软雅黑" panose="020B0503020204020204" pitchFamily="34" charset="-122"/>
+              </a:rPr>
+              <a:t>项目会议</a:t>
+            </a:r>
+            <a:endParaRPr lang="en-US" altLang="zh-CN" sz="2400" b="1" dirty="0">
+              <a:solidFill>
+                <a:schemeClr val="bg1"/>
+              </a:solidFill>
+              <a:latin typeface="微软雅黑" panose="020B0503020204020204" pitchFamily="34" charset="-122"/>
+              <a:ea typeface="微软雅黑" panose="020B0503020204020204" pitchFamily="34" charset="-122"/>
+            </a:endParaRPr>
+          </a:p>
+        </p:txBody>
+      </p:sp>
+      <p:sp>
+        <p:nvSpPr>
+          <p:cNvPr id="5" name="椭圆 4"/>
+          <p:cNvSpPr/>
+          <p:nvPr/>
+        </p:nvSpPr>
+        <p:spPr>
+          <a:xfrm>
+            <a:off x="1488179" y="3129973"/>
+            <a:ext cx="876300" cy="876300"/>
+          </a:xfrm>
+          <a:prstGeom prst="ellipse">
+            <a:avLst/>
+          </a:prstGeom>
+          <a:noFill/>
+          <a:ln>
+            <a:solidFill>
+              <a:schemeClr val="bg1"/>
+            </a:solidFill>
+          </a:ln>
+        </p:spPr>
+        <p:style>
+          <a:lnRef idx="2">
+            <a:schemeClr val="accent1">
+              <a:shade val="50000"/>
+            </a:schemeClr>
+          </a:lnRef>
+          <a:fillRef idx="1">
+            <a:schemeClr val="accent1"/>
+          </a:fillRef>
+          <a:effectRef idx="0">
+            <a:schemeClr val="accent1"/>
+          </a:effectRef>
+          <a:fontRef idx="minor">
+            <a:schemeClr val="lt1"/>
+          </a:fontRef>
+        </p:style>
+        <p:txBody>
+          <a:bodyPr rtlCol="0" anchor="ctr"/>
+          <a:lstStyle/>
+          <a:p>
+            <a:pPr algn="ctr"/>
+            <a:r>
+              <a:rPr lang="en-US" altLang="zh-CN" sz="2800" b="1" dirty="0"/>
+              <a:t>02</a:t>
+            </a:r>
+            <a:endParaRPr lang="zh-CN" altLang="en-US" sz="2800" b="1" dirty="0"/>
+          </a:p>
+        </p:txBody>
+      </p:sp>
+      <p:sp>
+        <p:nvSpPr>
+          <p:cNvPr id="6" name="文本框 5"/>
+          <p:cNvSpPr txBox="1"/>
+          <p:nvPr/>
+        </p:nvSpPr>
+        <p:spPr>
+          <a:xfrm>
+            <a:off x="2586557" y="3340645"/>
+            <a:ext cx="2941672" cy="461665"/>
+          </a:xfrm>
+          <a:prstGeom prst="rect">
+            <a:avLst/>
+          </a:prstGeom>
+          <a:noFill/>
+        </p:spPr>
+        <p:txBody>
+          <a:bodyPr wrap="square" rtlCol="0">
+            <a:spAutoFit/>
+          </a:bodyPr>
+          <a:lstStyle/>
+          <a:p>
+            <a:r>
+              <a:rPr lang="zh-CN" altLang="en-US" sz="2400" b="1" dirty="0">
+                <a:solidFill>
+                  <a:schemeClr val="bg1"/>
+                </a:solidFill>
+                <a:latin typeface="微软雅黑" panose="020B0503020204020204" pitchFamily="34" charset="-122"/>
+                <a:ea typeface="微软雅黑" panose="020B0503020204020204" pitchFamily="34" charset="-122"/>
+              </a:rPr>
+              <a:t>需求变更申请书</a:t>
+            </a:r>
+          </a:p>
+        </p:txBody>
+      </p:sp>
+      <p:sp>
+        <p:nvSpPr>
+          <p:cNvPr id="7" name="椭圆 6"/>
+          <p:cNvSpPr/>
+          <p:nvPr/>
+        </p:nvSpPr>
+        <p:spPr>
+          <a:xfrm>
+            <a:off x="1488179" y="4932478"/>
+            <a:ext cx="876300" cy="876300"/>
+          </a:xfrm>
+          <a:prstGeom prst="ellipse">
+            <a:avLst/>
+          </a:prstGeom>
+          <a:noFill/>
+          <a:ln>
+            <a:solidFill>
+              <a:schemeClr val="bg1"/>
+            </a:solidFill>
+          </a:ln>
+        </p:spPr>
+        <p:style>
+          <a:lnRef idx="2">
+            <a:schemeClr val="accent1">
+              <a:shade val="50000"/>
+            </a:schemeClr>
+          </a:lnRef>
+          <a:fillRef idx="1">
+            <a:schemeClr val="accent1"/>
+          </a:fillRef>
+          <a:effectRef idx="0">
+            <a:schemeClr val="accent1"/>
+          </a:effectRef>
+          <a:fontRef idx="minor">
+            <a:schemeClr val="lt1"/>
+          </a:fontRef>
+        </p:style>
+        <p:txBody>
+          <a:bodyPr rtlCol="0" anchor="ctr"/>
+          <a:lstStyle/>
+          <a:p>
+            <a:pPr algn="ctr"/>
+            <a:r>
+              <a:rPr lang="en-US" altLang="zh-CN" sz="2800" b="1" dirty="0"/>
+              <a:t>04</a:t>
+            </a:r>
+            <a:endParaRPr lang="zh-CN" altLang="en-US" sz="2800" b="1" dirty="0"/>
+          </a:p>
+        </p:txBody>
+      </p:sp>
+      <p:sp>
+        <p:nvSpPr>
+          <p:cNvPr id="8" name="文本框 7"/>
+          <p:cNvSpPr txBox="1"/>
+          <p:nvPr/>
+        </p:nvSpPr>
+        <p:spPr>
+          <a:xfrm>
+            <a:off x="2586557" y="5143150"/>
+            <a:ext cx="2941672" cy="461665"/>
+          </a:xfrm>
+          <a:prstGeom prst="rect">
+            <a:avLst/>
+          </a:prstGeom>
+          <a:noFill/>
+        </p:spPr>
+        <p:txBody>
+          <a:bodyPr wrap="square" rtlCol="0">
+            <a:spAutoFit/>
+          </a:bodyPr>
+          <a:lstStyle/>
+          <a:p>
+            <a:r>
+              <a:rPr lang="zh-CN" altLang="en-US" sz="2400" b="1" dirty="0">
+                <a:solidFill>
+                  <a:schemeClr val="bg1"/>
+                </a:solidFill>
+                <a:latin typeface="微软雅黑" panose="020B0503020204020204" pitchFamily="34" charset="-122"/>
+                <a:ea typeface="微软雅黑" panose="020B0503020204020204" pitchFamily="34" charset="-122"/>
+              </a:rPr>
+              <a:t>需求分析影响清单</a:t>
+            </a:r>
+          </a:p>
+        </p:txBody>
+      </p:sp>
+      <p:sp>
+        <p:nvSpPr>
+          <p:cNvPr id="9" name="椭圆 8"/>
+          <p:cNvSpPr/>
+          <p:nvPr/>
+        </p:nvSpPr>
+        <p:spPr>
+          <a:xfrm>
+            <a:off x="1488179" y="4024428"/>
+            <a:ext cx="876300" cy="876300"/>
+          </a:xfrm>
+          <a:prstGeom prst="ellipse">
+            <a:avLst/>
+          </a:prstGeom>
+          <a:noFill/>
+          <a:ln>
+            <a:solidFill>
+              <a:schemeClr val="bg1"/>
+            </a:solidFill>
+          </a:ln>
+        </p:spPr>
+        <p:style>
+          <a:lnRef idx="2">
+            <a:schemeClr val="accent1">
+              <a:shade val="50000"/>
+            </a:schemeClr>
+          </a:lnRef>
+          <a:fillRef idx="1">
+            <a:schemeClr val="accent1"/>
+          </a:fillRef>
+          <a:effectRef idx="0">
+            <a:schemeClr val="accent1"/>
+          </a:effectRef>
+          <a:fontRef idx="minor">
+            <a:schemeClr val="lt1"/>
+          </a:fontRef>
+        </p:style>
+        <p:txBody>
+          <a:bodyPr rtlCol="0" anchor="ctr"/>
+          <a:lstStyle/>
+          <a:p>
+            <a:pPr algn="ctr"/>
+            <a:r>
+              <a:rPr lang="en-US" altLang="zh-CN" sz="2800" b="1" dirty="0"/>
+              <a:t>03</a:t>
+            </a:r>
+            <a:endParaRPr lang="zh-CN" altLang="en-US" sz="2800" b="1" dirty="0"/>
+          </a:p>
+        </p:txBody>
+      </p:sp>
+      <p:sp>
+        <p:nvSpPr>
+          <p:cNvPr id="10" name="文本框 9"/>
+          <p:cNvSpPr txBox="1"/>
+          <p:nvPr/>
+        </p:nvSpPr>
+        <p:spPr>
+          <a:xfrm>
+            <a:off x="2586557" y="4235100"/>
+            <a:ext cx="2941672" cy="461665"/>
+          </a:xfrm>
+          <a:prstGeom prst="rect">
+            <a:avLst/>
+          </a:prstGeom>
+          <a:noFill/>
+        </p:spPr>
+        <p:txBody>
+          <a:bodyPr wrap="square" rtlCol="0">
+            <a:spAutoFit/>
+          </a:bodyPr>
+          <a:lstStyle/>
+          <a:p>
+            <a:r>
+              <a:rPr lang="zh-CN" altLang="en-US" sz="2400" b="1" dirty="0">
+                <a:solidFill>
+                  <a:schemeClr val="bg1"/>
+                </a:solidFill>
+                <a:latin typeface="微软雅黑" panose="020B0503020204020204" pitchFamily="34" charset="-122"/>
+                <a:ea typeface="微软雅黑" panose="020B0503020204020204" pitchFamily="34" charset="-122"/>
+              </a:rPr>
+              <a:t>需求变更影响分析</a:t>
+            </a:r>
+          </a:p>
+        </p:txBody>
+      </p:sp>
+      <p:sp>
+        <p:nvSpPr>
+          <p:cNvPr id="19" name="椭圆 18">
+            <a:extLst>
+              <a:ext uri="{FF2B5EF4-FFF2-40B4-BE49-F238E27FC236}">
+                <a16:creationId xmlns:a16="http://schemas.microsoft.com/office/drawing/2014/main" id="{C7441C91-4963-456C-AE9B-0D275191CEA5}"/>
+              </a:ext>
+            </a:extLst>
+          </p:cNvPr>
+          <p:cNvSpPr/>
+          <p:nvPr/>
+        </p:nvSpPr>
+        <p:spPr>
+          <a:xfrm>
+            <a:off x="7117552" y="2221923"/>
+            <a:ext cx="876300" cy="876300"/>
+          </a:xfrm>
+          <a:prstGeom prst="ellipse">
+            <a:avLst/>
+          </a:prstGeom>
+          <a:noFill/>
+          <a:ln>
+            <a:solidFill>
+              <a:schemeClr val="bg1"/>
+            </a:solidFill>
+          </a:ln>
+        </p:spPr>
+        <p:style>
+          <a:lnRef idx="2">
+            <a:schemeClr val="accent1">
+              <a:shade val="50000"/>
+            </a:schemeClr>
+          </a:lnRef>
+          <a:fillRef idx="1">
+            <a:schemeClr val="accent1"/>
+          </a:fillRef>
+          <a:effectRef idx="0">
+            <a:schemeClr val="accent1"/>
+          </a:effectRef>
+          <a:fontRef idx="minor">
+            <a:schemeClr val="lt1"/>
+          </a:fontRef>
+        </p:style>
+        <p:txBody>
+          <a:bodyPr rtlCol="0" anchor="ctr"/>
+          <a:lstStyle/>
+          <a:p>
+            <a:pPr algn="ctr"/>
+            <a:r>
+              <a:rPr lang="en-US" altLang="zh-CN" sz="2800" b="1" dirty="0"/>
+              <a:t>01</a:t>
+            </a:r>
+            <a:endParaRPr lang="zh-CN" altLang="en-US" sz="2800" b="1" dirty="0"/>
+          </a:p>
+        </p:txBody>
+      </p:sp>
+      <p:sp>
+        <p:nvSpPr>
+          <p:cNvPr id="20" name="文本框 19">
+            <a:extLst>
+              <a:ext uri="{FF2B5EF4-FFF2-40B4-BE49-F238E27FC236}">
+                <a16:creationId xmlns:a16="http://schemas.microsoft.com/office/drawing/2014/main" id="{71859A09-8609-4904-8BA9-49FE7586204C}"/>
+              </a:ext>
+            </a:extLst>
+          </p:cNvPr>
+          <p:cNvSpPr txBox="1"/>
+          <p:nvPr/>
+        </p:nvSpPr>
+        <p:spPr>
+          <a:xfrm>
+            <a:off x="8215930" y="2432595"/>
             <a:ext cx="2941672" cy="461665"/>
           </a:xfrm>
           <a:prstGeom prst="rect">
@@ -4441,13 +7605,19 @@
       </p:sp>
       <p:sp>
         <p:nvSpPr>
-          <p:cNvPr id="5" name="椭圆 4"/>
+          <p:cNvPr id="21" name="椭圆 20">
+            <a:extLst>
+              <a:ext uri="{FF2B5EF4-FFF2-40B4-BE49-F238E27FC236}">
+                <a16:creationId xmlns:a16="http://schemas.microsoft.com/office/drawing/2014/main" id="{E09730B0-6445-4CF9-999D-FA0D69272ED3}"/>
+              </a:ext>
+            </a:extLst>
+          </p:cNvPr>
           <p:cNvSpPr/>
           <p:nvPr/>
         </p:nvSpPr>
         <p:spPr>
           <a:xfrm>
-            <a:off x="3675198" y="3218328"/>
+            <a:off x="7117552" y="3129973"/>
             <a:ext cx="876300" cy="876300"/>
           </a:xfrm>
           <a:prstGeom prst="ellipse">
@@ -4491,13 +7661,19 @@
       </p:sp>
       <p:sp>
         <p:nvSpPr>
-          <p:cNvPr id="6" name="文本框 5"/>
+          <p:cNvPr id="22" name="文本框 21">
+            <a:extLst>
+              <a:ext uri="{FF2B5EF4-FFF2-40B4-BE49-F238E27FC236}">
+                <a16:creationId xmlns:a16="http://schemas.microsoft.com/office/drawing/2014/main" id="{1F75BEA5-D222-4AA6-9F63-7785F64BEF0D}"/>
+              </a:ext>
+            </a:extLst>
+          </p:cNvPr>
           <p:cNvSpPr txBox="1"/>
           <p:nvPr/>
         </p:nvSpPr>
         <p:spPr>
           <a:xfrm>
-            <a:off x="4773576" y="3429000"/>
+            <a:off x="8215930" y="3340645"/>
             <a:ext cx="2941672" cy="461665"/>
           </a:xfrm>
           <a:prstGeom prst="rect">
@@ -4526,13 +7702,19 @@
       </p:sp>
       <p:sp>
         <p:nvSpPr>
-          <p:cNvPr id="7" name="椭圆 6"/>
+          <p:cNvPr id="23" name="椭圆 22">
+            <a:extLst>
+              <a:ext uri="{FF2B5EF4-FFF2-40B4-BE49-F238E27FC236}">
+                <a16:creationId xmlns:a16="http://schemas.microsoft.com/office/drawing/2014/main" id="{E8D9B261-D94F-4F0F-AB89-2178F32F50C0}"/>
+              </a:ext>
+            </a:extLst>
+          </p:cNvPr>
           <p:cNvSpPr/>
           <p:nvPr/>
         </p:nvSpPr>
         <p:spPr>
           <a:xfrm>
-            <a:off x="3675198" y="5020833"/>
+            <a:off x="7117552" y="4932478"/>
             <a:ext cx="876300" cy="876300"/>
           </a:xfrm>
           <a:prstGeom prst="ellipse">
@@ -4576,13 +7758,19 @@
       </p:sp>
       <p:sp>
         <p:nvSpPr>
-          <p:cNvPr id="8" name="文本框 7"/>
+          <p:cNvPr id="24" name="文本框 23">
+            <a:extLst>
+              <a:ext uri="{FF2B5EF4-FFF2-40B4-BE49-F238E27FC236}">
+                <a16:creationId xmlns:a16="http://schemas.microsoft.com/office/drawing/2014/main" id="{2691EA5D-23DE-4CDB-ADF4-F81894938AE9}"/>
+              </a:ext>
+            </a:extLst>
+          </p:cNvPr>
           <p:cNvSpPr txBox="1"/>
           <p:nvPr/>
         </p:nvSpPr>
         <p:spPr>
           <a:xfrm>
-            <a:off x="4773576" y="5231505"/>
+            <a:off x="8215930" y="5143150"/>
             <a:ext cx="2941672" cy="461665"/>
           </a:xfrm>
           <a:prstGeom prst="rect">
@@ -4611,13 +7799,19 @@
       </p:sp>
       <p:sp>
         <p:nvSpPr>
-          <p:cNvPr id="9" name="椭圆 8"/>
+          <p:cNvPr id="25" name="椭圆 24">
+            <a:extLst>
+              <a:ext uri="{FF2B5EF4-FFF2-40B4-BE49-F238E27FC236}">
+                <a16:creationId xmlns:a16="http://schemas.microsoft.com/office/drawing/2014/main" id="{25E1BA20-6540-4759-97C6-0499AEC1FD09}"/>
+              </a:ext>
+            </a:extLst>
+          </p:cNvPr>
           <p:cNvSpPr/>
           <p:nvPr/>
         </p:nvSpPr>
         <p:spPr>
           <a:xfrm>
-            <a:off x="3675198" y="4112783"/>
+            <a:off x="7117552" y="4024428"/>
             <a:ext cx="876300" cy="876300"/>
           </a:xfrm>
           <a:prstGeom prst="ellipse">
@@ -4661,13 +7855,19 @@
       </p:sp>
       <p:sp>
         <p:nvSpPr>
-          <p:cNvPr id="10" name="文本框 9"/>
+          <p:cNvPr id="26" name="文本框 25">
+            <a:extLst>
+              <a:ext uri="{FF2B5EF4-FFF2-40B4-BE49-F238E27FC236}">
+                <a16:creationId xmlns:a16="http://schemas.microsoft.com/office/drawing/2014/main" id="{02F19F86-A5C4-4ECA-95A2-3B6343738D78}"/>
+              </a:ext>
+            </a:extLst>
+          </p:cNvPr>
           <p:cNvSpPr txBox="1"/>
           <p:nvPr/>
         </p:nvSpPr>
         <p:spPr>
           <a:xfrm>
-            <a:off x="4773576" y="4323455"/>
+            <a:off x="8215930" y="4235100"/>
             <a:ext cx="2941672" cy="461665"/>
           </a:xfrm>
           <a:prstGeom prst="rect">
@@ -4757,6 +7957,200 @@
       </p:sp>
       <p:pic>
         <p:nvPicPr>
+          <p:cNvPr id="6" name="图片 5">
+            <a:extLst>
+              <a:ext uri="{FF2B5EF4-FFF2-40B4-BE49-F238E27FC236}">
+                <a16:creationId xmlns:a16="http://schemas.microsoft.com/office/drawing/2014/main" id="{B79E29A1-5259-4950-83A1-D0939C93458A}"/>
+              </a:ext>
+            </a:extLst>
+          </p:cNvPr>
+          <p:cNvPicPr>
+            <a:picLocks noChangeAspect="1"/>
+          </p:cNvPicPr>
+          <p:nvPr/>
+        </p:nvPicPr>
+        <p:blipFill>
+          <a:blip r:embed="rId2">
+            <a:extLst>
+              <a:ext uri="{28A0092B-C50C-407E-A947-70E740481C1C}">
+                <a14:useLocalDpi xmlns:a14="http://schemas.microsoft.com/office/drawing/2010/main" val="0"/>
+              </a:ext>
+            </a:extLst>
+          </a:blip>
+          <a:stretch>
+            <a:fillRect/>
+          </a:stretch>
+        </p:blipFill>
+        <p:spPr>
+          <a:xfrm>
+            <a:off x="3328601" y="2190577"/>
+            <a:ext cx="5534797" cy="2476846"/>
+          </a:xfrm>
+          <a:prstGeom prst="rect">
+            <a:avLst/>
+          </a:prstGeom>
+        </p:spPr>
+      </p:pic>
+    </p:spTree>
+    <p:extLst>
+      <p:ext uri="{BB962C8B-B14F-4D97-AF65-F5344CB8AC3E}">
+        <p14:creationId xmlns:p14="http://schemas.microsoft.com/office/powerpoint/2010/main" val="3116744433"/>
+      </p:ext>
+    </p:extLst>
+  </p:cSld>
+  <p:clrMapOvr>
+    <a:masterClrMapping/>
+  </p:clrMapOvr>
+</p:sld>
+</file>
+
+<file path=ppt/slides/slide21.xml><?xml version="1.0" encoding="utf-8"?>
+<p:sld xmlns:a="http://schemas.openxmlformats.org/drawingml/2006/main" xmlns:r="http://schemas.openxmlformats.org/officeDocument/2006/relationships" xmlns:p="http://schemas.openxmlformats.org/presentationml/2006/main">
+  <p:cSld>
+    <p:spTree>
+      <p:nvGrpSpPr>
+        <p:cNvPr id="1" name=""/>
+        <p:cNvGrpSpPr/>
+        <p:nvPr/>
+      </p:nvGrpSpPr>
+      <p:grpSpPr>
+        <a:xfrm>
+          <a:off x="0" y="0"/>
+          <a:ext cx="0" cy="0"/>
+          <a:chOff x="0" y="0"/>
+          <a:chExt cx="0" cy="0"/>
+        </a:xfrm>
+      </p:grpSpPr>
+      <p:sp>
+        <p:nvSpPr>
+          <p:cNvPr id="2" name="文本占位符 1"/>
+          <p:cNvSpPr>
+            <a:spLocks noGrp="1"/>
+          </p:cNvSpPr>
+          <p:nvPr>
+            <p:ph type="body" sz="quarter" idx="10"/>
+          </p:nvPr>
+        </p:nvSpPr>
+        <p:spPr>
+          <a:xfrm>
+            <a:off x="3913044" y="302450"/>
+            <a:ext cx="4365911" cy="362404"/>
+          </a:xfrm>
+        </p:spPr>
+        <p:txBody>
+          <a:bodyPr>
+            <a:noAutofit/>
+          </a:bodyPr>
+          <a:lstStyle/>
+          <a:p>
+            <a:r>
+              <a:rPr kumimoji="1" lang="zh-CN" altLang="en-US" sz="4000" dirty="0">
+                <a:latin typeface="Century Gothic"/>
+              </a:rPr>
+              <a:t>需求分析影响清单</a:t>
+            </a:r>
+          </a:p>
+        </p:txBody>
+      </p:sp>
+      <p:pic>
+        <p:nvPicPr>
+          <p:cNvPr id="4" name="图片 3">
+            <a:extLst>
+              <a:ext uri="{FF2B5EF4-FFF2-40B4-BE49-F238E27FC236}">
+                <a16:creationId xmlns:a16="http://schemas.microsoft.com/office/drawing/2014/main" id="{8809B24C-D2EE-4DED-8EC3-5E199335FE5B}"/>
+              </a:ext>
+            </a:extLst>
+          </p:cNvPr>
+          <p:cNvPicPr>
+            <a:picLocks noChangeAspect="1"/>
+          </p:cNvPicPr>
+          <p:nvPr/>
+        </p:nvPicPr>
+        <p:blipFill>
+          <a:blip r:embed="rId2">
+            <a:extLst>
+              <a:ext uri="{28A0092B-C50C-407E-A947-70E740481C1C}">
+                <a14:useLocalDpi xmlns:a14="http://schemas.microsoft.com/office/drawing/2010/main" val="0"/>
+              </a:ext>
+            </a:extLst>
+          </a:blip>
+          <a:stretch>
+            <a:fillRect/>
+          </a:stretch>
+        </p:blipFill>
+        <p:spPr>
+          <a:xfrm>
+            <a:off x="3425607" y="1176602"/>
+            <a:ext cx="4676994" cy="5681398"/>
+          </a:xfrm>
+          <a:prstGeom prst="rect">
+            <a:avLst/>
+          </a:prstGeom>
+        </p:spPr>
+      </p:pic>
+    </p:spTree>
+    <p:extLst>
+      <p:ext uri="{BB962C8B-B14F-4D97-AF65-F5344CB8AC3E}">
+        <p14:creationId xmlns:p14="http://schemas.microsoft.com/office/powerpoint/2010/main" val="162753165"/>
+      </p:ext>
+    </p:extLst>
+  </p:cSld>
+  <p:clrMapOvr>
+    <a:masterClrMapping/>
+  </p:clrMapOvr>
+</p:sld>
+</file>
+
+<file path=ppt/slides/slide22.xml><?xml version="1.0" encoding="utf-8"?>
+<p:sld xmlns:a="http://schemas.openxmlformats.org/drawingml/2006/main" xmlns:r="http://schemas.openxmlformats.org/officeDocument/2006/relationships" xmlns:p="http://schemas.openxmlformats.org/presentationml/2006/main">
+  <p:cSld>
+    <p:spTree>
+      <p:nvGrpSpPr>
+        <p:cNvPr id="1" name=""/>
+        <p:cNvGrpSpPr/>
+        <p:nvPr/>
+      </p:nvGrpSpPr>
+      <p:grpSpPr>
+        <a:xfrm>
+          <a:off x="0" y="0"/>
+          <a:ext cx="0" cy="0"/>
+          <a:chOff x="0" y="0"/>
+          <a:chExt cx="0" cy="0"/>
+        </a:xfrm>
+      </p:grpSpPr>
+      <p:sp>
+        <p:nvSpPr>
+          <p:cNvPr id="2" name="文本占位符 1"/>
+          <p:cNvSpPr>
+            <a:spLocks noGrp="1"/>
+          </p:cNvSpPr>
+          <p:nvPr>
+            <p:ph type="body" sz="quarter" idx="10"/>
+          </p:nvPr>
+        </p:nvSpPr>
+        <p:spPr>
+          <a:xfrm>
+            <a:off x="3913044" y="302450"/>
+            <a:ext cx="4365911" cy="362404"/>
+          </a:xfrm>
+        </p:spPr>
+        <p:txBody>
+          <a:bodyPr>
+            <a:noAutofit/>
+          </a:bodyPr>
+          <a:lstStyle/>
+          <a:p>
+            <a:r>
+              <a:rPr kumimoji="1" lang="zh-CN" altLang="en-US" sz="4000" dirty="0">
+                <a:latin typeface="Century Gothic"/>
+              </a:rPr>
+              <a:t>需求分析影响清单</a:t>
+            </a:r>
+          </a:p>
+        </p:txBody>
+      </p:sp>
+      <p:pic>
+        <p:nvPicPr>
           <p:cNvPr id="4" name="图片 3">
             <a:extLst>
               <a:ext uri="{FF2B5EF4-FFF2-40B4-BE49-F238E27FC236}">
@@ -4804,7 +8198,7 @@
 </p:sld>
 </file>
 
-<file path=ppt/slides/slide21.xml><?xml version="1.0" encoding="utf-8"?>
+<file path=ppt/slides/slide23.xml><?xml version="1.0" encoding="utf-8"?>
 <p:sld xmlns:a="http://schemas.openxmlformats.org/drawingml/2006/main" xmlns:r="http://schemas.openxmlformats.org/officeDocument/2006/relationships" xmlns:p="http://schemas.openxmlformats.org/presentationml/2006/main">
   <p:cSld>
     <p:spTree>
@@ -4937,7 +8331,7 @@
 </p:sld>
 </file>
 
-<file path=ppt/slides/slide22.xml><?xml version="1.0" encoding="utf-8"?>
+<file path=ppt/slides/slide24.xml><?xml version="1.0" encoding="utf-8"?>
 <p:sld xmlns:a="http://schemas.openxmlformats.org/drawingml/2006/main" xmlns:r="http://schemas.openxmlformats.org/officeDocument/2006/relationships" xmlns:p="http://schemas.openxmlformats.org/presentationml/2006/main">
   <p:cSld>
     <p:spTree>
@@ -5322,6 +8716,258 @@
           <a:lstStyle/>
           <a:p>
             <a:r>
+              <a:rPr lang="zh-CN" altLang="en-US" sz="6000" b="1" dirty="0">
+                <a:solidFill>
+                  <a:schemeClr val="bg1"/>
+                </a:solidFill>
+                <a:latin typeface="微软雅黑" panose="020B0503020204020204" pitchFamily="34" charset="-122"/>
+                <a:ea typeface="微软雅黑" panose="020B0503020204020204" pitchFamily="34" charset="-122"/>
+              </a:rPr>
+              <a:t>项目会议</a:t>
+            </a:r>
+            <a:endParaRPr lang="en-US" altLang="zh-CN" sz="6000" b="1" dirty="0">
+              <a:solidFill>
+                <a:schemeClr val="bg1"/>
+              </a:solidFill>
+              <a:latin typeface="微软雅黑" panose="020B0503020204020204" pitchFamily="34" charset="-122"/>
+              <a:ea typeface="微软雅黑" panose="020B0503020204020204" pitchFamily="34" charset="-122"/>
+            </a:endParaRPr>
+          </a:p>
+        </p:txBody>
+      </p:sp>
+    </p:spTree>
+    <p:extLst>
+      <p:ext uri="{BB962C8B-B14F-4D97-AF65-F5344CB8AC3E}">
+        <p14:creationId xmlns:p14="http://schemas.microsoft.com/office/powerpoint/2010/main" val="2902427562"/>
+      </p:ext>
+    </p:extLst>
+  </p:cSld>
+  <p:clrMapOvr>
+    <a:masterClrMapping/>
+  </p:clrMapOvr>
+</p:sld>
+</file>
+
+<file path=ppt/slides/slide4.xml><?xml version="1.0" encoding="utf-8"?>
+<p:sld xmlns:a="http://schemas.openxmlformats.org/drawingml/2006/main" xmlns:r="http://schemas.openxmlformats.org/officeDocument/2006/relationships" xmlns:p="http://schemas.openxmlformats.org/presentationml/2006/main">
+  <p:cSld>
+    <p:spTree>
+      <p:nvGrpSpPr>
+        <p:cNvPr id="1" name=""/>
+        <p:cNvGrpSpPr/>
+        <p:nvPr/>
+      </p:nvGrpSpPr>
+      <p:grpSpPr>
+        <a:xfrm>
+          <a:off x="0" y="0"/>
+          <a:ext cx="0" cy="0"/>
+          <a:chOff x="0" y="0"/>
+          <a:chExt cx="0" cy="0"/>
+        </a:xfrm>
+      </p:grpSpPr>
+      <p:sp>
+        <p:nvSpPr>
+          <p:cNvPr id="2" name="文本占位符 1"/>
+          <p:cNvSpPr>
+            <a:spLocks noGrp="1"/>
+          </p:cNvSpPr>
+          <p:nvPr>
+            <p:ph type="body" sz="quarter" idx="10"/>
+          </p:nvPr>
+        </p:nvSpPr>
+        <p:spPr>
+          <a:xfrm>
+            <a:off x="4361956" y="264940"/>
+            <a:ext cx="4365911" cy="362404"/>
+          </a:xfrm>
+        </p:spPr>
+        <p:txBody>
+          <a:bodyPr/>
+          <a:lstStyle/>
+          <a:p>
+            <a:r>
+              <a:rPr kumimoji="1" lang="zh-CN" altLang="en-US" sz="4000" dirty="0">
+                <a:latin typeface="Century Gothic"/>
+              </a:rPr>
+              <a:t>项目会议</a:t>
+            </a:r>
+          </a:p>
+        </p:txBody>
+      </p:sp>
+      <p:pic>
+        <p:nvPicPr>
+          <p:cNvPr id="4" name="图片 3">
+            <a:extLst>
+              <a:ext uri="{FF2B5EF4-FFF2-40B4-BE49-F238E27FC236}">
+                <a16:creationId xmlns:a16="http://schemas.microsoft.com/office/drawing/2014/main" id="{F6CD8BEA-881B-424C-8CFD-1747FB32C3C1}"/>
+              </a:ext>
+            </a:extLst>
+          </p:cNvPr>
+          <p:cNvPicPr>
+            <a:picLocks noChangeAspect="1"/>
+          </p:cNvPicPr>
+          <p:nvPr/>
+        </p:nvPicPr>
+        <p:blipFill>
+          <a:blip r:embed="rId2">
+            <a:extLst>
+              <a:ext uri="{28A0092B-C50C-407E-A947-70E740481C1C}">
+                <a14:useLocalDpi xmlns:a14="http://schemas.microsoft.com/office/drawing/2010/main" val="0"/>
+              </a:ext>
+            </a:extLst>
+          </a:blip>
+          <a:stretch>
+            <a:fillRect/>
+          </a:stretch>
+        </p:blipFill>
+        <p:spPr>
+          <a:xfrm>
+            <a:off x="7514869" y="900427"/>
+            <a:ext cx="3543607" cy="5692633"/>
+          </a:xfrm>
+          <a:prstGeom prst="rect">
+            <a:avLst/>
+          </a:prstGeom>
+        </p:spPr>
+      </p:pic>
+    </p:spTree>
+    <p:extLst>
+      <p:ext uri="{BB962C8B-B14F-4D97-AF65-F5344CB8AC3E}">
+        <p14:creationId xmlns:p14="http://schemas.microsoft.com/office/powerpoint/2010/main" val="3376636106"/>
+      </p:ext>
+    </p:extLst>
+  </p:cSld>
+  <p:clrMapOvr>
+    <a:masterClrMapping/>
+  </p:clrMapOvr>
+</p:sld>
+</file>
+
+<file path=ppt/slides/slide5.xml><?xml version="1.0" encoding="utf-8"?>
+<p:sld xmlns:a="http://schemas.openxmlformats.org/drawingml/2006/main" xmlns:r="http://schemas.openxmlformats.org/officeDocument/2006/relationships" xmlns:p="http://schemas.openxmlformats.org/presentationml/2006/main">
+  <p:cSld>
+    <p:spTree>
+      <p:nvGrpSpPr>
+        <p:cNvPr id="1" name=""/>
+        <p:cNvGrpSpPr/>
+        <p:nvPr/>
+      </p:nvGrpSpPr>
+      <p:grpSpPr>
+        <a:xfrm>
+          <a:off x="0" y="0"/>
+          <a:ext cx="0" cy="0"/>
+          <a:chOff x="0" y="0"/>
+          <a:chExt cx="0" cy="0"/>
+        </a:xfrm>
+      </p:grpSpPr>
+      <p:sp>
+        <p:nvSpPr>
+          <p:cNvPr id="2" name="矩形 1"/>
+          <p:cNvSpPr/>
+          <p:nvPr/>
+        </p:nvSpPr>
+        <p:spPr>
+          <a:xfrm>
+            <a:off x="5029200" y="1621269"/>
+            <a:ext cx="6648450" cy="3810000"/>
+          </a:xfrm>
+          <a:prstGeom prst="rect">
+            <a:avLst/>
+          </a:prstGeom>
+          <a:solidFill>
+            <a:schemeClr val="bg1">
+              <a:alpha val="20000"/>
+            </a:schemeClr>
+          </a:solidFill>
+          <a:ln>
+            <a:noFill/>
+          </a:ln>
+        </p:spPr>
+        <p:style>
+          <a:lnRef idx="2">
+            <a:schemeClr val="accent1">
+              <a:shade val="50000"/>
+            </a:schemeClr>
+          </a:lnRef>
+          <a:fillRef idx="1">
+            <a:schemeClr val="accent1"/>
+          </a:fillRef>
+          <a:effectRef idx="0">
+            <a:schemeClr val="accent1"/>
+          </a:effectRef>
+          <a:fontRef idx="minor">
+            <a:schemeClr val="lt1"/>
+          </a:fontRef>
+        </p:style>
+        <p:txBody>
+          <a:bodyPr rtlCol="0" anchor="ctr"/>
+          <a:lstStyle/>
+          <a:p>
+            <a:pPr algn="ctr"/>
+            <a:endParaRPr lang="zh-CN" altLang="en-US"/>
+          </a:p>
+        </p:txBody>
+      </p:sp>
+      <p:sp>
+        <p:nvSpPr>
+          <p:cNvPr id="3" name="文本框 2"/>
+          <p:cNvSpPr txBox="1"/>
+          <p:nvPr/>
+        </p:nvSpPr>
+        <p:spPr>
+          <a:xfrm>
+            <a:off x="3200400" y="-609401"/>
+            <a:ext cx="4610100" cy="7786747"/>
+          </a:xfrm>
+          <a:prstGeom prst="rect">
+            <a:avLst/>
+          </a:prstGeom>
+          <a:noFill/>
+        </p:spPr>
+        <p:txBody>
+          <a:bodyPr wrap="square" rtlCol="0">
+            <a:spAutoFit/>
+          </a:bodyPr>
+          <a:lstStyle/>
+          <a:p>
+            <a:r>
+              <a:rPr lang="en-US" altLang="zh-CN" sz="50000" dirty="0">
+                <a:solidFill>
+                  <a:schemeClr val="bg1"/>
+                </a:solidFill>
+              </a:rPr>
+              <a:t>1</a:t>
+            </a:r>
+            <a:endParaRPr lang="zh-CN" altLang="en-US" sz="50000" dirty="0">
+              <a:solidFill>
+                <a:schemeClr val="bg1"/>
+              </a:solidFill>
+            </a:endParaRPr>
+          </a:p>
+        </p:txBody>
+      </p:sp>
+      <p:sp>
+        <p:nvSpPr>
+          <p:cNvPr id="4" name="矩形 3"/>
+          <p:cNvSpPr/>
+          <p:nvPr/>
+        </p:nvSpPr>
+        <p:spPr>
+          <a:xfrm>
+            <a:off x="5939232" y="2921169"/>
+            <a:ext cx="5738418" cy="1015661"/>
+          </a:xfrm>
+          <a:prstGeom prst="rect">
+            <a:avLst/>
+          </a:prstGeom>
+        </p:spPr>
+        <p:txBody>
+          <a:bodyPr wrap="square" lIns="91438" tIns="45719" rIns="91438" bIns="45719">
+            <a:spAutoFit/>
+          </a:bodyPr>
+          <a:lstStyle/>
+          <a:p>
+            <a:r>
               <a:rPr lang="en-US" altLang="zh-CN" sz="6000" b="1" dirty="0">
                 <a:solidFill>
                   <a:schemeClr val="bg1"/>
@@ -5364,7 +9010,7 @@
 </p:sld>
 </file>
 
-<file path=ppt/slides/slide4.xml><?xml version="1.0" encoding="utf-8"?>
+<file path=ppt/slides/slide6.xml><?xml version="1.0" encoding="utf-8"?>
 <p:sld xmlns:a="http://schemas.openxmlformats.org/drawingml/2006/main" xmlns:r="http://schemas.openxmlformats.org/officeDocument/2006/relationships" xmlns:p="http://schemas.openxmlformats.org/presentationml/2006/main">
   <p:cSld>
     <p:spTree>
@@ -5501,7 +9147,7 @@
 </p:sld>
 </file>
 
-<file path=ppt/slides/slide5.xml><?xml version="1.0" encoding="utf-8"?>
+<file path=ppt/slides/slide7.xml><?xml version="1.0" encoding="utf-8"?>
 <p:sld xmlns:a="http://schemas.openxmlformats.org/drawingml/2006/main" xmlns:r="http://schemas.openxmlformats.org/officeDocument/2006/relationships" xmlns:p="http://schemas.openxmlformats.org/presentationml/2006/main">
   <p:cSld>
     <p:spTree>
@@ -5602,7 +9248,7 @@
 </p:sld>
 </file>
 
-<file path=ppt/slides/slide6.xml><?xml version="1.0" encoding="utf-8"?>
+<file path=ppt/slides/slide8.xml><?xml version="1.0" encoding="utf-8"?>
 <p:sld xmlns:a="http://schemas.openxmlformats.org/drawingml/2006/main" xmlns:r="http://schemas.openxmlformats.org/officeDocument/2006/relationships" xmlns:p="http://schemas.openxmlformats.org/presentationml/2006/main">
   <p:cSld>
     <p:spTree>
@@ -5902,7 +9548,7 @@
 </p:sld>
 </file>
 
-<file path=ppt/slides/slide7.xml><?xml version="1.0" encoding="utf-8"?>
+<file path=ppt/slides/slide9.xml><?xml version="1.0" encoding="utf-8"?>
 <p:sld xmlns:a="http://schemas.openxmlformats.org/drawingml/2006/main" xmlns:r="http://schemas.openxmlformats.org/officeDocument/2006/relationships" xmlns:p="http://schemas.openxmlformats.org/presentationml/2006/main">
   <p:cSld>
     <p:spTree>
@@ -6193,3003 +9839,6 @@
     <p:extLst>
       <p:ext uri="{BB962C8B-B14F-4D97-AF65-F5344CB8AC3E}">
         <p14:creationId xmlns:p14="http://schemas.microsoft.com/office/powerpoint/2010/main" val="287172784"/>
-      </p:ext>
-    </p:extLst>
-  </p:cSld>
-  <p:clrMapOvr>
-    <a:masterClrMapping/>
-  </p:clrMapOvr>
-</p:sld>
-</file>
-
-<file path=ppt/slides/slide8.xml><?xml version="1.0" encoding="utf-8"?>
-<p:sld xmlns:a="http://schemas.openxmlformats.org/drawingml/2006/main" xmlns:r="http://schemas.openxmlformats.org/officeDocument/2006/relationships" xmlns:p="http://schemas.openxmlformats.org/presentationml/2006/main">
-  <p:cSld>
-    <p:spTree>
-      <p:nvGrpSpPr>
-        <p:cNvPr id="1" name=""/>
-        <p:cNvGrpSpPr/>
-        <p:nvPr/>
-      </p:nvGrpSpPr>
-      <p:grpSpPr>
-        <a:xfrm>
-          <a:off x="0" y="0"/>
-          <a:ext cx="0" cy="0"/>
-          <a:chOff x="0" y="0"/>
-          <a:chExt cx="0" cy="0"/>
-        </a:xfrm>
-      </p:grpSpPr>
-      <p:sp>
-        <p:nvSpPr>
-          <p:cNvPr id="2" name="矩形 1"/>
-          <p:cNvSpPr/>
-          <p:nvPr/>
-        </p:nvSpPr>
-        <p:spPr>
-          <a:xfrm>
-            <a:off x="5029200" y="1543050"/>
-            <a:ext cx="6648450" cy="3810000"/>
-          </a:xfrm>
-          <a:prstGeom prst="rect">
-            <a:avLst/>
-          </a:prstGeom>
-          <a:solidFill>
-            <a:schemeClr val="bg1">
-              <a:alpha val="20000"/>
-            </a:schemeClr>
-          </a:solidFill>
-          <a:ln>
-            <a:noFill/>
-          </a:ln>
-        </p:spPr>
-        <p:style>
-          <a:lnRef idx="2">
-            <a:schemeClr val="accent1">
-              <a:shade val="50000"/>
-            </a:schemeClr>
-          </a:lnRef>
-          <a:fillRef idx="1">
-            <a:schemeClr val="accent1"/>
-          </a:fillRef>
-          <a:effectRef idx="0">
-            <a:schemeClr val="accent1"/>
-          </a:effectRef>
-          <a:fontRef idx="minor">
-            <a:schemeClr val="lt1"/>
-          </a:fontRef>
-        </p:style>
-        <p:txBody>
-          <a:bodyPr rtlCol="0" anchor="ctr"/>
-          <a:lstStyle/>
-          <a:p>
-            <a:pPr algn="ctr"/>
-            <a:endParaRPr lang="zh-CN" altLang="en-US"/>
-          </a:p>
-        </p:txBody>
-      </p:sp>
-      <p:sp>
-        <p:nvSpPr>
-          <p:cNvPr id="3" name="文本框 2"/>
-          <p:cNvSpPr txBox="1"/>
-          <p:nvPr/>
-        </p:nvSpPr>
-        <p:spPr>
-          <a:xfrm>
-            <a:off x="2722356" y="-609401"/>
-            <a:ext cx="4610100" cy="7786747"/>
-          </a:xfrm>
-          <a:prstGeom prst="rect">
-            <a:avLst/>
-          </a:prstGeom>
-          <a:noFill/>
-        </p:spPr>
-        <p:txBody>
-          <a:bodyPr wrap="square" rtlCol="0">
-            <a:spAutoFit/>
-          </a:bodyPr>
-          <a:lstStyle/>
-          <a:p>
-            <a:r>
-              <a:rPr lang="en-US" altLang="zh-CN" sz="50000" dirty="0">
-                <a:solidFill>
-                  <a:schemeClr val="bg1"/>
-                </a:solidFill>
-              </a:rPr>
-              <a:t>2</a:t>
-            </a:r>
-            <a:endParaRPr lang="zh-CN" altLang="en-US" sz="50000" dirty="0">
-              <a:solidFill>
-                <a:schemeClr val="bg1"/>
-              </a:solidFill>
-            </a:endParaRPr>
-          </a:p>
-        </p:txBody>
-      </p:sp>
-      <p:sp>
-        <p:nvSpPr>
-          <p:cNvPr id="4" name="矩形 3"/>
-          <p:cNvSpPr/>
-          <p:nvPr/>
-        </p:nvSpPr>
-        <p:spPr>
-          <a:xfrm>
-            <a:off x="6197850" y="2921169"/>
-            <a:ext cx="5570752" cy="1015661"/>
-          </a:xfrm>
-          <a:prstGeom prst="rect">
-            <a:avLst/>
-          </a:prstGeom>
-        </p:spPr>
-        <p:txBody>
-          <a:bodyPr wrap="none" lIns="91438" tIns="45719" rIns="91438" bIns="45719">
-            <a:spAutoFit/>
-          </a:bodyPr>
-          <a:lstStyle/>
-          <a:p>
-            <a:r>
-              <a:rPr lang="zh-CN" altLang="en-US" sz="6000" b="1" dirty="0">
-                <a:solidFill>
-                  <a:schemeClr val="bg1"/>
-                </a:solidFill>
-                <a:latin typeface="微软雅黑" panose="020B0503020204020204" pitchFamily="34" charset="-122"/>
-                <a:ea typeface="微软雅黑" panose="020B0503020204020204" pitchFamily="34" charset="-122"/>
-              </a:rPr>
-              <a:t>需求变更申请书</a:t>
-            </a:r>
-          </a:p>
-        </p:txBody>
-      </p:sp>
-    </p:spTree>
-    <p:extLst>
-      <p:ext uri="{BB962C8B-B14F-4D97-AF65-F5344CB8AC3E}">
-        <p14:creationId xmlns:p14="http://schemas.microsoft.com/office/powerpoint/2010/main" val="3906356019"/>
-      </p:ext>
-    </p:extLst>
-  </p:cSld>
-  <p:clrMapOvr>
-    <a:masterClrMapping/>
-  </p:clrMapOvr>
-</p:sld>
-</file>
-
-<file path=ppt/slides/slide9.xml><?xml version="1.0" encoding="utf-8"?>
-<p:sld xmlns:a="http://schemas.openxmlformats.org/drawingml/2006/main" xmlns:r="http://schemas.openxmlformats.org/officeDocument/2006/relationships" xmlns:p="http://schemas.openxmlformats.org/presentationml/2006/main">
-  <p:cSld>
-    <p:spTree>
-      <p:nvGrpSpPr>
-        <p:cNvPr id="1" name=""/>
-        <p:cNvGrpSpPr/>
-        <p:nvPr/>
-      </p:nvGrpSpPr>
-      <p:grpSpPr>
-        <a:xfrm>
-          <a:off x="0" y="0"/>
-          <a:ext cx="0" cy="0"/>
-          <a:chOff x="0" y="0"/>
-          <a:chExt cx="0" cy="0"/>
-        </a:xfrm>
-      </p:grpSpPr>
-      <p:sp>
-        <p:nvSpPr>
-          <p:cNvPr id="2" name="文本占位符 1"/>
-          <p:cNvSpPr>
-            <a:spLocks noGrp="1"/>
-          </p:cNvSpPr>
-          <p:nvPr>
-            <p:ph type="body" sz="quarter" idx="10"/>
-          </p:nvPr>
-        </p:nvSpPr>
-        <p:spPr>
-          <a:xfrm>
-            <a:off x="4420983" y="302450"/>
-            <a:ext cx="4365911" cy="362404"/>
-          </a:xfrm>
-        </p:spPr>
-        <p:txBody>
-          <a:bodyPr/>
-          <a:lstStyle/>
-          <a:p>
-            <a:r>
-              <a:rPr kumimoji="1" lang="zh-CN" altLang="en-US" sz="4000" dirty="0">
-                <a:latin typeface="Century Gothic"/>
-              </a:rPr>
-              <a:t>需求变更申请书</a:t>
-            </a:r>
-          </a:p>
-        </p:txBody>
-      </p:sp>
-      <p:graphicFrame>
-        <p:nvGraphicFramePr>
-          <p:cNvPr id="4" name="表格 3">
-            <a:extLst>
-              <a:ext uri="{FF2B5EF4-FFF2-40B4-BE49-F238E27FC236}">
-                <a16:creationId xmlns:a16="http://schemas.microsoft.com/office/drawing/2014/main" id="{415929D9-77B6-4DEF-A217-1E1E3EE887F9}"/>
-              </a:ext>
-            </a:extLst>
-          </p:cNvPr>
-          <p:cNvGraphicFramePr>
-            <a:graphicFrameLocks noGrp="1"/>
-          </p:cNvGraphicFramePr>
-          <p:nvPr>
-            <p:extLst>
-              <p:ext uri="{D42A27DB-BD31-4B8C-83A1-F6EECF244321}">
-                <p14:modId xmlns:p14="http://schemas.microsoft.com/office/powerpoint/2010/main" val="1712738999"/>
-              </p:ext>
-            </p:extLst>
-          </p:nvPr>
-        </p:nvGraphicFramePr>
-        <p:xfrm>
-          <a:off x="1524000" y="1143001"/>
-          <a:ext cx="8915396" cy="5785980"/>
-        </p:xfrm>
-        <a:graphic>
-          <a:graphicData uri="http://schemas.openxmlformats.org/drawingml/2006/table">
-            <a:tbl>
-              <a:tblPr>
-                <a:tableStyleId>{5C22544A-7EE6-4342-B048-85BDC9FD1C3A}</a:tableStyleId>
-              </a:tblPr>
-              <a:tblGrid>
-                <a:gridCol w="1844970">
-                  <a:extLst>
-                    <a:ext uri="{9D8B030D-6E8A-4147-A177-3AD203B41FA5}">
-                      <a16:colId xmlns:a16="http://schemas.microsoft.com/office/drawing/2014/main" val="2668535416"/>
-                    </a:ext>
-                  </a:extLst>
-                </a:gridCol>
-                <a:gridCol w="1027596">
-                  <a:extLst>
-                    <a:ext uri="{9D8B030D-6E8A-4147-A177-3AD203B41FA5}">
-                      <a16:colId xmlns:a16="http://schemas.microsoft.com/office/drawing/2014/main" val="1461703913"/>
-                    </a:ext>
-                  </a:extLst>
-                </a:gridCol>
-                <a:gridCol w="193245">
-                  <a:extLst>
-                    <a:ext uri="{9D8B030D-6E8A-4147-A177-3AD203B41FA5}">
-                      <a16:colId xmlns:a16="http://schemas.microsoft.com/office/drawing/2014/main" val="3161970371"/>
-                    </a:ext>
-                  </a:extLst>
-                </a:gridCol>
-                <a:gridCol w="193245">
-                  <a:extLst>
-                    <a:ext uri="{9D8B030D-6E8A-4147-A177-3AD203B41FA5}">
-                      <a16:colId xmlns:a16="http://schemas.microsoft.com/office/drawing/2014/main" val="1832607062"/>
-                    </a:ext>
-                  </a:extLst>
-                </a:gridCol>
-                <a:gridCol w="193245">
-                  <a:extLst>
-                    <a:ext uri="{9D8B030D-6E8A-4147-A177-3AD203B41FA5}">
-                      <a16:colId xmlns:a16="http://schemas.microsoft.com/office/drawing/2014/main" val="56511867"/>
-                    </a:ext>
-                  </a:extLst>
-                </a:gridCol>
-                <a:gridCol w="1018099">
-                  <a:extLst>
-                    <a:ext uri="{9D8B030D-6E8A-4147-A177-3AD203B41FA5}">
-                      <a16:colId xmlns:a16="http://schemas.microsoft.com/office/drawing/2014/main" val="108229916"/>
-                    </a:ext>
-                  </a:extLst>
-                </a:gridCol>
-                <a:gridCol w="241300">
-                  <a:extLst>
-                    <a:ext uri="{9D8B030D-6E8A-4147-A177-3AD203B41FA5}">
-                      <a16:colId xmlns:a16="http://schemas.microsoft.com/office/drawing/2014/main" val="3741690701"/>
-                    </a:ext>
-                  </a:extLst>
-                </a:gridCol>
-                <a:gridCol w="978592">
-                  <a:extLst>
-                    <a:ext uri="{9D8B030D-6E8A-4147-A177-3AD203B41FA5}">
-                      <a16:colId xmlns:a16="http://schemas.microsoft.com/office/drawing/2014/main" val="2296783192"/>
-                    </a:ext>
-                  </a:extLst>
-                </a:gridCol>
-                <a:gridCol w="193245">
-                  <a:extLst>
-                    <a:ext uri="{9D8B030D-6E8A-4147-A177-3AD203B41FA5}">
-                      <a16:colId xmlns:a16="http://schemas.microsoft.com/office/drawing/2014/main" val="740469938"/>
-                    </a:ext>
-                  </a:extLst>
-                </a:gridCol>
-                <a:gridCol w="193245">
-                  <a:extLst>
-                    <a:ext uri="{9D8B030D-6E8A-4147-A177-3AD203B41FA5}">
-                      <a16:colId xmlns:a16="http://schemas.microsoft.com/office/drawing/2014/main" val="635127127"/>
-                    </a:ext>
-                  </a:extLst>
-                </a:gridCol>
-                <a:gridCol w="386490">
-                  <a:extLst>
-                    <a:ext uri="{9D8B030D-6E8A-4147-A177-3AD203B41FA5}">
-                      <a16:colId xmlns:a16="http://schemas.microsoft.com/office/drawing/2014/main" val="2134645408"/>
-                    </a:ext>
-                  </a:extLst>
-                </a:gridCol>
-                <a:gridCol w="193245">
-                  <a:extLst>
-                    <a:ext uri="{9D8B030D-6E8A-4147-A177-3AD203B41FA5}">
-                      <a16:colId xmlns:a16="http://schemas.microsoft.com/office/drawing/2014/main" val="1010947721"/>
-                    </a:ext>
-                  </a:extLst>
-                </a:gridCol>
-                <a:gridCol w="193245">
-                  <a:extLst>
-                    <a:ext uri="{9D8B030D-6E8A-4147-A177-3AD203B41FA5}">
-                      <a16:colId xmlns:a16="http://schemas.microsoft.com/office/drawing/2014/main" val="2270113330"/>
-                    </a:ext>
-                  </a:extLst>
-                </a:gridCol>
-                <a:gridCol w="386490">
-                  <a:extLst>
-                    <a:ext uri="{9D8B030D-6E8A-4147-A177-3AD203B41FA5}">
-                      <a16:colId xmlns:a16="http://schemas.microsoft.com/office/drawing/2014/main" val="2096919963"/>
-                    </a:ext>
-                  </a:extLst>
-                </a:gridCol>
-                <a:gridCol w="790148">
-                  <a:extLst>
-                    <a:ext uri="{9D8B030D-6E8A-4147-A177-3AD203B41FA5}">
-                      <a16:colId xmlns:a16="http://schemas.microsoft.com/office/drawing/2014/main" val="977819983"/>
-                    </a:ext>
-                  </a:extLst>
-                </a:gridCol>
-                <a:gridCol w="888996">
-                  <a:extLst>
-                    <a:ext uri="{9D8B030D-6E8A-4147-A177-3AD203B41FA5}">
-                      <a16:colId xmlns:a16="http://schemas.microsoft.com/office/drawing/2014/main" val="1174100347"/>
-                    </a:ext>
-                  </a:extLst>
-                </a:gridCol>
-              </a:tblGrid>
-              <a:tr h="231541">
-                <a:tc>
-                  <a:txBody>
-                    <a:bodyPr/>
-                    <a:lstStyle/>
-                    <a:p>
-                      <a:pPr algn="ctr">
-                        <a:spcAft>
-                          <a:spcPts val="0"/>
-                        </a:spcAft>
-                      </a:pPr>
-                      <a:r>
-                        <a:rPr lang="zh-CN" sz="1600" kern="100">
-                          <a:effectLst/>
-                        </a:rPr>
-                        <a:t>问题提出人</a:t>
-                      </a:r>
-                      <a:endParaRPr lang="zh-CN" sz="1600" kern="100">
-                        <a:effectLst/>
-                        <a:latin typeface="Times New Roman" panose="02020603050405020304" pitchFamily="18" charset="0"/>
-                        <a:ea typeface="宋体" panose="02010600030101010101" pitchFamily="2" charset="-122"/>
-                      </a:endParaRPr>
-                    </a:p>
-                  </a:txBody>
-                  <a:tcPr marL="44159" marR="44159" marT="0" marB="0"/>
-                </a:tc>
-                <a:tc gridSpan="8">
-                  <a:txBody>
-                    <a:bodyPr/>
-                    <a:lstStyle/>
-                    <a:p>
-                      <a:pPr algn="l">
-                        <a:spcAft>
-                          <a:spcPts val="0"/>
-                        </a:spcAft>
-                      </a:pPr>
-                      <a:r>
-                        <a:rPr lang="zh-CN" sz="1600" kern="100">
-                          <a:effectLst/>
-                        </a:rPr>
-                        <a:t>杨枨老师</a:t>
-                      </a:r>
-                      <a:endParaRPr lang="zh-CN" sz="1600" kern="100">
-                        <a:effectLst/>
-                        <a:latin typeface="Times New Roman" panose="02020603050405020304" pitchFamily="18" charset="0"/>
-                        <a:ea typeface="宋体" panose="02010600030101010101" pitchFamily="2" charset="-122"/>
-                      </a:endParaRPr>
-                    </a:p>
-                  </a:txBody>
-                  <a:tcPr marL="44159" marR="44159" marT="0" marB="0"/>
-                </a:tc>
-                <a:tc hMerge="1">
-                  <a:txBody>
-                    <a:bodyPr/>
-                    <a:lstStyle/>
-                    <a:p>
-                      <a:endParaRPr lang="zh-CN" altLang="en-US"/>
-                    </a:p>
-                  </a:txBody>
-                  <a:tcPr/>
-                </a:tc>
-                <a:tc hMerge="1">
-                  <a:txBody>
-                    <a:bodyPr/>
-                    <a:lstStyle/>
-                    <a:p>
-                      <a:endParaRPr lang="zh-CN" altLang="en-US"/>
-                    </a:p>
-                  </a:txBody>
-                  <a:tcPr/>
-                </a:tc>
-                <a:tc hMerge="1">
-                  <a:txBody>
-                    <a:bodyPr/>
-                    <a:lstStyle/>
-                    <a:p>
-                      <a:endParaRPr lang="zh-CN" altLang="en-US"/>
-                    </a:p>
-                  </a:txBody>
-                  <a:tcPr/>
-                </a:tc>
-                <a:tc hMerge="1">
-                  <a:txBody>
-                    <a:bodyPr/>
-                    <a:lstStyle/>
-                    <a:p>
-                      <a:endParaRPr lang="zh-CN" altLang="en-US"/>
-                    </a:p>
-                  </a:txBody>
-                  <a:tcPr/>
-                </a:tc>
-                <a:tc hMerge="1">
-                  <a:txBody>
-                    <a:bodyPr/>
-                    <a:lstStyle/>
-                    <a:p>
-                      <a:endParaRPr lang="zh-CN" altLang="en-US"/>
-                    </a:p>
-                  </a:txBody>
-                  <a:tcPr/>
-                </a:tc>
-                <a:tc hMerge="1">
-                  <a:txBody>
-                    <a:bodyPr/>
-                    <a:lstStyle/>
-                    <a:p>
-                      <a:endParaRPr lang="zh-CN" altLang="en-US"/>
-                    </a:p>
-                  </a:txBody>
-                  <a:tcPr/>
-                </a:tc>
-                <a:tc hMerge="1">
-                  <a:txBody>
-                    <a:bodyPr/>
-                    <a:lstStyle/>
-                    <a:p>
-                      <a:endParaRPr lang="zh-CN" altLang="en-US"/>
-                    </a:p>
-                  </a:txBody>
-                  <a:tcPr/>
-                </a:tc>
-                <a:tc gridSpan="4">
-                  <a:txBody>
-                    <a:bodyPr/>
-                    <a:lstStyle/>
-                    <a:p>
-                      <a:pPr algn="ctr">
-                        <a:spcAft>
-                          <a:spcPts val="0"/>
-                        </a:spcAft>
-                      </a:pPr>
-                      <a:r>
-                        <a:rPr lang="zh-CN" sz="1600" kern="100">
-                          <a:effectLst/>
-                        </a:rPr>
-                        <a:t>提出时间</a:t>
-                      </a:r>
-                      <a:endParaRPr lang="zh-CN" sz="1600" kern="100">
-                        <a:effectLst/>
-                        <a:latin typeface="Times New Roman" panose="02020603050405020304" pitchFamily="18" charset="0"/>
-                        <a:ea typeface="宋体" panose="02010600030101010101" pitchFamily="2" charset="-122"/>
-                      </a:endParaRPr>
-                    </a:p>
-                  </a:txBody>
-                  <a:tcPr marL="44159" marR="44159" marT="0" marB="0"/>
-                </a:tc>
-                <a:tc hMerge="1">
-                  <a:txBody>
-                    <a:bodyPr/>
-                    <a:lstStyle/>
-                    <a:p>
-                      <a:endParaRPr lang="zh-CN" altLang="en-US"/>
-                    </a:p>
-                  </a:txBody>
-                  <a:tcPr/>
-                </a:tc>
-                <a:tc hMerge="1">
-                  <a:txBody>
-                    <a:bodyPr/>
-                    <a:lstStyle/>
-                    <a:p>
-                      <a:endParaRPr lang="zh-CN" altLang="en-US"/>
-                    </a:p>
-                  </a:txBody>
-                  <a:tcPr/>
-                </a:tc>
-                <a:tc hMerge="1">
-                  <a:txBody>
-                    <a:bodyPr/>
-                    <a:lstStyle/>
-                    <a:p>
-                      <a:endParaRPr lang="zh-CN" altLang="en-US"/>
-                    </a:p>
-                  </a:txBody>
-                  <a:tcPr/>
-                </a:tc>
-                <a:tc gridSpan="3">
-                  <a:txBody>
-                    <a:bodyPr/>
-                    <a:lstStyle/>
-                    <a:p>
-                      <a:pPr algn="l">
-                        <a:spcAft>
-                          <a:spcPts val="0"/>
-                        </a:spcAft>
-                      </a:pPr>
-                      <a:r>
-                        <a:rPr lang="en-US" sz="1600" kern="100">
-                          <a:effectLst/>
-                        </a:rPr>
-                        <a:t>2019</a:t>
-                      </a:r>
-                      <a:r>
-                        <a:rPr lang="zh-CN" sz="1600" kern="100">
-                          <a:effectLst/>
-                        </a:rPr>
-                        <a:t>年</a:t>
-                      </a:r>
-                      <a:r>
-                        <a:rPr lang="en-US" sz="1600" kern="100">
-                          <a:effectLst/>
-                        </a:rPr>
-                        <a:t>1</a:t>
-                      </a:r>
-                      <a:r>
-                        <a:rPr lang="zh-CN" sz="1600" kern="100">
-                          <a:effectLst/>
-                        </a:rPr>
-                        <a:t>月</a:t>
-                      </a:r>
-                      <a:r>
-                        <a:rPr lang="en-US" sz="1600" kern="100">
-                          <a:effectLst/>
-                        </a:rPr>
-                        <a:t>6</a:t>
-                      </a:r>
-                      <a:r>
-                        <a:rPr lang="zh-CN" sz="1600" kern="100">
-                          <a:effectLst/>
-                        </a:rPr>
-                        <a:t>日</a:t>
-                      </a:r>
-                      <a:endParaRPr lang="zh-CN" sz="1600" kern="100">
-                        <a:effectLst/>
-                        <a:latin typeface="Times New Roman" panose="02020603050405020304" pitchFamily="18" charset="0"/>
-                        <a:ea typeface="宋体" panose="02010600030101010101" pitchFamily="2" charset="-122"/>
-                      </a:endParaRPr>
-                    </a:p>
-                  </a:txBody>
-                  <a:tcPr marL="44159" marR="44159" marT="0" marB="0"/>
-                </a:tc>
-                <a:tc hMerge="1">
-                  <a:txBody>
-                    <a:bodyPr/>
-                    <a:lstStyle/>
-                    <a:p>
-                      <a:endParaRPr lang="zh-CN" altLang="en-US"/>
-                    </a:p>
-                  </a:txBody>
-                  <a:tcPr/>
-                </a:tc>
-                <a:tc hMerge="1">
-                  <a:txBody>
-                    <a:bodyPr/>
-                    <a:lstStyle/>
-                    <a:p>
-                      <a:pPr algn="l">
-                        <a:spcAft>
-                          <a:spcPts val="0"/>
-                        </a:spcAft>
-                      </a:pPr>
-                      <a:endParaRPr lang="zh-CN" sz="1600" kern="100">
-                        <a:effectLst/>
-                        <a:latin typeface="Times New Roman" panose="02020603050405020304" pitchFamily="18" charset="0"/>
-                        <a:ea typeface="宋体" panose="02010600030101010101" pitchFamily="2" charset="-122"/>
-                      </a:endParaRPr>
-                    </a:p>
-                  </a:txBody>
-                  <a:tcPr marL="44159" marR="44159" marT="0" marB="0"/>
-                </a:tc>
-                <a:extLst>
-                  <a:ext uri="{0D108BD9-81ED-4DB2-BD59-A6C34878D82A}">
-                    <a16:rowId xmlns:a16="http://schemas.microsoft.com/office/drawing/2014/main" val="358263025"/>
-                  </a:ext>
-                </a:extLst>
-              </a:tr>
-              <a:tr h="463083">
-                <a:tc rowSpan="2">
-                  <a:txBody>
-                    <a:bodyPr/>
-                    <a:lstStyle/>
-                    <a:p>
-                      <a:pPr>
-                        <a:spcAft>
-                          <a:spcPts val="0"/>
-                        </a:spcAft>
-                      </a:pPr>
-                      <a:r>
-                        <a:rPr lang="zh-CN" sz="1600" kern="100">
-                          <a:effectLst/>
-                        </a:rPr>
-                        <a:t>用户方负责人意见</a:t>
-                      </a:r>
-                      <a:endParaRPr lang="zh-CN" sz="1600" kern="100">
-                        <a:effectLst/>
-                        <a:latin typeface="Courier New" panose="02070309020205020404" pitchFamily="49" charset="0"/>
-                        <a:ea typeface="宋体" panose="02010600030101010101" pitchFamily="2" charset="-122"/>
-                        <a:cs typeface="Times New Roman" panose="02020603050405020304" pitchFamily="18" charset="0"/>
-                      </a:endParaRPr>
-                    </a:p>
-                  </a:txBody>
-                  <a:tcPr marL="44159" marR="44159" marT="0" marB="0"/>
-                </a:tc>
-                <a:tc rowSpan="2" gridSpan="8">
-                  <a:txBody>
-                    <a:bodyPr/>
-                    <a:lstStyle/>
-                    <a:p>
-                      <a:pPr>
-                        <a:spcAft>
-                          <a:spcPts val="0"/>
-                        </a:spcAft>
-                      </a:pPr>
-                      <a:r>
-                        <a:rPr lang="zh-CN" sz="1600" kern="100">
-                          <a:effectLst/>
-                        </a:rPr>
-                        <a:t>建议更变</a:t>
-                      </a:r>
-                      <a:endParaRPr lang="zh-CN" sz="1600" kern="100">
-                        <a:effectLst/>
-                        <a:latin typeface="Courier New" panose="02070309020205020404" pitchFamily="49" charset="0"/>
-                        <a:ea typeface="宋体" panose="02010600030101010101" pitchFamily="2" charset="-122"/>
-                        <a:cs typeface="Times New Roman" panose="02020603050405020304" pitchFamily="18" charset="0"/>
-                      </a:endParaRPr>
-                    </a:p>
-                  </a:txBody>
-                  <a:tcPr marL="44159" marR="44159" marT="0" marB="0"/>
-                </a:tc>
-                <a:tc rowSpan="2" hMerge="1">
-                  <a:txBody>
-                    <a:bodyPr/>
-                    <a:lstStyle/>
-                    <a:p>
-                      <a:endParaRPr lang="zh-CN" altLang="en-US"/>
-                    </a:p>
-                  </a:txBody>
-                  <a:tcPr/>
-                </a:tc>
-                <a:tc rowSpan="2" hMerge="1">
-                  <a:txBody>
-                    <a:bodyPr/>
-                    <a:lstStyle/>
-                    <a:p>
-                      <a:endParaRPr lang="zh-CN" altLang="en-US"/>
-                    </a:p>
-                  </a:txBody>
-                  <a:tcPr/>
-                </a:tc>
-                <a:tc rowSpan="2" hMerge="1">
-                  <a:txBody>
-                    <a:bodyPr/>
-                    <a:lstStyle/>
-                    <a:p>
-                      <a:endParaRPr lang="zh-CN" altLang="en-US"/>
-                    </a:p>
-                  </a:txBody>
-                  <a:tcPr/>
-                </a:tc>
-                <a:tc rowSpan="2" hMerge="1">
-                  <a:txBody>
-                    <a:bodyPr/>
-                    <a:lstStyle/>
-                    <a:p>
-                      <a:endParaRPr lang="zh-CN" altLang="en-US"/>
-                    </a:p>
-                  </a:txBody>
-                  <a:tcPr/>
-                </a:tc>
-                <a:tc rowSpan="2" hMerge="1">
-                  <a:txBody>
-                    <a:bodyPr/>
-                    <a:lstStyle/>
-                    <a:p>
-                      <a:endParaRPr lang="zh-CN" altLang="en-US"/>
-                    </a:p>
-                  </a:txBody>
-                  <a:tcPr/>
-                </a:tc>
-                <a:tc rowSpan="2" hMerge="1">
-                  <a:txBody>
-                    <a:bodyPr/>
-                    <a:lstStyle/>
-                    <a:p>
-                      <a:endParaRPr lang="zh-CN" altLang="en-US"/>
-                    </a:p>
-                  </a:txBody>
-                  <a:tcPr/>
-                </a:tc>
-                <a:tc rowSpan="2" hMerge="1">
-                  <a:txBody>
-                    <a:bodyPr/>
-                    <a:lstStyle/>
-                    <a:p>
-                      <a:endParaRPr lang="zh-CN" altLang="en-US"/>
-                    </a:p>
-                  </a:txBody>
-                  <a:tcPr/>
-                </a:tc>
-                <a:tc gridSpan="4">
-                  <a:txBody>
-                    <a:bodyPr/>
-                    <a:lstStyle/>
-                    <a:p>
-                      <a:pPr>
-                        <a:spcAft>
-                          <a:spcPts val="0"/>
-                        </a:spcAft>
-                      </a:pPr>
-                      <a:r>
-                        <a:rPr lang="en-US" sz="1600" kern="100">
-                          <a:effectLst/>
-                        </a:rPr>
-                        <a:t>CCB</a:t>
-                      </a:r>
-                      <a:r>
-                        <a:rPr lang="zh-CN" sz="1600" kern="100">
-                          <a:effectLst/>
-                        </a:rPr>
-                        <a:t>主席签名：</a:t>
-                      </a:r>
-                      <a:endParaRPr lang="zh-CN" sz="1600" kern="100">
-                        <a:effectLst/>
-                        <a:latin typeface="Courier New" panose="02070309020205020404" pitchFamily="49" charset="0"/>
-                        <a:ea typeface="宋体" panose="02010600030101010101" pitchFamily="2" charset="-122"/>
-                        <a:cs typeface="Times New Roman" panose="02020603050405020304" pitchFamily="18" charset="0"/>
-                      </a:endParaRPr>
-                    </a:p>
-                  </a:txBody>
-                  <a:tcPr marL="44159" marR="44159" marT="0" marB="0"/>
-                </a:tc>
-                <a:tc hMerge="1">
-                  <a:txBody>
-                    <a:bodyPr/>
-                    <a:lstStyle/>
-                    <a:p>
-                      <a:endParaRPr lang="zh-CN" altLang="en-US"/>
-                    </a:p>
-                  </a:txBody>
-                  <a:tcPr/>
-                </a:tc>
-                <a:tc hMerge="1">
-                  <a:txBody>
-                    <a:bodyPr/>
-                    <a:lstStyle/>
-                    <a:p>
-                      <a:endParaRPr lang="zh-CN" altLang="en-US"/>
-                    </a:p>
-                  </a:txBody>
-                  <a:tcPr/>
-                </a:tc>
-                <a:tc hMerge="1">
-                  <a:txBody>
-                    <a:bodyPr/>
-                    <a:lstStyle/>
-                    <a:p>
-                      <a:endParaRPr lang="zh-CN" altLang="en-US"/>
-                    </a:p>
-                  </a:txBody>
-                  <a:tcPr/>
-                </a:tc>
-                <a:tc gridSpan="3">
-                  <a:txBody>
-                    <a:bodyPr/>
-                    <a:lstStyle/>
-                    <a:p>
-                      <a:pPr>
-                        <a:spcAft>
-                          <a:spcPts val="0"/>
-                        </a:spcAft>
-                      </a:pPr>
-                      <a:r>
-                        <a:rPr lang="zh-CN" sz="1600" kern="100">
-                          <a:effectLst/>
-                        </a:rPr>
-                        <a:t>刘祺</a:t>
-                      </a:r>
-                      <a:endParaRPr lang="zh-CN" sz="1600" kern="100">
-                        <a:effectLst/>
-                        <a:latin typeface="Courier New" panose="02070309020205020404" pitchFamily="49" charset="0"/>
-                        <a:ea typeface="宋体" panose="02010600030101010101" pitchFamily="2" charset="-122"/>
-                        <a:cs typeface="Times New Roman" panose="02020603050405020304" pitchFamily="18" charset="0"/>
-                      </a:endParaRPr>
-                    </a:p>
-                  </a:txBody>
-                  <a:tcPr marL="44159" marR="44159" marT="0" marB="0"/>
-                </a:tc>
-                <a:tc hMerge="1">
-                  <a:txBody>
-                    <a:bodyPr/>
-                    <a:lstStyle/>
-                    <a:p>
-                      <a:endParaRPr lang="zh-CN" altLang="en-US"/>
-                    </a:p>
-                  </a:txBody>
-                  <a:tcPr/>
-                </a:tc>
-                <a:tc hMerge="1">
-                  <a:txBody>
-                    <a:bodyPr/>
-                    <a:lstStyle/>
-                    <a:p>
-                      <a:pPr>
-                        <a:spcAft>
-                          <a:spcPts val="0"/>
-                        </a:spcAft>
-                      </a:pPr>
-                      <a:endParaRPr lang="zh-CN" sz="1600" kern="100">
-                        <a:effectLst/>
-                        <a:latin typeface="Courier New" panose="02070309020205020404" pitchFamily="49" charset="0"/>
-                        <a:ea typeface="宋体" panose="02010600030101010101" pitchFamily="2" charset="-122"/>
-                        <a:cs typeface="Times New Roman" panose="02020603050405020304" pitchFamily="18" charset="0"/>
-                      </a:endParaRPr>
-                    </a:p>
-                  </a:txBody>
-                  <a:tcPr marL="44159" marR="44159" marT="0" marB="0"/>
-                </a:tc>
-                <a:extLst>
-                  <a:ext uri="{0D108BD9-81ED-4DB2-BD59-A6C34878D82A}">
-                    <a16:rowId xmlns:a16="http://schemas.microsoft.com/office/drawing/2014/main" val="1363893048"/>
-                  </a:ext>
-                </a:extLst>
-              </a:tr>
-              <a:tr h="231541">
-                <a:tc vMerge="1">
-                  <a:txBody>
-                    <a:bodyPr/>
-                    <a:lstStyle/>
-                    <a:p>
-                      <a:endParaRPr lang="zh-CN" altLang="en-US"/>
-                    </a:p>
-                  </a:txBody>
-                  <a:tcPr/>
-                </a:tc>
-                <a:tc gridSpan="8" vMerge="1">
-                  <a:txBody>
-                    <a:bodyPr/>
-                    <a:lstStyle/>
-                    <a:p>
-                      <a:endParaRPr lang="zh-CN" altLang="en-US"/>
-                    </a:p>
-                  </a:txBody>
-                  <a:tcPr/>
-                </a:tc>
-                <a:tc hMerge="1" vMerge="1">
-                  <a:txBody>
-                    <a:bodyPr/>
-                    <a:lstStyle/>
-                    <a:p>
-                      <a:endParaRPr lang="zh-CN" altLang="en-US"/>
-                    </a:p>
-                  </a:txBody>
-                  <a:tcPr/>
-                </a:tc>
-                <a:tc hMerge="1" vMerge="1">
-                  <a:txBody>
-                    <a:bodyPr/>
-                    <a:lstStyle/>
-                    <a:p>
-                      <a:endParaRPr lang="zh-CN" altLang="en-US"/>
-                    </a:p>
-                  </a:txBody>
-                  <a:tcPr/>
-                </a:tc>
-                <a:tc hMerge="1" vMerge="1">
-                  <a:txBody>
-                    <a:bodyPr/>
-                    <a:lstStyle/>
-                    <a:p>
-                      <a:endParaRPr lang="zh-CN" altLang="en-US"/>
-                    </a:p>
-                  </a:txBody>
-                  <a:tcPr/>
-                </a:tc>
-                <a:tc hMerge="1" vMerge="1">
-                  <a:txBody>
-                    <a:bodyPr/>
-                    <a:lstStyle/>
-                    <a:p>
-                      <a:endParaRPr lang="zh-CN" altLang="en-US"/>
-                    </a:p>
-                  </a:txBody>
-                  <a:tcPr/>
-                </a:tc>
-                <a:tc hMerge="1" vMerge="1">
-                  <a:txBody>
-                    <a:bodyPr/>
-                    <a:lstStyle/>
-                    <a:p>
-                      <a:endParaRPr lang="zh-CN" altLang="en-US"/>
-                    </a:p>
-                  </a:txBody>
-                  <a:tcPr/>
-                </a:tc>
-                <a:tc hMerge="1" vMerge="1">
-                  <a:txBody>
-                    <a:bodyPr/>
-                    <a:lstStyle/>
-                    <a:p>
-                      <a:endParaRPr lang="zh-CN" altLang="en-US"/>
-                    </a:p>
-                  </a:txBody>
-                  <a:tcPr/>
-                </a:tc>
-                <a:tc hMerge="1" vMerge="1">
-                  <a:txBody>
-                    <a:bodyPr/>
-                    <a:lstStyle/>
-                    <a:p>
-                      <a:endParaRPr lang="zh-CN" altLang="en-US"/>
-                    </a:p>
-                  </a:txBody>
-                  <a:tcPr/>
-                </a:tc>
-                <a:tc gridSpan="4">
-                  <a:txBody>
-                    <a:bodyPr/>
-                    <a:lstStyle/>
-                    <a:p>
-                      <a:pPr>
-                        <a:spcAft>
-                          <a:spcPts val="0"/>
-                        </a:spcAft>
-                      </a:pPr>
-                      <a:r>
-                        <a:rPr lang="zh-CN" sz="1600" kern="100">
-                          <a:effectLst/>
-                        </a:rPr>
-                        <a:t>审批时间</a:t>
-                      </a:r>
-                      <a:endParaRPr lang="zh-CN" sz="1600" kern="100">
-                        <a:effectLst/>
-                        <a:latin typeface="Courier New" panose="02070309020205020404" pitchFamily="49" charset="0"/>
-                        <a:ea typeface="宋体" panose="02010600030101010101" pitchFamily="2" charset="-122"/>
-                        <a:cs typeface="Times New Roman" panose="02020603050405020304" pitchFamily="18" charset="0"/>
-                      </a:endParaRPr>
-                    </a:p>
-                  </a:txBody>
-                  <a:tcPr marL="44159" marR="44159" marT="0" marB="0"/>
-                </a:tc>
-                <a:tc hMerge="1">
-                  <a:txBody>
-                    <a:bodyPr/>
-                    <a:lstStyle/>
-                    <a:p>
-                      <a:endParaRPr lang="zh-CN" altLang="en-US"/>
-                    </a:p>
-                  </a:txBody>
-                  <a:tcPr/>
-                </a:tc>
-                <a:tc hMerge="1">
-                  <a:txBody>
-                    <a:bodyPr/>
-                    <a:lstStyle/>
-                    <a:p>
-                      <a:endParaRPr lang="zh-CN" altLang="en-US"/>
-                    </a:p>
-                  </a:txBody>
-                  <a:tcPr/>
-                </a:tc>
-                <a:tc hMerge="1">
-                  <a:txBody>
-                    <a:bodyPr/>
-                    <a:lstStyle/>
-                    <a:p>
-                      <a:endParaRPr lang="zh-CN" altLang="en-US"/>
-                    </a:p>
-                  </a:txBody>
-                  <a:tcPr/>
-                </a:tc>
-                <a:tc gridSpan="3">
-                  <a:txBody>
-                    <a:bodyPr/>
-                    <a:lstStyle/>
-                    <a:p>
-                      <a:pPr>
-                        <a:spcAft>
-                          <a:spcPts val="0"/>
-                        </a:spcAft>
-                      </a:pPr>
-                      <a:r>
-                        <a:rPr lang="en-US" sz="1600" kern="100">
-                          <a:effectLst/>
-                        </a:rPr>
-                        <a:t> 2019</a:t>
-                      </a:r>
-                      <a:r>
-                        <a:rPr lang="zh-CN" sz="1600" kern="100">
-                          <a:effectLst/>
-                        </a:rPr>
-                        <a:t>年</a:t>
-                      </a:r>
-                      <a:r>
-                        <a:rPr lang="en-US" sz="1600" kern="100">
-                          <a:effectLst/>
-                        </a:rPr>
-                        <a:t>1</a:t>
-                      </a:r>
-                      <a:r>
-                        <a:rPr lang="zh-CN" sz="1600" kern="100">
-                          <a:effectLst/>
-                        </a:rPr>
-                        <a:t>月</a:t>
-                      </a:r>
-                      <a:r>
-                        <a:rPr lang="en-US" sz="1600" kern="100">
-                          <a:effectLst/>
-                        </a:rPr>
-                        <a:t>8</a:t>
-                      </a:r>
-                      <a:r>
-                        <a:rPr lang="zh-CN" sz="1600" kern="100">
-                          <a:effectLst/>
-                        </a:rPr>
-                        <a:t>日</a:t>
-                      </a:r>
-                      <a:endParaRPr lang="zh-CN" sz="1600" kern="100">
-                        <a:effectLst/>
-                        <a:latin typeface="Courier New" panose="02070309020205020404" pitchFamily="49" charset="0"/>
-                        <a:ea typeface="宋体" panose="02010600030101010101" pitchFamily="2" charset="-122"/>
-                        <a:cs typeface="Times New Roman" panose="02020603050405020304" pitchFamily="18" charset="0"/>
-                      </a:endParaRPr>
-                    </a:p>
-                  </a:txBody>
-                  <a:tcPr marL="44159" marR="44159" marT="0" marB="0"/>
-                </a:tc>
-                <a:tc hMerge="1">
-                  <a:txBody>
-                    <a:bodyPr/>
-                    <a:lstStyle/>
-                    <a:p>
-                      <a:endParaRPr lang="zh-CN" altLang="en-US"/>
-                    </a:p>
-                  </a:txBody>
-                  <a:tcPr/>
-                </a:tc>
-                <a:tc hMerge="1">
-                  <a:txBody>
-                    <a:bodyPr/>
-                    <a:lstStyle/>
-                    <a:p>
-                      <a:pPr>
-                        <a:spcAft>
-                          <a:spcPts val="0"/>
-                        </a:spcAft>
-                      </a:pPr>
-                      <a:endParaRPr lang="zh-CN" sz="1600" kern="100">
-                        <a:effectLst/>
-                        <a:latin typeface="Courier New" panose="02070309020205020404" pitchFamily="49" charset="0"/>
-                        <a:ea typeface="宋体" panose="02010600030101010101" pitchFamily="2" charset="-122"/>
-                        <a:cs typeface="Times New Roman" panose="02020603050405020304" pitchFamily="18" charset="0"/>
-                      </a:endParaRPr>
-                    </a:p>
-                  </a:txBody>
-                  <a:tcPr marL="44159" marR="44159" marT="0" marB="0"/>
-                </a:tc>
-                <a:extLst>
-                  <a:ext uri="{0D108BD9-81ED-4DB2-BD59-A6C34878D82A}">
-                    <a16:rowId xmlns:a16="http://schemas.microsoft.com/office/drawing/2014/main" val="1908889812"/>
-                  </a:ext>
-                </a:extLst>
-              </a:tr>
-              <a:tr h="926166">
-                <a:tc>
-                  <a:txBody>
-                    <a:bodyPr/>
-                    <a:lstStyle/>
-                    <a:p>
-                      <a:pPr algn="ctr">
-                        <a:spcAft>
-                          <a:spcPts val="0"/>
-                        </a:spcAft>
-                      </a:pPr>
-                      <a:r>
-                        <a:rPr lang="zh-CN" sz="1600" kern="100">
-                          <a:effectLst/>
-                        </a:rPr>
-                        <a:t>序号</a:t>
-                      </a:r>
-                      <a:endParaRPr lang="zh-CN" sz="1600" kern="100">
-                        <a:effectLst/>
-                        <a:latin typeface="Times New Roman" panose="02020603050405020304" pitchFamily="18" charset="0"/>
-                        <a:ea typeface="宋体" panose="02010600030101010101" pitchFamily="2" charset="-122"/>
-                      </a:endParaRPr>
-                    </a:p>
-                  </a:txBody>
-                  <a:tcPr marL="44159" marR="44159" marT="0" marB="0"/>
-                </a:tc>
-                <a:tc gridSpan="2">
-                  <a:txBody>
-                    <a:bodyPr/>
-                    <a:lstStyle/>
-                    <a:p>
-                      <a:pPr algn="just">
-                        <a:spcAft>
-                          <a:spcPts val="0"/>
-                        </a:spcAft>
-                      </a:pPr>
-                      <a:r>
-                        <a:rPr lang="en-US" sz="1600" kern="100">
-                          <a:effectLst/>
-                        </a:rPr>
-                        <a:t>rc-1</a:t>
-                      </a:r>
-                      <a:endParaRPr lang="zh-CN" sz="1600" kern="100">
-                        <a:effectLst/>
-                        <a:latin typeface="Times New Roman" panose="02020603050405020304" pitchFamily="18" charset="0"/>
-                        <a:ea typeface="宋体" panose="02010600030101010101" pitchFamily="2" charset="-122"/>
-                      </a:endParaRPr>
-                    </a:p>
-                  </a:txBody>
-                  <a:tcPr marL="44159" marR="44159" marT="0" marB="0"/>
-                </a:tc>
-                <a:tc hMerge="1">
-                  <a:txBody>
-                    <a:bodyPr/>
-                    <a:lstStyle/>
-                    <a:p>
-                      <a:endParaRPr lang="zh-CN" altLang="en-US"/>
-                    </a:p>
-                  </a:txBody>
-                  <a:tcPr/>
-                </a:tc>
-                <a:tc gridSpan="2">
-                  <a:txBody>
-                    <a:bodyPr/>
-                    <a:lstStyle/>
-                    <a:p>
-                      <a:pPr algn="ctr">
-                        <a:spcAft>
-                          <a:spcPts val="0"/>
-                        </a:spcAft>
-                      </a:pPr>
-                      <a:r>
-                        <a:rPr lang="zh-CN" sz="1600" kern="100">
-                          <a:effectLst/>
-                        </a:rPr>
-                        <a:t>模块名称</a:t>
-                      </a:r>
-                      <a:endParaRPr lang="zh-CN" sz="1600" kern="100">
-                        <a:effectLst/>
-                        <a:latin typeface="Times New Roman" panose="02020603050405020304" pitchFamily="18" charset="0"/>
-                        <a:ea typeface="宋体" panose="02010600030101010101" pitchFamily="2" charset="-122"/>
-                      </a:endParaRPr>
-                    </a:p>
-                  </a:txBody>
-                  <a:tcPr marL="44159" marR="44159" marT="0" marB="0"/>
-                </a:tc>
-                <a:tc hMerge="1">
-                  <a:txBody>
-                    <a:bodyPr/>
-                    <a:lstStyle/>
-                    <a:p>
-                      <a:endParaRPr lang="zh-CN" altLang="en-US"/>
-                    </a:p>
-                  </a:txBody>
-                  <a:tcPr/>
-                </a:tc>
-                <a:tc gridSpan="5">
-                  <a:txBody>
-                    <a:bodyPr/>
-                    <a:lstStyle/>
-                    <a:p>
-                      <a:pPr algn="ctr">
-                        <a:spcAft>
-                          <a:spcPts val="0"/>
-                        </a:spcAft>
-                      </a:pPr>
-                      <a:r>
-                        <a:rPr lang="zh-CN" sz="1600" kern="100">
-                          <a:effectLst/>
-                        </a:rPr>
-                        <a:t>管理员轮播图管理</a:t>
-                      </a:r>
-                      <a:endParaRPr lang="zh-CN" sz="1600" kern="100">
-                        <a:effectLst/>
-                        <a:latin typeface="Times New Roman" panose="02020603050405020304" pitchFamily="18" charset="0"/>
-                        <a:ea typeface="宋体" panose="02010600030101010101" pitchFamily="2" charset="-122"/>
-                      </a:endParaRPr>
-                    </a:p>
-                  </a:txBody>
-                  <a:tcPr marL="44159" marR="44159" marT="0" marB="0"/>
-                </a:tc>
-                <a:tc hMerge="1">
-                  <a:txBody>
-                    <a:bodyPr/>
-                    <a:lstStyle/>
-                    <a:p>
-                      <a:endParaRPr lang="zh-CN" altLang="en-US"/>
-                    </a:p>
-                  </a:txBody>
-                  <a:tcPr/>
-                </a:tc>
-                <a:tc hMerge="1">
-                  <a:txBody>
-                    <a:bodyPr/>
-                    <a:lstStyle/>
-                    <a:p>
-                      <a:endParaRPr lang="zh-CN" altLang="en-US"/>
-                    </a:p>
-                  </a:txBody>
-                  <a:tcPr/>
-                </a:tc>
-                <a:tc hMerge="1">
-                  <a:txBody>
-                    <a:bodyPr/>
-                    <a:lstStyle/>
-                    <a:p>
-                      <a:endParaRPr lang="zh-CN" altLang="en-US"/>
-                    </a:p>
-                  </a:txBody>
-                  <a:tcPr/>
-                </a:tc>
-                <a:tc hMerge="1">
-                  <a:txBody>
-                    <a:bodyPr/>
-                    <a:lstStyle/>
-                    <a:p>
-                      <a:endParaRPr lang="zh-CN" altLang="en-US"/>
-                    </a:p>
-                  </a:txBody>
-                  <a:tcPr/>
-                </a:tc>
-                <a:tc gridSpan="2">
-                  <a:txBody>
-                    <a:bodyPr/>
-                    <a:lstStyle/>
-                    <a:p>
-                      <a:pPr algn="ctr">
-                        <a:spcAft>
-                          <a:spcPts val="0"/>
-                        </a:spcAft>
-                      </a:pPr>
-                      <a:r>
-                        <a:rPr lang="zh-CN" sz="1600" kern="100">
-                          <a:effectLst/>
-                        </a:rPr>
-                        <a:t>所属子系统</a:t>
-                      </a:r>
-                      <a:endParaRPr lang="zh-CN" sz="1600" kern="100">
-                        <a:effectLst/>
-                        <a:latin typeface="Times New Roman" panose="02020603050405020304" pitchFamily="18" charset="0"/>
-                        <a:ea typeface="宋体" panose="02010600030101010101" pitchFamily="2" charset="-122"/>
-                      </a:endParaRPr>
-                    </a:p>
-                  </a:txBody>
-                  <a:tcPr marL="44159" marR="44159" marT="0" marB="0"/>
-                </a:tc>
-                <a:tc hMerge="1">
-                  <a:txBody>
-                    <a:bodyPr/>
-                    <a:lstStyle/>
-                    <a:p>
-                      <a:endParaRPr lang="zh-CN" altLang="en-US"/>
-                    </a:p>
-                  </a:txBody>
-                  <a:tcPr/>
-                </a:tc>
-                <a:tc gridSpan="4">
-                  <a:txBody>
-                    <a:bodyPr/>
-                    <a:lstStyle/>
-                    <a:p>
-                      <a:pPr algn="ctr">
-                        <a:spcAft>
-                          <a:spcPts val="0"/>
-                        </a:spcAft>
-                      </a:pPr>
-                      <a:r>
-                        <a:rPr lang="zh-CN" sz="1600" kern="100">
-                          <a:effectLst/>
-                        </a:rPr>
-                        <a:t>后台中心</a:t>
-                      </a:r>
-                      <a:endParaRPr lang="zh-CN" sz="1600" kern="100">
-                        <a:effectLst/>
-                        <a:latin typeface="Times New Roman" panose="02020603050405020304" pitchFamily="18" charset="0"/>
-                        <a:ea typeface="宋体" panose="02010600030101010101" pitchFamily="2" charset="-122"/>
-                      </a:endParaRPr>
-                    </a:p>
-                  </a:txBody>
-                  <a:tcPr marL="44159" marR="44159" marT="0" marB="0"/>
-                </a:tc>
-                <a:tc hMerge="1">
-                  <a:txBody>
-                    <a:bodyPr/>
-                    <a:lstStyle/>
-                    <a:p>
-                      <a:endParaRPr lang="zh-CN" altLang="en-US"/>
-                    </a:p>
-                  </a:txBody>
-                  <a:tcPr/>
-                </a:tc>
-                <a:tc hMerge="1">
-                  <a:txBody>
-                    <a:bodyPr/>
-                    <a:lstStyle/>
-                    <a:p>
-                      <a:endParaRPr lang="zh-CN" altLang="en-US"/>
-                    </a:p>
-                  </a:txBody>
-                  <a:tcPr/>
-                </a:tc>
-                <a:tc hMerge="1">
-                  <a:txBody>
-                    <a:bodyPr/>
-                    <a:lstStyle/>
-                    <a:p>
-                      <a:pPr algn="ctr">
-                        <a:spcAft>
-                          <a:spcPts val="0"/>
-                        </a:spcAft>
-                      </a:pPr>
-                      <a:endParaRPr lang="zh-CN" sz="1600" kern="100">
-                        <a:effectLst/>
-                        <a:latin typeface="Times New Roman" panose="02020603050405020304" pitchFamily="18" charset="0"/>
-                        <a:ea typeface="宋体" panose="02010600030101010101" pitchFamily="2" charset="-122"/>
-                      </a:endParaRPr>
-                    </a:p>
-                  </a:txBody>
-                  <a:tcPr marL="44159" marR="44159" marT="0" marB="0"/>
-                </a:tc>
-                <a:extLst>
-                  <a:ext uri="{0D108BD9-81ED-4DB2-BD59-A6C34878D82A}">
-                    <a16:rowId xmlns:a16="http://schemas.microsoft.com/office/drawing/2014/main" val="4080593340"/>
-                  </a:ext>
-                </a:extLst>
-              </a:tr>
-              <a:tr h="850592">
-                <a:tc>
-                  <a:txBody>
-                    <a:bodyPr/>
-                    <a:lstStyle/>
-                    <a:p>
-                      <a:pPr algn="ctr">
-                        <a:spcAft>
-                          <a:spcPts val="0"/>
-                        </a:spcAft>
-                      </a:pPr>
-                      <a:r>
-                        <a:rPr lang="zh-CN" sz="1600" kern="100">
-                          <a:effectLst/>
-                        </a:rPr>
-                        <a:t>需求描述</a:t>
-                      </a:r>
-                      <a:endParaRPr lang="zh-CN" sz="1600" kern="100">
-                        <a:effectLst/>
-                        <a:latin typeface="Times New Roman" panose="02020603050405020304" pitchFamily="18" charset="0"/>
-                        <a:ea typeface="宋体" panose="02010600030101010101" pitchFamily="2" charset="-122"/>
-                      </a:endParaRPr>
-                    </a:p>
-                  </a:txBody>
-                  <a:tcPr marL="44159" marR="44159" marT="0" marB="0"/>
-                </a:tc>
-                <a:tc gridSpan="15">
-                  <a:txBody>
-                    <a:bodyPr/>
-                    <a:lstStyle/>
-                    <a:p>
-                      <a:pPr algn="just">
-                        <a:lnSpc>
-                          <a:spcPts val="2600"/>
-                        </a:lnSpc>
-                        <a:spcAft>
-                          <a:spcPts val="0"/>
-                        </a:spcAft>
-                      </a:pPr>
-                      <a:r>
-                        <a:rPr lang="zh-CN" sz="1600" kern="100">
-                          <a:effectLst/>
-                        </a:rPr>
-                        <a:t>管理员要求后台添加管理编辑网站首页动图的功能</a:t>
-                      </a:r>
-                      <a:endParaRPr lang="zh-CN" sz="1600" kern="100">
-                        <a:effectLst/>
-                        <a:latin typeface="Times New Roman" panose="02020603050405020304" pitchFamily="18" charset="0"/>
-                        <a:ea typeface="宋体" panose="02010600030101010101" pitchFamily="2" charset="-122"/>
-                      </a:endParaRPr>
-                    </a:p>
-                  </a:txBody>
-                  <a:tcPr marL="44159" marR="44159" marT="0" marB="0"/>
-                </a:tc>
-                <a:tc hMerge="1">
-                  <a:txBody>
-                    <a:bodyPr/>
-                    <a:lstStyle/>
-                    <a:p>
-                      <a:endParaRPr lang="zh-CN" altLang="en-US"/>
-                    </a:p>
-                  </a:txBody>
-                  <a:tcPr/>
-                </a:tc>
-                <a:tc hMerge="1">
-                  <a:txBody>
-                    <a:bodyPr/>
-                    <a:lstStyle/>
-                    <a:p>
-                      <a:endParaRPr lang="zh-CN" altLang="en-US"/>
-                    </a:p>
-                  </a:txBody>
-                  <a:tcPr/>
-                </a:tc>
-                <a:tc hMerge="1">
-                  <a:txBody>
-                    <a:bodyPr/>
-                    <a:lstStyle/>
-                    <a:p>
-                      <a:endParaRPr lang="zh-CN" altLang="en-US"/>
-                    </a:p>
-                  </a:txBody>
-                  <a:tcPr/>
-                </a:tc>
-                <a:tc hMerge="1">
-                  <a:txBody>
-                    <a:bodyPr/>
-                    <a:lstStyle/>
-                    <a:p>
-                      <a:endParaRPr lang="zh-CN" altLang="en-US"/>
-                    </a:p>
-                  </a:txBody>
-                  <a:tcPr/>
-                </a:tc>
-                <a:tc hMerge="1">
-                  <a:txBody>
-                    <a:bodyPr/>
-                    <a:lstStyle/>
-                    <a:p>
-                      <a:endParaRPr lang="zh-CN" altLang="en-US"/>
-                    </a:p>
-                  </a:txBody>
-                  <a:tcPr/>
-                </a:tc>
-                <a:tc hMerge="1">
-                  <a:txBody>
-                    <a:bodyPr/>
-                    <a:lstStyle/>
-                    <a:p>
-                      <a:endParaRPr lang="zh-CN" altLang="en-US"/>
-                    </a:p>
-                  </a:txBody>
-                  <a:tcPr/>
-                </a:tc>
-                <a:tc hMerge="1">
-                  <a:txBody>
-                    <a:bodyPr/>
-                    <a:lstStyle/>
-                    <a:p>
-                      <a:endParaRPr lang="zh-CN" altLang="en-US"/>
-                    </a:p>
-                  </a:txBody>
-                  <a:tcPr/>
-                </a:tc>
-                <a:tc hMerge="1">
-                  <a:txBody>
-                    <a:bodyPr/>
-                    <a:lstStyle/>
-                    <a:p>
-                      <a:endParaRPr lang="zh-CN" altLang="en-US"/>
-                    </a:p>
-                  </a:txBody>
-                  <a:tcPr/>
-                </a:tc>
-                <a:tc hMerge="1">
-                  <a:txBody>
-                    <a:bodyPr/>
-                    <a:lstStyle/>
-                    <a:p>
-                      <a:endParaRPr lang="zh-CN" altLang="en-US"/>
-                    </a:p>
-                  </a:txBody>
-                  <a:tcPr/>
-                </a:tc>
-                <a:tc hMerge="1">
-                  <a:txBody>
-                    <a:bodyPr/>
-                    <a:lstStyle/>
-                    <a:p>
-                      <a:endParaRPr lang="zh-CN" altLang="en-US"/>
-                    </a:p>
-                  </a:txBody>
-                  <a:tcPr/>
-                </a:tc>
-                <a:tc hMerge="1">
-                  <a:txBody>
-                    <a:bodyPr/>
-                    <a:lstStyle/>
-                    <a:p>
-                      <a:endParaRPr lang="zh-CN" altLang="en-US"/>
-                    </a:p>
-                  </a:txBody>
-                  <a:tcPr/>
-                </a:tc>
-                <a:tc hMerge="1">
-                  <a:txBody>
-                    <a:bodyPr/>
-                    <a:lstStyle/>
-                    <a:p>
-                      <a:endParaRPr lang="zh-CN" altLang="en-US"/>
-                    </a:p>
-                  </a:txBody>
-                  <a:tcPr/>
-                </a:tc>
-                <a:tc hMerge="1">
-                  <a:txBody>
-                    <a:bodyPr/>
-                    <a:lstStyle/>
-                    <a:p>
-                      <a:endParaRPr lang="zh-CN" altLang="en-US"/>
-                    </a:p>
-                  </a:txBody>
-                  <a:tcPr/>
-                </a:tc>
-                <a:tc hMerge="1">
-                  <a:txBody>
-                    <a:bodyPr/>
-                    <a:lstStyle/>
-                    <a:p>
-                      <a:pPr algn="just">
-                        <a:lnSpc>
-                          <a:spcPts val="2600"/>
-                        </a:lnSpc>
-                        <a:spcAft>
-                          <a:spcPts val="0"/>
-                        </a:spcAft>
-                      </a:pPr>
-                      <a:endParaRPr lang="zh-CN" sz="1600" kern="100">
-                        <a:effectLst/>
-                        <a:latin typeface="Times New Roman" panose="02020603050405020304" pitchFamily="18" charset="0"/>
-                        <a:ea typeface="宋体" panose="02010600030101010101" pitchFamily="2" charset="-122"/>
-                      </a:endParaRPr>
-                    </a:p>
-                  </a:txBody>
-                  <a:tcPr marL="44159" marR="44159" marT="0" marB="0"/>
-                </a:tc>
-                <a:extLst>
-                  <a:ext uri="{0D108BD9-81ED-4DB2-BD59-A6C34878D82A}">
-                    <a16:rowId xmlns:a16="http://schemas.microsoft.com/office/drawing/2014/main" val="1551410853"/>
-                  </a:ext>
-                </a:extLst>
-              </a:tr>
-              <a:tr h="463083">
-                <a:tc>
-                  <a:txBody>
-                    <a:bodyPr/>
-                    <a:lstStyle/>
-                    <a:p>
-                      <a:pPr algn="ctr">
-                        <a:spcAft>
-                          <a:spcPts val="0"/>
-                        </a:spcAft>
-                      </a:pPr>
-                      <a:r>
-                        <a:rPr lang="zh-CN" sz="1600" kern="100">
-                          <a:effectLst/>
-                        </a:rPr>
-                        <a:t>变更原因</a:t>
-                      </a:r>
-                      <a:endParaRPr lang="zh-CN" sz="1600" kern="100">
-                        <a:effectLst/>
-                        <a:latin typeface="Times New Roman" panose="02020603050405020304" pitchFamily="18" charset="0"/>
-                        <a:ea typeface="宋体" panose="02010600030101010101" pitchFamily="2" charset="-122"/>
-                      </a:endParaRPr>
-                    </a:p>
-                  </a:txBody>
-                  <a:tcPr marL="44159" marR="44159" marT="0" marB="0"/>
-                </a:tc>
-                <a:tc gridSpan="10">
-                  <a:txBody>
-                    <a:bodyPr/>
-                    <a:lstStyle/>
-                    <a:p>
-                      <a:pPr algn="ctr">
-                        <a:spcAft>
-                          <a:spcPts val="0"/>
-                        </a:spcAft>
-                      </a:pPr>
-                      <a:r>
-                        <a:rPr lang="zh-CN" sz="1600" kern="100">
-                          <a:effectLst/>
-                        </a:rPr>
-                        <a:t>客户从管理员处获取了小组没有提前确认过的需求，因此需要作出变更</a:t>
-                      </a:r>
-                      <a:endParaRPr lang="zh-CN" sz="1600" kern="100">
-                        <a:effectLst/>
-                        <a:latin typeface="Times New Roman" panose="02020603050405020304" pitchFamily="18" charset="0"/>
-                        <a:ea typeface="宋体" panose="02010600030101010101" pitchFamily="2" charset="-122"/>
-                      </a:endParaRPr>
-                    </a:p>
-                  </a:txBody>
-                  <a:tcPr marL="44159" marR="44159" marT="0" marB="0"/>
-                </a:tc>
-                <a:tc hMerge="1">
-                  <a:txBody>
-                    <a:bodyPr/>
-                    <a:lstStyle/>
-                    <a:p>
-                      <a:endParaRPr lang="zh-CN" altLang="en-US"/>
-                    </a:p>
-                  </a:txBody>
-                  <a:tcPr/>
-                </a:tc>
-                <a:tc hMerge="1">
-                  <a:txBody>
-                    <a:bodyPr/>
-                    <a:lstStyle/>
-                    <a:p>
-                      <a:endParaRPr lang="zh-CN" altLang="en-US"/>
-                    </a:p>
-                  </a:txBody>
-                  <a:tcPr/>
-                </a:tc>
-                <a:tc hMerge="1">
-                  <a:txBody>
-                    <a:bodyPr/>
-                    <a:lstStyle/>
-                    <a:p>
-                      <a:endParaRPr lang="zh-CN" altLang="en-US"/>
-                    </a:p>
-                  </a:txBody>
-                  <a:tcPr/>
-                </a:tc>
-                <a:tc hMerge="1">
-                  <a:txBody>
-                    <a:bodyPr/>
-                    <a:lstStyle/>
-                    <a:p>
-                      <a:endParaRPr lang="zh-CN" altLang="en-US"/>
-                    </a:p>
-                  </a:txBody>
-                  <a:tcPr/>
-                </a:tc>
-                <a:tc hMerge="1">
-                  <a:txBody>
-                    <a:bodyPr/>
-                    <a:lstStyle/>
-                    <a:p>
-                      <a:endParaRPr lang="zh-CN" altLang="en-US"/>
-                    </a:p>
-                  </a:txBody>
-                  <a:tcPr/>
-                </a:tc>
-                <a:tc hMerge="1">
-                  <a:txBody>
-                    <a:bodyPr/>
-                    <a:lstStyle/>
-                    <a:p>
-                      <a:endParaRPr lang="zh-CN" altLang="en-US"/>
-                    </a:p>
-                  </a:txBody>
-                  <a:tcPr/>
-                </a:tc>
-                <a:tc hMerge="1">
-                  <a:txBody>
-                    <a:bodyPr/>
-                    <a:lstStyle/>
-                    <a:p>
-                      <a:endParaRPr lang="zh-CN" altLang="en-US"/>
-                    </a:p>
-                  </a:txBody>
-                  <a:tcPr/>
-                </a:tc>
-                <a:tc hMerge="1">
-                  <a:txBody>
-                    <a:bodyPr/>
-                    <a:lstStyle/>
-                    <a:p>
-                      <a:endParaRPr lang="zh-CN" altLang="en-US"/>
-                    </a:p>
-                  </a:txBody>
-                  <a:tcPr/>
-                </a:tc>
-                <a:tc hMerge="1">
-                  <a:txBody>
-                    <a:bodyPr/>
-                    <a:lstStyle/>
-                    <a:p>
-                      <a:endParaRPr lang="zh-CN" altLang="en-US"/>
-                    </a:p>
-                  </a:txBody>
-                  <a:tcPr/>
-                </a:tc>
-                <a:tc gridSpan="3">
-                  <a:txBody>
-                    <a:bodyPr/>
-                    <a:lstStyle/>
-                    <a:p>
-                      <a:pPr algn="just">
-                        <a:spcAft>
-                          <a:spcPts val="0"/>
-                        </a:spcAft>
-                      </a:pPr>
-                      <a:r>
-                        <a:rPr lang="zh-CN" sz="1600" kern="100">
-                          <a:effectLst/>
-                        </a:rPr>
-                        <a:t>需求紧急程度</a:t>
-                      </a:r>
-                      <a:endParaRPr lang="zh-CN" sz="1600" kern="100">
-                        <a:effectLst/>
-                        <a:latin typeface="Times New Roman" panose="02020603050405020304" pitchFamily="18" charset="0"/>
-                        <a:ea typeface="宋体" panose="02010600030101010101" pitchFamily="2" charset="-122"/>
-                      </a:endParaRPr>
-                    </a:p>
-                  </a:txBody>
-                  <a:tcPr marL="44159" marR="44159" marT="0" marB="0"/>
-                </a:tc>
-                <a:tc hMerge="1">
-                  <a:txBody>
-                    <a:bodyPr/>
-                    <a:lstStyle/>
-                    <a:p>
-                      <a:endParaRPr lang="zh-CN" altLang="en-US"/>
-                    </a:p>
-                  </a:txBody>
-                  <a:tcPr/>
-                </a:tc>
-                <a:tc hMerge="1">
-                  <a:txBody>
-                    <a:bodyPr/>
-                    <a:lstStyle/>
-                    <a:p>
-                      <a:endParaRPr lang="zh-CN" altLang="en-US"/>
-                    </a:p>
-                  </a:txBody>
-                  <a:tcPr/>
-                </a:tc>
-                <a:tc gridSpan="2">
-                  <a:txBody>
-                    <a:bodyPr/>
-                    <a:lstStyle/>
-                    <a:p>
-                      <a:pPr algn="just">
-                        <a:spcAft>
-                          <a:spcPts val="0"/>
-                        </a:spcAft>
-                      </a:pPr>
-                      <a:r>
-                        <a:rPr lang="zh-CN" sz="1600" kern="100">
-                          <a:effectLst/>
-                        </a:rPr>
-                        <a:t>紧急</a:t>
-                      </a:r>
-                      <a:endParaRPr lang="zh-CN" sz="1600" kern="100">
-                        <a:effectLst/>
-                        <a:latin typeface="Times New Roman" panose="02020603050405020304" pitchFamily="18" charset="0"/>
-                        <a:ea typeface="宋体" panose="02010600030101010101" pitchFamily="2" charset="-122"/>
-                      </a:endParaRPr>
-                    </a:p>
-                  </a:txBody>
-                  <a:tcPr marL="44159" marR="44159" marT="0" marB="0"/>
-                </a:tc>
-                <a:tc hMerge="1">
-                  <a:txBody>
-                    <a:bodyPr/>
-                    <a:lstStyle/>
-                    <a:p>
-                      <a:pPr algn="just">
-                        <a:spcAft>
-                          <a:spcPts val="0"/>
-                        </a:spcAft>
-                      </a:pPr>
-                      <a:endParaRPr lang="zh-CN" sz="1600" kern="100">
-                        <a:effectLst/>
-                        <a:latin typeface="Times New Roman" panose="02020603050405020304" pitchFamily="18" charset="0"/>
-                        <a:ea typeface="宋体" panose="02010600030101010101" pitchFamily="2" charset="-122"/>
-                      </a:endParaRPr>
-                    </a:p>
-                  </a:txBody>
-                  <a:tcPr marL="44159" marR="44159" marT="0" marB="0"/>
-                </a:tc>
-                <a:extLst>
-                  <a:ext uri="{0D108BD9-81ED-4DB2-BD59-A6C34878D82A}">
-                    <a16:rowId xmlns:a16="http://schemas.microsoft.com/office/drawing/2014/main" val="2075973806"/>
-                  </a:ext>
-                </a:extLst>
-              </a:tr>
-              <a:tr h="662464">
-                <a:tc>
-                  <a:txBody>
-                    <a:bodyPr/>
-                    <a:lstStyle/>
-                    <a:p>
-                      <a:pPr algn="ctr">
-                        <a:spcAft>
-                          <a:spcPts val="0"/>
-                        </a:spcAft>
-                      </a:pPr>
-                      <a:r>
-                        <a:rPr lang="zh-CN" sz="1600" kern="100">
-                          <a:effectLst/>
-                        </a:rPr>
-                        <a:t>经双方确认后的需求</a:t>
-                      </a:r>
-                      <a:endParaRPr lang="zh-CN" sz="1600" kern="100">
-                        <a:effectLst/>
-                        <a:latin typeface="Times New Roman" panose="02020603050405020304" pitchFamily="18" charset="0"/>
-                        <a:ea typeface="宋体" panose="02010600030101010101" pitchFamily="2" charset="-122"/>
-                      </a:endParaRPr>
-                    </a:p>
-                  </a:txBody>
-                  <a:tcPr marL="44159" marR="44159" marT="0" marB="0"/>
-                </a:tc>
-                <a:tc gridSpan="15">
-                  <a:txBody>
-                    <a:bodyPr/>
-                    <a:lstStyle/>
-                    <a:p>
-                      <a:pPr algn="just">
-                        <a:lnSpc>
-                          <a:spcPts val="2600"/>
-                        </a:lnSpc>
-                        <a:spcAft>
-                          <a:spcPts val="0"/>
-                        </a:spcAft>
-                      </a:pPr>
-                      <a:r>
-                        <a:rPr lang="en-US" sz="1600" kern="100" dirty="0">
-                          <a:effectLst/>
-                        </a:rPr>
-                        <a:t> </a:t>
-                      </a:r>
-                      <a:endParaRPr lang="zh-CN" sz="1600" kern="100" dirty="0">
-                        <a:effectLst/>
-                        <a:latin typeface="Times New Roman" panose="02020603050405020304" pitchFamily="18" charset="0"/>
-                        <a:ea typeface="宋体" panose="02010600030101010101" pitchFamily="2" charset="-122"/>
-                      </a:endParaRPr>
-                    </a:p>
-                  </a:txBody>
-                  <a:tcPr marL="44159" marR="44159" marT="0" marB="0"/>
-                </a:tc>
-                <a:tc hMerge="1">
-                  <a:txBody>
-                    <a:bodyPr/>
-                    <a:lstStyle/>
-                    <a:p>
-                      <a:endParaRPr lang="zh-CN" altLang="en-US"/>
-                    </a:p>
-                  </a:txBody>
-                  <a:tcPr/>
-                </a:tc>
-                <a:tc hMerge="1">
-                  <a:txBody>
-                    <a:bodyPr/>
-                    <a:lstStyle/>
-                    <a:p>
-                      <a:endParaRPr lang="zh-CN" altLang="en-US"/>
-                    </a:p>
-                  </a:txBody>
-                  <a:tcPr/>
-                </a:tc>
-                <a:tc hMerge="1">
-                  <a:txBody>
-                    <a:bodyPr/>
-                    <a:lstStyle/>
-                    <a:p>
-                      <a:endParaRPr lang="zh-CN" altLang="en-US"/>
-                    </a:p>
-                  </a:txBody>
-                  <a:tcPr/>
-                </a:tc>
-                <a:tc hMerge="1">
-                  <a:txBody>
-                    <a:bodyPr/>
-                    <a:lstStyle/>
-                    <a:p>
-                      <a:endParaRPr lang="zh-CN" altLang="en-US"/>
-                    </a:p>
-                  </a:txBody>
-                  <a:tcPr/>
-                </a:tc>
-                <a:tc hMerge="1">
-                  <a:txBody>
-                    <a:bodyPr/>
-                    <a:lstStyle/>
-                    <a:p>
-                      <a:endParaRPr lang="zh-CN" altLang="en-US"/>
-                    </a:p>
-                  </a:txBody>
-                  <a:tcPr/>
-                </a:tc>
-                <a:tc hMerge="1">
-                  <a:txBody>
-                    <a:bodyPr/>
-                    <a:lstStyle/>
-                    <a:p>
-                      <a:endParaRPr lang="zh-CN" altLang="en-US"/>
-                    </a:p>
-                  </a:txBody>
-                  <a:tcPr/>
-                </a:tc>
-                <a:tc hMerge="1">
-                  <a:txBody>
-                    <a:bodyPr/>
-                    <a:lstStyle/>
-                    <a:p>
-                      <a:endParaRPr lang="zh-CN" altLang="en-US"/>
-                    </a:p>
-                  </a:txBody>
-                  <a:tcPr/>
-                </a:tc>
-                <a:tc hMerge="1">
-                  <a:txBody>
-                    <a:bodyPr/>
-                    <a:lstStyle/>
-                    <a:p>
-                      <a:endParaRPr lang="zh-CN" altLang="en-US"/>
-                    </a:p>
-                  </a:txBody>
-                  <a:tcPr/>
-                </a:tc>
-                <a:tc hMerge="1">
-                  <a:txBody>
-                    <a:bodyPr/>
-                    <a:lstStyle/>
-                    <a:p>
-                      <a:endParaRPr lang="zh-CN" altLang="en-US"/>
-                    </a:p>
-                  </a:txBody>
-                  <a:tcPr/>
-                </a:tc>
-                <a:tc hMerge="1">
-                  <a:txBody>
-                    <a:bodyPr/>
-                    <a:lstStyle/>
-                    <a:p>
-                      <a:endParaRPr lang="zh-CN" altLang="en-US"/>
-                    </a:p>
-                  </a:txBody>
-                  <a:tcPr/>
-                </a:tc>
-                <a:tc hMerge="1">
-                  <a:txBody>
-                    <a:bodyPr/>
-                    <a:lstStyle/>
-                    <a:p>
-                      <a:endParaRPr lang="zh-CN" altLang="en-US"/>
-                    </a:p>
-                  </a:txBody>
-                  <a:tcPr/>
-                </a:tc>
-                <a:tc hMerge="1">
-                  <a:txBody>
-                    <a:bodyPr/>
-                    <a:lstStyle/>
-                    <a:p>
-                      <a:endParaRPr lang="zh-CN" altLang="en-US"/>
-                    </a:p>
-                  </a:txBody>
-                  <a:tcPr/>
-                </a:tc>
-                <a:tc hMerge="1">
-                  <a:txBody>
-                    <a:bodyPr/>
-                    <a:lstStyle/>
-                    <a:p>
-                      <a:endParaRPr lang="zh-CN" altLang="en-US"/>
-                    </a:p>
-                  </a:txBody>
-                  <a:tcPr/>
-                </a:tc>
-                <a:tc hMerge="1">
-                  <a:txBody>
-                    <a:bodyPr/>
-                    <a:lstStyle/>
-                    <a:p>
-                      <a:pPr algn="just">
-                        <a:lnSpc>
-                          <a:spcPts val="2600"/>
-                        </a:lnSpc>
-                        <a:spcAft>
-                          <a:spcPts val="0"/>
-                        </a:spcAft>
-                      </a:pPr>
-                      <a:endParaRPr lang="zh-CN" sz="1600" kern="100" dirty="0">
-                        <a:effectLst/>
-                        <a:latin typeface="Times New Roman" panose="02020603050405020304" pitchFamily="18" charset="0"/>
-                        <a:ea typeface="宋体" panose="02010600030101010101" pitchFamily="2" charset="-122"/>
-                      </a:endParaRPr>
-                    </a:p>
-                  </a:txBody>
-                  <a:tcPr marL="44159" marR="44159" marT="0" marB="0"/>
-                </a:tc>
-                <a:extLst>
-                  <a:ext uri="{0D108BD9-81ED-4DB2-BD59-A6C34878D82A}">
-                    <a16:rowId xmlns:a16="http://schemas.microsoft.com/office/drawing/2014/main" val="251970074"/>
-                  </a:ext>
-                </a:extLst>
-              </a:tr>
-              <a:tr h="231541">
-                <a:tc>
-                  <a:txBody>
-                    <a:bodyPr/>
-                    <a:lstStyle/>
-                    <a:p>
-                      <a:pPr algn="ctr">
-                        <a:spcAft>
-                          <a:spcPts val="0"/>
-                        </a:spcAft>
-                      </a:pPr>
-                      <a:r>
-                        <a:rPr lang="zh-CN" sz="1600" kern="100">
-                          <a:effectLst/>
-                        </a:rPr>
-                        <a:t>影响分析</a:t>
-                      </a:r>
-                      <a:endParaRPr lang="zh-CN" sz="1600" kern="100">
-                        <a:effectLst/>
-                        <a:latin typeface="Times New Roman" panose="02020603050405020304" pitchFamily="18" charset="0"/>
-                        <a:ea typeface="宋体" panose="02010600030101010101" pitchFamily="2" charset="-122"/>
-                      </a:endParaRPr>
-                    </a:p>
-                  </a:txBody>
-                  <a:tcPr marL="44159" marR="44159" marT="0" marB="0"/>
-                </a:tc>
-                <a:tc gridSpan="15">
-                  <a:txBody>
-                    <a:bodyPr/>
-                    <a:lstStyle/>
-                    <a:p>
-                      <a:pPr algn="just">
-                        <a:spcAft>
-                          <a:spcPts val="0"/>
-                        </a:spcAft>
-                      </a:pPr>
-                      <a:r>
-                        <a:rPr lang="zh-CN" sz="1600" kern="100">
-                          <a:effectLst/>
-                        </a:rPr>
-                        <a:t>见《</a:t>
-                      </a:r>
-                      <a:r>
-                        <a:rPr lang="en-US" sz="1600" kern="100">
-                          <a:effectLst/>
-                        </a:rPr>
-                        <a:t>PRD2018-G10-</a:t>
-                      </a:r>
-                      <a:r>
-                        <a:rPr lang="zh-CN" sz="1600" kern="100">
-                          <a:effectLst/>
-                        </a:rPr>
-                        <a:t>需求变更影响分析》</a:t>
-                      </a:r>
-                      <a:endParaRPr lang="zh-CN" sz="1600" kern="100">
-                        <a:effectLst/>
-                        <a:latin typeface="Times New Roman" panose="02020603050405020304" pitchFamily="18" charset="0"/>
-                        <a:ea typeface="宋体" panose="02010600030101010101" pitchFamily="2" charset="-122"/>
-                      </a:endParaRPr>
-                    </a:p>
-                  </a:txBody>
-                  <a:tcPr marL="44159" marR="44159" marT="0" marB="0"/>
-                </a:tc>
-                <a:tc hMerge="1">
-                  <a:txBody>
-                    <a:bodyPr/>
-                    <a:lstStyle/>
-                    <a:p>
-                      <a:endParaRPr lang="zh-CN" altLang="en-US"/>
-                    </a:p>
-                  </a:txBody>
-                  <a:tcPr/>
-                </a:tc>
-                <a:tc hMerge="1">
-                  <a:txBody>
-                    <a:bodyPr/>
-                    <a:lstStyle/>
-                    <a:p>
-                      <a:endParaRPr lang="zh-CN" altLang="en-US"/>
-                    </a:p>
-                  </a:txBody>
-                  <a:tcPr/>
-                </a:tc>
-                <a:tc hMerge="1">
-                  <a:txBody>
-                    <a:bodyPr/>
-                    <a:lstStyle/>
-                    <a:p>
-                      <a:endParaRPr lang="zh-CN" altLang="en-US"/>
-                    </a:p>
-                  </a:txBody>
-                  <a:tcPr/>
-                </a:tc>
-                <a:tc hMerge="1">
-                  <a:txBody>
-                    <a:bodyPr/>
-                    <a:lstStyle/>
-                    <a:p>
-                      <a:endParaRPr lang="zh-CN" altLang="en-US"/>
-                    </a:p>
-                  </a:txBody>
-                  <a:tcPr/>
-                </a:tc>
-                <a:tc hMerge="1">
-                  <a:txBody>
-                    <a:bodyPr/>
-                    <a:lstStyle/>
-                    <a:p>
-                      <a:endParaRPr lang="zh-CN" altLang="en-US"/>
-                    </a:p>
-                  </a:txBody>
-                  <a:tcPr/>
-                </a:tc>
-                <a:tc hMerge="1">
-                  <a:txBody>
-                    <a:bodyPr/>
-                    <a:lstStyle/>
-                    <a:p>
-                      <a:endParaRPr lang="zh-CN" altLang="en-US"/>
-                    </a:p>
-                  </a:txBody>
-                  <a:tcPr/>
-                </a:tc>
-                <a:tc hMerge="1">
-                  <a:txBody>
-                    <a:bodyPr/>
-                    <a:lstStyle/>
-                    <a:p>
-                      <a:endParaRPr lang="zh-CN" altLang="en-US"/>
-                    </a:p>
-                  </a:txBody>
-                  <a:tcPr/>
-                </a:tc>
-                <a:tc hMerge="1">
-                  <a:txBody>
-                    <a:bodyPr/>
-                    <a:lstStyle/>
-                    <a:p>
-                      <a:endParaRPr lang="zh-CN" altLang="en-US"/>
-                    </a:p>
-                  </a:txBody>
-                  <a:tcPr/>
-                </a:tc>
-                <a:tc hMerge="1">
-                  <a:txBody>
-                    <a:bodyPr/>
-                    <a:lstStyle/>
-                    <a:p>
-                      <a:endParaRPr lang="zh-CN" altLang="en-US"/>
-                    </a:p>
-                  </a:txBody>
-                  <a:tcPr/>
-                </a:tc>
-                <a:tc hMerge="1">
-                  <a:txBody>
-                    <a:bodyPr/>
-                    <a:lstStyle/>
-                    <a:p>
-                      <a:endParaRPr lang="zh-CN" altLang="en-US"/>
-                    </a:p>
-                  </a:txBody>
-                  <a:tcPr/>
-                </a:tc>
-                <a:tc hMerge="1">
-                  <a:txBody>
-                    <a:bodyPr/>
-                    <a:lstStyle/>
-                    <a:p>
-                      <a:endParaRPr lang="zh-CN" altLang="en-US"/>
-                    </a:p>
-                  </a:txBody>
-                  <a:tcPr/>
-                </a:tc>
-                <a:tc hMerge="1">
-                  <a:txBody>
-                    <a:bodyPr/>
-                    <a:lstStyle/>
-                    <a:p>
-                      <a:endParaRPr lang="zh-CN" altLang="en-US"/>
-                    </a:p>
-                  </a:txBody>
-                  <a:tcPr/>
-                </a:tc>
-                <a:tc hMerge="1">
-                  <a:txBody>
-                    <a:bodyPr/>
-                    <a:lstStyle/>
-                    <a:p>
-                      <a:endParaRPr lang="zh-CN" altLang="en-US"/>
-                    </a:p>
-                  </a:txBody>
-                  <a:tcPr/>
-                </a:tc>
-                <a:tc hMerge="1">
-                  <a:txBody>
-                    <a:bodyPr/>
-                    <a:lstStyle/>
-                    <a:p>
-                      <a:pPr algn="just">
-                        <a:spcAft>
-                          <a:spcPts val="0"/>
-                        </a:spcAft>
-                      </a:pPr>
-                      <a:endParaRPr lang="zh-CN" sz="1600" kern="100">
-                        <a:effectLst/>
-                        <a:latin typeface="Times New Roman" panose="02020603050405020304" pitchFamily="18" charset="0"/>
-                        <a:ea typeface="宋体" panose="02010600030101010101" pitchFamily="2" charset="-122"/>
-                      </a:endParaRPr>
-                    </a:p>
-                  </a:txBody>
-                  <a:tcPr marL="44159" marR="44159" marT="0" marB="0"/>
-                </a:tc>
-                <a:extLst>
-                  <a:ext uri="{0D108BD9-81ED-4DB2-BD59-A6C34878D82A}">
-                    <a16:rowId xmlns:a16="http://schemas.microsoft.com/office/drawing/2014/main" val="3591502483"/>
-                  </a:ext>
-                </a:extLst>
-              </a:tr>
-              <a:tr h="463083">
-                <a:tc>
-                  <a:txBody>
-                    <a:bodyPr/>
-                    <a:lstStyle/>
-                    <a:p>
-                      <a:pPr algn="ctr">
-                        <a:spcAft>
-                          <a:spcPts val="0"/>
-                        </a:spcAft>
-                      </a:pPr>
-                      <a:r>
-                        <a:rPr lang="zh-CN" sz="1600" kern="100">
-                          <a:effectLst/>
-                        </a:rPr>
-                        <a:t>答复意见及建议解决方案</a:t>
-                      </a:r>
-                      <a:endParaRPr lang="zh-CN" sz="1600" kern="100">
-                        <a:effectLst/>
-                        <a:latin typeface="Times New Roman" panose="02020603050405020304" pitchFamily="18" charset="0"/>
-                        <a:ea typeface="宋体" panose="02010600030101010101" pitchFamily="2" charset="-122"/>
-                      </a:endParaRPr>
-                    </a:p>
-                  </a:txBody>
-                  <a:tcPr marL="44159" marR="44159" marT="0" marB="0"/>
-                </a:tc>
-                <a:tc gridSpan="15">
-                  <a:txBody>
-                    <a:bodyPr/>
-                    <a:lstStyle/>
-                    <a:p>
-                      <a:pPr algn="just">
-                        <a:spcAft>
-                          <a:spcPts val="0"/>
-                        </a:spcAft>
-                      </a:pPr>
-                      <a:r>
-                        <a:rPr lang="en-US" sz="1600" kern="100">
-                          <a:effectLst/>
-                        </a:rPr>
-                        <a:t> </a:t>
-                      </a:r>
-                      <a:endParaRPr lang="zh-CN" sz="1600" kern="100">
-                        <a:effectLst/>
-                        <a:latin typeface="Times New Roman" panose="02020603050405020304" pitchFamily="18" charset="0"/>
-                        <a:ea typeface="宋体" panose="02010600030101010101" pitchFamily="2" charset="-122"/>
-                      </a:endParaRPr>
-                    </a:p>
-                  </a:txBody>
-                  <a:tcPr marL="44159" marR="44159" marT="0" marB="0"/>
-                </a:tc>
-                <a:tc hMerge="1">
-                  <a:txBody>
-                    <a:bodyPr/>
-                    <a:lstStyle/>
-                    <a:p>
-                      <a:endParaRPr lang="zh-CN" altLang="en-US"/>
-                    </a:p>
-                  </a:txBody>
-                  <a:tcPr/>
-                </a:tc>
-                <a:tc hMerge="1">
-                  <a:txBody>
-                    <a:bodyPr/>
-                    <a:lstStyle/>
-                    <a:p>
-                      <a:endParaRPr lang="zh-CN" altLang="en-US"/>
-                    </a:p>
-                  </a:txBody>
-                  <a:tcPr/>
-                </a:tc>
-                <a:tc hMerge="1">
-                  <a:txBody>
-                    <a:bodyPr/>
-                    <a:lstStyle/>
-                    <a:p>
-                      <a:endParaRPr lang="zh-CN" altLang="en-US"/>
-                    </a:p>
-                  </a:txBody>
-                  <a:tcPr/>
-                </a:tc>
-                <a:tc hMerge="1">
-                  <a:txBody>
-                    <a:bodyPr/>
-                    <a:lstStyle/>
-                    <a:p>
-                      <a:endParaRPr lang="zh-CN" altLang="en-US"/>
-                    </a:p>
-                  </a:txBody>
-                  <a:tcPr/>
-                </a:tc>
-                <a:tc hMerge="1">
-                  <a:txBody>
-                    <a:bodyPr/>
-                    <a:lstStyle/>
-                    <a:p>
-                      <a:endParaRPr lang="zh-CN" altLang="en-US"/>
-                    </a:p>
-                  </a:txBody>
-                  <a:tcPr/>
-                </a:tc>
-                <a:tc hMerge="1">
-                  <a:txBody>
-                    <a:bodyPr/>
-                    <a:lstStyle/>
-                    <a:p>
-                      <a:endParaRPr lang="zh-CN" altLang="en-US"/>
-                    </a:p>
-                  </a:txBody>
-                  <a:tcPr/>
-                </a:tc>
-                <a:tc hMerge="1">
-                  <a:txBody>
-                    <a:bodyPr/>
-                    <a:lstStyle/>
-                    <a:p>
-                      <a:endParaRPr lang="zh-CN" altLang="en-US"/>
-                    </a:p>
-                  </a:txBody>
-                  <a:tcPr/>
-                </a:tc>
-                <a:tc hMerge="1">
-                  <a:txBody>
-                    <a:bodyPr/>
-                    <a:lstStyle/>
-                    <a:p>
-                      <a:endParaRPr lang="zh-CN" altLang="en-US"/>
-                    </a:p>
-                  </a:txBody>
-                  <a:tcPr/>
-                </a:tc>
-                <a:tc hMerge="1">
-                  <a:txBody>
-                    <a:bodyPr/>
-                    <a:lstStyle/>
-                    <a:p>
-                      <a:endParaRPr lang="zh-CN" altLang="en-US"/>
-                    </a:p>
-                  </a:txBody>
-                  <a:tcPr/>
-                </a:tc>
-                <a:tc hMerge="1">
-                  <a:txBody>
-                    <a:bodyPr/>
-                    <a:lstStyle/>
-                    <a:p>
-                      <a:endParaRPr lang="zh-CN" altLang="en-US"/>
-                    </a:p>
-                  </a:txBody>
-                  <a:tcPr/>
-                </a:tc>
-                <a:tc hMerge="1">
-                  <a:txBody>
-                    <a:bodyPr/>
-                    <a:lstStyle/>
-                    <a:p>
-                      <a:endParaRPr lang="zh-CN" altLang="en-US"/>
-                    </a:p>
-                  </a:txBody>
-                  <a:tcPr/>
-                </a:tc>
-                <a:tc hMerge="1">
-                  <a:txBody>
-                    <a:bodyPr/>
-                    <a:lstStyle/>
-                    <a:p>
-                      <a:endParaRPr lang="zh-CN" altLang="en-US"/>
-                    </a:p>
-                  </a:txBody>
-                  <a:tcPr/>
-                </a:tc>
-                <a:tc hMerge="1">
-                  <a:txBody>
-                    <a:bodyPr/>
-                    <a:lstStyle/>
-                    <a:p>
-                      <a:endParaRPr lang="zh-CN" altLang="en-US"/>
-                    </a:p>
-                  </a:txBody>
-                  <a:tcPr/>
-                </a:tc>
-                <a:tc hMerge="1">
-                  <a:txBody>
-                    <a:bodyPr/>
-                    <a:lstStyle/>
-                    <a:p>
-                      <a:pPr algn="just">
-                        <a:spcAft>
-                          <a:spcPts val="0"/>
-                        </a:spcAft>
-                      </a:pPr>
-                      <a:endParaRPr lang="zh-CN" sz="1600" kern="100">
-                        <a:effectLst/>
-                        <a:latin typeface="Times New Roman" panose="02020603050405020304" pitchFamily="18" charset="0"/>
-                        <a:ea typeface="宋体" panose="02010600030101010101" pitchFamily="2" charset="-122"/>
-                      </a:endParaRPr>
-                    </a:p>
-                  </a:txBody>
-                  <a:tcPr marL="44159" marR="44159" marT="0" marB="0"/>
-                </a:tc>
-                <a:extLst>
-                  <a:ext uri="{0D108BD9-81ED-4DB2-BD59-A6C34878D82A}">
-                    <a16:rowId xmlns:a16="http://schemas.microsoft.com/office/drawing/2014/main" val="699521898"/>
-                  </a:ext>
-                </a:extLst>
-              </a:tr>
-              <a:tr h="330902">
-                <a:tc>
-                  <a:txBody>
-                    <a:bodyPr/>
-                    <a:lstStyle/>
-                    <a:p>
-                      <a:pPr algn="ctr">
-                        <a:spcAft>
-                          <a:spcPts val="0"/>
-                        </a:spcAft>
-                      </a:pPr>
-                      <a:r>
-                        <a:rPr lang="zh-CN" sz="1600" kern="100">
-                          <a:effectLst/>
-                        </a:rPr>
-                        <a:t>工作量评估（人天）</a:t>
-                      </a:r>
-                      <a:endParaRPr lang="zh-CN" sz="1600" kern="100">
-                        <a:effectLst/>
-                        <a:latin typeface="Times New Roman" panose="02020603050405020304" pitchFamily="18" charset="0"/>
-                        <a:ea typeface="宋体" panose="02010600030101010101" pitchFamily="2" charset="-122"/>
-                      </a:endParaRPr>
-                    </a:p>
-                  </a:txBody>
-                  <a:tcPr marL="44159" marR="44159" marT="0" marB="0"/>
-                </a:tc>
-                <a:tc>
-                  <a:txBody>
-                    <a:bodyPr/>
-                    <a:lstStyle/>
-                    <a:p>
-                      <a:pPr algn="just">
-                        <a:spcAft>
-                          <a:spcPts val="0"/>
-                        </a:spcAft>
-                      </a:pPr>
-                      <a:r>
-                        <a:rPr lang="en-US" sz="1600" kern="100">
-                          <a:effectLst/>
-                        </a:rPr>
-                        <a:t>3</a:t>
-                      </a:r>
-                      <a:endParaRPr lang="zh-CN" sz="1600" kern="100">
-                        <a:effectLst/>
-                        <a:latin typeface="Times New Roman" panose="02020603050405020304" pitchFamily="18" charset="0"/>
-                        <a:ea typeface="宋体" panose="02010600030101010101" pitchFamily="2" charset="-122"/>
-                      </a:endParaRPr>
-                    </a:p>
-                  </a:txBody>
-                  <a:tcPr marL="44159" marR="44159" marT="0" marB="0"/>
-                </a:tc>
-                <a:tc gridSpan="4">
-                  <a:txBody>
-                    <a:bodyPr/>
-                    <a:lstStyle/>
-                    <a:p>
-                      <a:pPr algn="ctr">
-                        <a:spcAft>
-                          <a:spcPts val="0"/>
-                        </a:spcAft>
-                      </a:pPr>
-                      <a:r>
-                        <a:rPr lang="zh-CN" sz="1600" kern="100">
-                          <a:effectLst/>
-                        </a:rPr>
-                        <a:t>预计解决时间</a:t>
-                      </a:r>
-                      <a:endParaRPr lang="zh-CN" sz="1600" kern="100">
-                        <a:effectLst/>
-                        <a:latin typeface="Times New Roman" panose="02020603050405020304" pitchFamily="18" charset="0"/>
-                        <a:ea typeface="宋体" panose="02010600030101010101" pitchFamily="2" charset="-122"/>
-                      </a:endParaRPr>
-                    </a:p>
-                  </a:txBody>
-                  <a:tcPr marL="44159" marR="44159" marT="0" marB="0"/>
-                </a:tc>
-                <a:tc hMerge="1">
-                  <a:txBody>
-                    <a:bodyPr/>
-                    <a:lstStyle/>
-                    <a:p>
-                      <a:endParaRPr lang="zh-CN" altLang="en-US"/>
-                    </a:p>
-                  </a:txBody>
-                  <a:tcPr/>
-                </a:tc>
-                <a:tc hMerge="1">
-                  <a:txBody>
-                    <a:bodyPr/>
-                    <a:lstStyle/>
-                    <a:p>
-                      <a:endParaRPr lang="zh-CN" altLang="en-US"/>
-                    </a:p>
-                  </a:txBody>
-                  <a:tcPr/>
-                </a:tc>
-                <a:tc hMerge="1">
-                  <a:txBody>
-                    <a:bodyPr/>
-                    <a:lstStyle/>
-                    <a:p>
-                      <a:endParaRPr lang="zh-CN" altLang="en-US"/>
-                    </a:p>
-                  </a:txBody>
-                  <a:tcPr/>
-                </a:tc>
-                <a:tc gridSpan="3">
-                  <a:txBody>
-                    <a:bodyPr/>
-                    <a:lstStyle/>
-                    <a:p>
-                      <a:pPr algn="just">
-                        <a:spcAft>
-                          <a:spcPts val="0"/>
-                        </a:spcAft>
-                      </a:pPr>
-                      <a:r>
-                        <a:rPr lang="en-US" sz="1600" kern="100" dirty="0">
-                          <a:effectLst/>
-                        </a:rPr>
-                        <a:t>1</a:t>
-                      </a:r>
-                      <a:r>
-                        <a:rPr lang="zh-CN" sz="1600" kern="100" dirty="0">
-                          <a:effectLst/>
-                        </a:rPr>
-                        <a:t>月</a:t>
-                      </a:r>
-                      <a:r>
-                        <a:rPr lang="en-US" sz="1600" kern="100" dirty="0">
-                          <a:effectLst/>
-                        </a:rPr>
-                        <a:t>9</a:t>
-                      </a:r>
-                      <a:r>
-                        <a:rPr lang="zh-CN" sz="1600" kern="100" dirty="0">
-                          <a:effectLst/>
-                        </a:rPr>
-                        <a:t>日</a:t>
-                      </a:r>
-                      <a:endParaRPr lang="zh-CN" sz="1600" kern="100" dirty="0">
-                        <a:effectLst/>
-                        <a:latin typeface="Times New Roman" panose="02020603050405020304" pitchFamily="18" charset="0"/>
-                        <a:ea typeface="宋体" panose="02010600030101010101" pitchFamily="2" charset="-122"/>
-                      </a:endParaRPr>
-                    </a:p>
-                  </a:txBody>
-                  <a:tcPr marL="44159" marR="44159" marT="0" marB="0"/>
-                </a:tc>
-                <a:tc hMerge="1">
-                  <a:txBody>
-                    <a:bodyPr/>
-                    <a:lstStyle/>
-                    <a:p>
-                      <a:endParaRPr lang="zh-CN" altLang="en-US"/>
-                    </a:p>
-                  </a:txBody>
-                  <a:tcPr/>
-                </a:tc>
-                <a:tc hMerge="1">
-                  <a:txBody>
-                    <a:bodyPr/>
-                    <a:lstStyle/>
-                    <a:p>
-                      <a:endParaRPr lang="zh-CN" altLang="en-US"/>
-                    </a:p>
-                  </a:txBody>
-                  <a:tcPr/>
-                </a:tc>
-                <a:tc gridSpan="6">
-                  <a:txBody>
-                    <a:bodyPr/>
-                    <a:lstStyle/>
-                    <a:p>
-                      <a:r>
-                        <a:rPr lang="zh-CN" sz="1600" kern="100" dirty="0">
-                          <a:effectLst/>
-                        </a:rPr>
-                        <a:t>实际解决时间</a:t>
-                      </a:r>
-                      <a:endParaRPr lang="zh-CN" altLang="en-US" dirty="0"/>
-                    </a:p>
-                  </a:txBody>
-                  <a:tcPr marL="44159" marR="44159" marT="0" marB="0"/>
-                </a:tc>
-                <a:tc hMerge="1">
-                  <a:txBody>
-                    <a:bodyPr/>
-                    <a:lstStyle/>
-                    <a:p>
-                      <a:endParaRPr lang="zh-CN" altLang="en-US"/>
-                    </a:p>
-                  </a:txBody>
-                  <a:tcPr/>
-                </a:tc>
-                <a:tc hMerge="1">
-                  <a:txBody>
-                    <a:bodyPr/>
-                    <a:lstStyle/>
-                    <a:p>
-                      <a:endParaRPr lang="zh-CN" altLang="en-US"/>
-                    </a:p>
-                  </a:txBody>
-                  <a:tcPr/>
-                </a:tc>
-                <a:tc hMerge="1">
-                  <a:txBody>
-                    <a:bodyPr/>
-                    <a:lstStyle/>
-                    <a:p>
-                      <a:endParaRPr lang="zh-CN" altLang="en-US"/>
-                    </a:p>
-                  </a:txBody>
-                  <a:tcPr/>
-                </a:tc>
-                <a:tc hMerge="1">
-                  <a:txBody>
-                    <a:bodyPr/>
-                    <a:lstStyle/>
-                    <a:p>
-                      <a:endParaRPr lang="zh-CN" altLang="en-US"/>
-                    </a:p>
-                  </a:txBody>
-                  <a:tcPr/>
-                </a:tc>
-                <a:tc hMerge="1">
-                  <a:txBody>
-                    <a:bodyPr/>
-                    <a:lstStyle/>
-                    <a:p>
-                      <a:endParaRPr lang="zh-CN" altLang="en-US"/>
-                    </a:p>
-                  </a:txBody>
-                  <a:tcPr/>
-                </a:tc>
-                <a:tc>
-                  <a:txBody>
-                    <a:bodyPr/>
-                    <a:lstStyle/>
-                    <a:p>
-                      <a:pPr algn="just">
-                        <a:spcAft>
-                          <a:spcPts val="0"/>
-                        </a:spcAft>
-                      </a:pPr>
-                      <a:r>
-                        <a:rPr lang="en-US" sz="1600" kern="100" dirty="0">
-                          <a:effectLst/>
-                        </a:rPr>
-                        <a:t> </a:t>
-                      </a:r>
-                      <a:endParaRPr lang="zh-CN" sz="1600" kern="100" dirty="0">
-                        <a:effectLst/>
-                        <a:latin typeface="Times New Roman" panose="02020603050405020304" pitchFamily="18" charset="0"/>
-                        <a:ea typeface="宋体" panose="02010600030101010101" pitchFamily="2" charset="-122"/>
-                      </a:endParaRPr>
-                    </a:p>
-                  </a:txBody>
-                  <a:tcPr marL="44159" marR="44159" marT="0" marB="0"/>
-                </a:tc>
-                <a:extLst>
-                  <a:ext uri="{0D108BD9-81ED-4DB2-BD59-A6C34878D82A}">
-                    <a16:rowId xmlns:a16="http://schemas.microsoft.com/office/drawing/2014/main" val="4235169336"/>
-                  </a:ext>
-                </a:extLst>
-              </a:tr>
-              <a:tr h="772102">
-                <a:tc>
-                  <a:txBody>
-                    <a:bodyPr/>
-                    <a:lstStyle/>
-                    <a:p>
-                      <a:pPr algn="ctr">
-                        <a:spcAft>
-                          <a:spcPts val="0"/>
-                        </a:spcAft>
-                      </a:pPr>
-                      <a:r>
-                        <a:rPr lang="zh-CN" sz="1600" kern="100">
-                          <a:effectLst/>
-                        </a:rPr>
-                        <a:t>审核人：</a:t>
-                      </a:r>
-                      <a:endParaRPr lang="zh-CN" sz="1600" kern="100">
-                        <a:effectLst/>
-                        <a:latin typeface="Times New Roman" panose="02020603050405020304" pitchFamily="18" charset="0"/>
-                        <a:ea typeface="宋体" panose="02010600030101010101" pitchFamily="2" charset="-122"/>
-                      </a:endParaRPr>
-                    </a:p>
-                  </a:txBody>
-                  <a:tcPr marL="44159" marR="44159" marT="0" marB="0"/>
-                </a:tc>
-                <a:tc gridSpan="3">
-                  <a:txBody>
-                    <a:bodyPr/>
-                    <a:lstStyle/>
-                    <a:p>
-                      <a:pPr algn="ctr">
-                        <a:spcAft>
-                          <a:spcPts val="0"/>
-                        </a:spcAft>
-                      </a:pPr>
-                      <a:r>
-                        <a:rPr lang="en-US" sz="1600" kern="100">
-                          <a:effectLst/>
-                        </a:rPr>
-                        <a:t> </a:t>
-                      </a:r>
-                      <a:endParaRPr lang="zh-CN" sz="1600" kern="100">
-                        <a:effectLst/>
-                        <a:latin typeface="Times New Roman" panose="02020603050405020304" pitchFamily="18" charset="0"/>
-                        <a:ea typeface="宋体" panose="02010600030101010101" pitchFamily="2" charset="-122"/>
-                      </a:endParaRPr>
-                    </a:p>
-                  </a:txBody>
-                  <a:tcPr marL="44159" marR="44159" marT="0" marB="0"/>
-                </a:tc>
-                <a:tc hMerge="1">
-                  <a:txBody>
-                    <a:bodyPr/>
-                    <a:lstStyle/>
-                    <a:p>
-                      <a:endParaRPr lang="zh-CN" altLang="en-US"/>
-                    </a:p>
-                  </a:txBody>
-                  <a:tcPr/>
-                </a:tc>
-                <a:tc hMerge="1">
-                  <a:txBody>
-                    <a:bodyPr/>
-                    <a:lstStyle/>
-                    <a:p>
-                      <a:endParaRPr lang="zh-CN" altLang="en-US"/>
-                    </a:p>
-                  </a:txBody>
-                  <a:tcPr/>
-                </a:tc>
-                <a:tc gridSpan="3">
-                  <a:txBody>
-                    <a:bodyPr/>
-                    <a:lstStyle/>
-                    <a:p>
-                      <a:pPr algn="ctr">
-                        <a:spcAft>
-                          <a:spcPts val="0"/>
-                        </a:spcAft>
-                      </a:pPr>
-                      <a:r>
-                        <a:rPr lang="zh-CN" sz="1600" kern="100">
-                          <a:effectLst/>
-                        </a:rPr>
-                        <a:t>需求确认人：</a:t>
-                      </a:r>
-                      <a:endParaRPr lang="zh-CN" sz="1600" kern="100">
-                        <a:effectLst/>
-                        <a:latin typeface="Times New Roman" panose="02020603050405020304" pitchFamily="18" charset="0"/>
-                        <a:ea typeface="宋体" panose="02010600030101010101" pitchFamily="2" charset="-122"/>
-                      </a:endParaRPr>
-                    </a:p>
-                  </a:txBody>
-                  <a:tcPr marL="44159" marR="44159" marT="0" marB="0"/>
-                </a:tc>
-                <a:tc hMerge="1">
-                  <a:txBody>
-                    <a:bodyPr/>
-                    <a:lstStyle/>
-                    <a:p>
-                      <a:endParaRPr lang="zh-CN" altLang="en-US"/>
-                    </a:p>
-                  </a:txBody>
-                  <a:tcPr/>
-                </a:tc>
-                <a:tc hMerge="1">
-                  <a:txBody>
-                    <a:bodyPr/>
-                    <a:lstStyle/>
-                    <a:p>
-                      <a:endParaRPr lang="zh-CN" altLang="en-US"/>
-                    </a:p>
-                  </a:txBody>
-                  <a:tcPr/>
-                </a:tc>
-                <a:tc>
-                  <a:txBody>
-                    <a:bodyPr/>
-                    <a:lstStyle/>
-                    <a:p>
-                      <a:pPr algn="just">
-                        <a:spcAft>
-                          <a:spcPts val="0"/>
-                        </a:spcAft>
-                      </a:pPr>
-                      <a:r>
-                        <a:rPr lang="en-US" sz="1600" kern="100">
-                          <a:effectLst/>
-                        </a:rPr>
-                        <a:t> </a:t>
-                      </a:r>
-                      <a:endParaRPr lang="zh-CN" sz="1600" kern="100">
-                        <a:effectLst/>
-                        <a:latin typeface="Times New Roman" panose="02020603050405020304" pitchFamily="18" charset="0"/>
-                        <a:ea typeface="宋体" panose="02010600030101010101" pitchFamily="2" charset="-122"/>
-                      </a:endParaRPr>
-                    </a:p>
-                  </a:txBody>
-                  <a:tcPr marL="44159" marR="44159" marT="0" marB="0"/>
-                </a:tc>
-                <a:tc gridSpan="7">
-                  <a:txBody>
-                    <a:bodyPr/>
-                    <a:lstStyle/>
-                    <a:p>
-                      <a:pPr algn="just">
-                        <a:spcAft>
-                          <a:spcPts val="0"/>
-                        </a:spcAft>
-                      </a:pPr>
-                      <a:r>
-                        <a:rPr lang="zh-CN" sz="1600" kern="100" dirty="0">
-                          <a:effectLst/>
-                        </a:rPr>
-                        <a:t>需求确认时间：</a:t>
-                      </a:r>
-                      <a:endParaRPr lang="zh-CN" sz="1600" kern="100" dirty="0">
-                        <a:effectLst/>
-                        <a:latin typeface="Times New Roman" panose="02020603050405020304" pitchFamily="18" charset="0"/>
-                        <a:ea typeface="宋体" panose="02010600030101010101" pitchFamily="2" charset="-122"/>
-                      </a:endParaRPr>
-                    </a:p>
-                  </a:txBody>
-                  <a:tcPr marL="44159" marR="44159" marT="0" marB="0"/>
-                </a:tc>
-                <a:tc hMerge="1">
-                  <a:txBody>
-                    <a:bodyPr/>
-                    <a:lstStyle/>
-                    <a:p>
-                      <a:endParaRPr lang="zh-CN" altLang="en-US"/>
-                    </a:p>
-                  </a:txBody>
-                  <a:tcPr/>
-                </a:tc>
-                <a:tc hMerge="1">
-                  <a:txBody>
-                    <a:bodyPr/>
-                    <a:lstStyle/>
-                    <a:p>
-                      <a:pPr algn="just">
-                        <a:spcAft>
-                          <a:spcPts val="0"/>
-                        </a:spcAft>
-                      </a:pPr>
-                      <a:r>
-                        <a:rPr lang="en-US" sz="1600" kern="100" dirty="0">
-                          <a:effectLst/>
-                        </a:rPr>
-                        <a:t> </a:t>
-                      </a:r>
-                      <a:endParaRPr lang="zh-CN" sz="1600" kern="100" dirty="0">
-                        <a:effectLst/>
-                        <a:latin typeface="Times New Roman" panose="02020603050405020304" pitchFamily="18" charset="0"/>
-                        <a:ea typeface="宋体" panose="02010600030101010101" pitchFamily="2" charset="-122"/>
-                      </a:endParaRPr>
-                    </a:p>
-                  </a:txBody>
-                  <a:tcPr marL="44159" marR="44159" marT="0" marB="0"/>
-                </a:tc>
-                <a:tc hMerge="1">
-                  <a:txBody>
-                    <a:bodyPr/>
-                    <a:lstStyle/>
-                    <a:p>
-                      <a:endParaRPr lang="zh-CN" altLang="en-US"/>
-                    </a:p>
-                  </a:txBody>
-                  <a:tcPr/>
-                </a:tc>
-                <a:tc hMerge="1">
-                  <a:txBody>
-                    <a:bodyPr/>
-                    <a:lstStyle/>
-                    <a:p>
-                      <a:endParaRPr lang="zh-CN" altLang="en-US"/>
-                    </a:p>
-                  </a:txBody>
-                  <a:tcPr/>
-                </a:tc>
-                <a:tc hMerge="1">
-                  <a:txBody>
-                    <a:bodyPr/>
-                    <a:lstStyle/>
-                    <a:p>
-                      <a:endParaRPr lang="zh-CN" altLang="en-US"/>
-                    </a:p>
-                  </a:txBody>
-                  <a:tcPr/>
-                </a:tc>
-                <a:tc hMerge="1">
-                  <a:txBody>
-                    <a:bodyPr/>
-                    <a:lstStyle/>
-                    <a:p>
-                      <a:endParaRPr lang="zh-CN" altLang="en-US"/>
-                    </a:p>
-                  </a:txBody>
-                  <a:tcPr/>
-                </a:tc>
-                <a:tc>
-                  <a:txBody>
-                    <a:bodyPr/>
-                    <a:lstStyle/>
-                    <a:p>
-                      <a:pPr algn="just">
-                        <a:spcAft>
-                          <a:spcPts val="0"/>
-                        </a:spcAft>
-                      </a:pPr>
-                      <a:r>
-                        <a:rPr lang="en-US" sz="1600" kern="100" dirty="0">
-                          <a:effectLst/>
-                        </a:rPr>
-                        <a:t> </a:t>
-                      </a:r>
-                      <a:endParaRPr lang="zh-CN" sz="1600" kern="100" dirty="0">
-                        <a:effectLst/>
-                        <a:latin typeface="Times New Roman" panose="02020603050405020304" pitchFamily="18" charset="0"/>
-                        <a:ea typeface="宋体" panose="02010600030101010101" pitchFamily="2" charset="-122"/>
-                      </a:endParaRPr>
-                    </a:p>
-                  </a:txBody>
-                  <a:tcPr marL="44159" marR="44159" marT="0" marB="0"/>
-                </a:tc>
-                <a:extLst>
-                  <a:ext uri="{0D108BD9-81ED-4DB2-BD59-A6C34878D82A}">
-                    <a16:rowId xmlns:a16="http://schemas.microsoft.com/office/drawing/2014/main" val="396768640"/>
-                  </a:ext>
-                </a:extLst>
-              </a:tr>
-            </a:tbl>
-          </a:graphicData>
-        </a:graphic>
-      </p:graphicFrame>
-    </p:spTree>
-    <p:extLst>
-      <p:ext uri="{BB962C8B-B14F-4D97-AF65-F5344CB8AC3E}">
-        <p14:creationId xmlns:p14="http://schemas.microsoft.com/office/powerpoint/2010/main" val="2962373734"/>
       </p:ext>
     </p:extLst>
   </p:cSld>
